--- a/model/PathwayFigure.pptx
+++ b/model/PathwayFigure.pptx
@@ -2,18 +2,18 @@
 <file path=ppt/presentation.xml><?xml version="1.0" encoding="utf-8"?>
 <p:presentation xmlns:a="http://schemas.openxmlformats.org/drawingml/2006/main" xmlns:r="http://schemas.openxmlformats.org/officeDocument/2006/relationships" xmlns:p="http://schemas.openxmlformats.org/presentationml/2006/main" saveSubsetFonts="1">
   <p:sldMasterIdLst>
-    <p:sldMasterId id="2147483648" r:id="rId1"/>
+    <p:sldMasterId id="2147483720" r:id="rId1"/>
   </p:sldMasterIdLst>
   <p:sldIdLst>
-    <p:sldId id="256" r:id="rId2"/>
+    <p:sldId id="258" r:id="rId2"/>
   </p:sldIdLst>
-  <p:sldSz cx="12192000" cy="6858000"/>
+  <p:sldSz cx="22680613" cy="18000663"/>
   <p:notesSz cx="6858000" cy="9144000"/>
   <p:defaultTextStyle>
     <a:defPPr>
-      <a:defRPr lang="zh-CN"/>
+      <a:defRPr lang="en-US"/>
     </a:defPPr>
-    <a:lvl1pPr marL="0" algn="l" defTabSz="914400" rtl="0" eaLnBrk="1" latinLnBrk="0" hangingPunct="1">
+    <a:lvl1pPr marL="0" algn="l" defTabSz="457200" rtl="0" eaLnBrk="1" latinLnBrk="0" hangingPunct="1">
       <a:defRPr sz="1800" kern="1200">
         <a:solidFill>
           <a:schemeClr val="tx1"/>
@@ -23,7 +23,7 @@
         <a:cs typeface="+mn-cs"/>
       </a:defRPr>
     </a:lvl1pPr>
-    <a:lvl2pPr marL="457200" algn="l" defTabSz="914400" rtl="0" eaLnBrk="1" latinLnBrk="0" hangingPunct="1">
+    <a:lvl2pPr marL="457200" algn="l" defTabSz="457200" rtl="0" eaLnBrk="1" latinLnBrk="0" hangingPunct="1">
       <a:defRPr sz="1800" kern="1200">
         <a:solidFill>
           <a:schemeClr val="tx1"/>
@@ -33,7 +33,7 @@
         <a:cs typeface="+mn-cs"/>
       </a:defRPr>
     </a:lvl2pPr>
-    <a:lvl3pPr marL="914400" algn="l" defTabSz="914400" rtl="0" eaLnBrk="1" latinLnBrk="0" hangingPunct="1">
+    <a:lvl3pPr marL="914400" algn="l" defTabSz="457200" rtl="0" eaLnBrk="1" latinLnBrk="0" hangingPunct="1">
       <a:defRPr sz="1800" kern="1200">
         <a:solidFill>
           <a:schemeClr val="tx1"/>
@@ -43,7 +43,7 @@
         <a:cs typeface="+mn-cs"/>
       </a:defRPr>
     </a:lvl3pPr>
-    <a:lvl4pPr marL="1371600" algn="l" defTabSz="914400" rtl="0" eaLnBrk="1" latinLnBrk="0" hangingPunct="1">
+    <a:lvl4pPr marL="1371600" algn="l" defTabSz="457200" rtl="0" eaLnBrk="1" latinLnBrk="0" hangingPunct="1">
       <a:defRPr sz="1800" kern="1200">
         <a:solidFill>
           <a:schemeClr val="tx1"/>
@@ -53,7 +53,7 @@
         <a:cs typeface="+mn-cs"/>
       </a:defRPr>
     </a:lvl4pPr>
-    <a:lvl5pPr marL="1828800" algn="l" defTabSz="914400" rtl="0" eaLnBrk="1" latinLnBrk="0" hangingPunct="1">
+    <a:lvl5pPr marL="1828800" algn="l" defTabSz="457200" rtl="0" eaLnBrk="1" latinLnBrk="0" hangingPunct="1">
       <a:defRPr sz="1800" kern="1200">
         <a:solidFill>
           <a:schemeClr val="tx1"/>
@@ -63,7 +63,7 @@
         <a:cs typeface="+mn-cs"/>
       </a:defRPr>
     </a:lvl5pPr>
-    <a:lvl6pPr marL="2286000" algn="l" defTabSz="914400" rtl="0" eaLnBrk="1" latinLnBrk="0" hangingPunct="1">
+    <a:lvl6pPr marL="2286000" algn="l" defTabSz="457200" rtl="0" eaLnBrk="1" latinLnBrk="0" hangingPunct="1">
       <a:defRPr sz="1800" kern="1200">
         <a:solidFill>
           <a:schemeClr val="tx1"/>
@@ -73,7 +73,7 @@
         <a:cs typeface="+mn-cs"/>
       </a:defRPr>
     </a:lvl6pPr>
-    <a:lvl7pPr marL="2743200" algn="l" defTabSz="914400" rtl="0" eaLnBrk="1" latinLnBrk="0" hangingPunct="1">
+    <a:lvl7pPr marL="2743200" algn="l" defTabSz="457200" rtl="0" eaLnBrk="1" latinLnBrk="0" hangingPunct="1">
       <a:defRPr sz="1800" kern="1200">
         <a:solidFill>
           <a:schemeClr val="tx1"/>
@@ -83,7 +83,7 @@
         <a:cs typeface="+mn-cs"/>
       </a:defRPr>
     </a:lvl7pPr>
-    <a:lvl8pPr marL="3200400" algn="l" defTabSz="914400" rtl="0" eaLnBrk="1" latinLnBrk="0" hangingPunct="1">
+    <a:lvl8pPr marL="3200400" algn="l" defTabSz="457200" rtl="0" eaLnBrk="1" latinLnBrk="0" hangingPunct="1">
       <a:defRPr sz="1800" kern="1200">
         <a:solidFill>
           <a:schemeClr val="tx1"/>
@@ -93,7 +93,7 @@
         <a:cs typeface="+mn-cs"/>
       </a:defRPr>
     </a:lvl8pPr>
-    <a:lvl9pPr marL="3657600" algn="l" defTabSz="914400" rtl="0" eaLnBrk="1" latinLnBrk="0" hangingPunct="1">
+    <a:lvl9pPr marL="3657600" algn="l" defTabSz="457200" rtl="0" eaLnBrk="1" latinLnBrk="0" hangingPunct="1">
       <a:defRPr sz="1800" kern="1200">
         <a:solidFill>
           <a:schemeClr val="tx1"/>
@@ -104,6 +104,11 @@
       </a:defRPr>
     </a:lvl9pPr>
   </p:defaultTextStyle>
+  <p:extLst>
+    <p:ext uri="{EFAFB233-063F-42B5-8137-9DF3F51BA10A}">
+      <p15:sldGuideLst xmlns:p15="http://schemas.microsoft.com/office/powerpoint/2012/main"/>
+    </p:ext>
+  </p:extLst>
 </p:presentation>
 </file>
 
@@ -126,13 +131,7 @@
       </p:grpSpPr>
       <p:sp>
         <p:nvSpPr>
-          <p:cNvPr id="2" name="标题 1">
-            <a:extLst>
-              <a:ext uri="{FF2B5EF4-FFF2-40B4-BE49-F238E27FC236}">
-                <a16:creationId xmlns:a16="http://schemas.microsoft.com/office/drawing/2014/main" id="{B7C8E1C1-4F10-4DB3-A7E4-F4752511B524}"/>
-              </a:ext>
-            </a:extLst>
-          </p:cNvPr>
+          <p:cNvPr id="2" name="Title 1"/>
           <p:cNvSpPr>
             <a:spLocks noGrp="1"/>
           </p:cNvSpPr>
@@ -142,15 +141,15 @@
         </p:nvSpPr>
         <p:spPr>
           <a:xfrm>
-            <a:off x="1524000" y="1122363"/>
-            <a:ext cx="9144000" cy="2387600"/>
+            <a:off x="1701046" y="2945943"/>
+            <a:ext cx="19278521" cy="6266897"/>
           </a:xfrm>
         </p:spPr>
         <p:txBody>
           <a:bodyPr anchor="b"/>
           <a:lstStyle>
             <a:lvl1pPr algn="ctr">
-              <a:defRPr sz="6000"/>
+              <a:defRPr sz="14882"/>
             </a:lvl1pPr>
           </a:lstStyle>
           <a:p>
@@ -158,18 +157,13 @@
               <a:rPr lang="zh-CN" altLang="en-US"/>
               <a:t>单击此处编辑母版标题样式</a:t>
             </a:r>
-          </a:p>
-        </p:txBody>
-      </p:sp>
-      <p:sp>
-        <p:nvSpPr>
-          <p:cNvPr id="3" name="副标题 2">
-            <a:extLst>
-              <a:ext uri="{FF2B5EF4-FFF2-40B4-BE49-F238E27FC236}">
-                <a16:creationId xmlns:a16="http://schemas.microsoft.com/office/drawing/2014/main" id="{3D1D0875-FEBF-4B93-BB17-5559D7C76507}"/>
-              </a:ext>
-            </a:extLst>
-          </p:cNvPr>
+            <a:endParaRPr lang="en-US" dirty="0"/>
+          </a:p>
+        </p:txBody>
+      </p:sp>
+      <p:sp>
+        <p:nvSpPr>
+          <p:cNvPr id="3" name="Subtitle 2"/>
           <p:cNvSpPr>
             <a:spLocks noGrp="1"/>
           </p:cNvSpPr>
@@ -179,8 +173,8 @@
         </p:nvSpPr>
         <p:spPr>
           <a:xfrm>
-            <a:off x="1524000" y="3602038"/>
-            <a:ext cx="9144000" cy="1655762"/>
+            <a:off x="2835077" y="9454516"/>
+            <a:ext cx="17010460" cy="4345992"/>
           </a:xfrm>
         </p:spPr>
         <p:txBody>
@@ -188,39 +182,39 @@
           <a:lstStyle>
             <a:lvl1pPr marL="0" indent="0" algn="ctr">
               <a:buNone/>
-              <a:defRPr sz="2400"/>
+              <a:defRPr sz="5953"/>
             </a:lvl1pPr>
-            <a:lvl2pPr marL="457200" indent="0" algn="ctr">
+            <a:lvl2pPr marL="1134039" indent="0" algn="ctr">
               <a:buNone/>
-              <a:defRPr sz="2000"/>
+              <a:defRPr sz="4961"/>
             </a:lvl2pPr>
-            <a:lvl3pPr marL="914400" indent="0" algn="ctr">
+            <a:lvl3pPr marL="2268078" indent="0" algn="ctr">
               <a:buNone/>
-              <a:defRPr sz="1800"/>
+              <a:defRPr sz="4465"/>
             </a:lvl3pPr>
-            <a:lvl4pPr marL="1371600" indent="0" algn="ctr">
+            <a:lvl4pPr marL="3402117" indent="0" algn="ctr">
               <a:buNone/>
-              <a:defRPr sz="1600"/>
+              <a:defRPr sz="3969"/>
             </a:lvl4pPr>
-            <a:lvl5pPr marL="1828800" indent="0" algn="ctr">
+            <a:lvl5pPr marL="4536156" indent="0" algn="ctr">
               <a:buNone/>
-              <a:defRPr sz="1600"/>
+              <a:defRPr sz="3969"/>
             </a:lvl5pPr>
-            <a:lvl6pPr marL="2286000" indent="0" algn="ctr">
+            <a:lvl6pPr marL="5670194" indent="0" algn="ctr">
               <a:buNone/>
-              <a:defRPr sz="1600"/>
+              <a:defRPr sz="3969"/>
             </a:lvl6pPr>
-            <a:lvl7pPr marL="2743200" indent="0" algn="ctr">
+            <a:lvl7pPr marL="6804233" indent="0" algn="ctr">
               <a:buNone/>
-              <a:defRPr sz="1600"/>
+              <a:defRPr sz="3969"/>
             </a:lvl7pPr>
-            <a:lvl8pPr marL="3200400" indent="0" algn="ctr">
+            <a:lvl8pPr marL="7938272" indent="0" algn="ctr">
               <a:buNone/>
-              <a:defRPr sz="1600"/>
+              <a:defRPr sz="3969"/>
             </a:lvl8pPr>
-            <a:lvl9pPr marL="3657600" indent="0" algn="ctr">
+            <a:lvl9pPr marL="9072311" indent="0" algn="ctr">
               <a:buNone/>
-              <a:defRPr sz="1600"/>
+              <a:defRPr sz="3969"/>
             </a:lvl9pPr>
           </a:lstStyle>
           <a:p>
@@ -228,18 +222,13 @@
               <a:rPr lang="zh-CN" altLang="en-US"/>
               <a:t>单击此处编辑母版副标题样式</a:t>
             </a:r>
-          </a:p>
-        </p:txBody>
-      </p:sp>
-      <p:sp>
-        <p:nvSpPr>
-          <p:cNvPr id="4" name="日期占位符 3">
-            <a:extLst>
-              <a:ext uri="{FF2B5EF4-FFF2-40B4-BE49-F238E27FC236}">
-                <a16:creationId xmlns:a16="http://schemas.microsoft.com/office/drawing/2014/main" id="{F4F161D8-CDEC-4C80-8FCC-A1212AB25588}"/>
-              </a:ext>
-            </a:extLst>
-          </p:cNvPr>
+            <a:endParaRPr lang="en-US" dirty="0"/>
+          </a:p>
+        </p:txBody>
+      </p:sp>
+      <p:sp>
+        <p:nvSpPr>
+          <p:cNvPr id="4" name="Date Placeholder 3"/>
           <p:cNvSpPr>
             <a:spLocks noGrp="1"/>
           </p:cNvSpPr>
@@ -252,9 +241,9 @@
           <a:bodyPr/>
           <a:lstStyle/>
           <a:p>
-            <a:fld id="{33F7D573-6747-44F8-B8F4-91871B17B812}" type="datetimeFigureOut">
+            <a:fld id="{BFC18325-399A-42DC-A867-3A6E5DE63ACD}" type="datetimeFigureOut">
               <a:rPr lang="zh-CN" altLang="en-US" smtClean="0"/>
-              <a:t>2021/2/18</a:t>
+              <a:t>2021/2/19</a:t>
             </a:fld>
             <a:endParaRPr lang="zh-CN" altLang="en-US"/>
           </a:p>
@@ -262,13 +251,7 @@
       </p:sp>
       <p:sp>
         <p:nvSpPr>
-          <p:cNvPr id="5" name="页脚占位符 4">
-            <a:extLst>
-              <a:ext uri="{FF2B5EF4-FFF2-40B4-BE49-F238E27FC236}">
-                <a16:creationId xmlns:a16="http://schemas.microsoft.com/office/drawing/2014/main" id="{7FB6A0A6-455B-4EC1-A6E5-053567BD2EBC}"/>
-              </a:ext>
-            </a:extLst>
-          </p:cNvPr>
+          <p:cNvPr id="5" name="Footer Placeholder 4"/>
           <p:cNvSpPr>
             <a:spLocks noGrp="1"/>
           </p:cNvSpPr>
@@ -287,13 +270,7 @@
       </p:sp>
       <p:sp>
         <p:nvSpPr>
-          <p:cNvPr id="6" name="灯片编号占位符 5">
-            <a:extLst>
-              <a:ext uri="{FF2B5EF4-FFF2-40B4-BE49-F238E27FC236}">
-                <a16:creationId xmlns:a16="http://schemas.microsoft.com/office/drawing/2014/main" id="{69AD54D3-7C41-4305-AEA0-7D5A2ACBE8FE}"/>
-              </a:ext>
-            </a:extLst>
-          </p:cNvPr>
+          <p:cNvPr id="6" name="Slide Number Placeholder 5"/>
           <p:cNvSpPr>
             <a:spLocks noGrp="1"/>
           </p:cNvSpPr>
@@ -306,7 +283,7 @@
           <a:bodyPr/>
           <a:lstStyle/>
           <a:p>
-            <a:fld id="{012E4D83-B70A-4264-B1E3-3DEA5A91644F}" type="slidenum">
+            <a:fld id="{0587326F-EFF4-4D15-8897-7C40AFED92D4}" type="slidenum">
               <a:rPr lang="zh-CN" altLang="en-US" smtClean="0"/>
               <a:t>‹#›</a:t>
             </a:fld>
@@ -317,7 +294,7 @@
     </p:spTree>
     <p:extLst>
       <p:ext uri="{BB962C8B-B14F-4D97-AF65-F5344CB8AC3E}">
-        <p14:creationId xmlns:p14="http://schemas.microsoft.com/office/powerpoint/2010/main" val="1991408271"/>
+        <p14:creationId xmlns:p14="http://schemas.microsoft.com/office/powerpoint/2010/main" val="1939416047"/>
       </p:ext>
     </p:extLst>
   </p:cSld>
@@ -346,13 +323,7 @@
       </p:grpSpPr>
       <p:sp>
         <p:nvSpPr>
-          <p:cNvPr id="2" name="标题 1">
-            <a:extLst>
-              <a:ext uri="{FF2B5EF4-FFF2-40B4-BE49-F238E27FC236}">
-                <a16:creationId xmlns:a16="http://schemas.microsoft.com/office/drawing/2014/main" id="{D1061224-9C53-4360-8D82-4C06C031181D}"/>
-              </a:ext>
-            </a:extLst>
-          </p:cNvPr>
+          <p:cNvPr id="2" name="Title 1"/>
           <p:cNvSpPr>
             <a:spLocks noGrp="1"/>
           </p:cNvSpPr>
@@ -369,18 +340,13 @@
               <a:rPr lang="zh-CN" altLang="en-US"/>
               <a:t>单击此处编辑母版标题样式</a:t>
             </a:r>
-          </a:p>
-        </p:txBody>
-      </p:sp>
-      <p:sp>
-        <p:nvSpPr>
-          <p:cNvPr id="3" name="竖排文字占位符 2">
-            <a:extLst>
-              <a:ext uri="{FF2B5EF4-FFF2-40B4-BE49-F238E27FC236}">
-                <a16:creationId xmlns:a16="http://schemas.microsoft.com/office/drawing/2014/main" id="{65F326DF-65E5-4308-A0DA-1B58F937AE00}"/>
-              </a:ext>
-            </a:extLst>
-          </p:cNvPr>
+            <a:endParaRPr lang="en-US" dirty="0"/>
+          </a:p>
+        </p:txBody>
+      </p:sp>
+      <p:sp>
+        <p:nvSpPr>
+          <p:cNvPr id="3" name="Vertical Text Placeholder 2"/>
           <p:cNvSpPr>
             <a:spLocks noGrp="1"/>
           </p:cNvSpPr>
@@ -426,18 +392,13 @@
               <a:rPr lang="zh-CN" altLang="en-US"/>
               <a:t>第五级</a:t>
             </a:r>
-          </a:p>
-        </p:txBody>
-      </p:sp>
-      <p:sp>
-        <p:nvSpPr>
-          <p:cNvPr id="4" name="日期占位符 3">
-            <a:extLst>
-              <a:ext uri="{FF2B5EF4-FFF2-40B4-BE49-F238E27FC236}">
-                <a16:creationId xmlns:a16="http://schemas.microsoft.com/office/drawing/2014/main" id="{399C301A-4B41-4D72-B69B-4D02147F9FDF}"/>
-              </a:ext>
-            </a:extLst>
-          </p:cNvPr>
+            <a:endParaRPr lang="en-US" dirty="0"/>
+          </a:p>
+        </p:txBody>
+      </p:sp>
+      <p:sp>
+        <p:nvSpPr>
+          <p:cNvPr id="4" name="Date Placeholder 3"/>
           <p:cNvSpPr>
             <a:spLocks noGrp="1"/>
           </p:cNvSpPr>
@@ -450,9 +411,9 @@
           <a:bodyPr/>
           <a:lstStyle/>
           <a:p>
-            <a:fld id="{33F7D573-6747-44F8-B8F4-91871B17B812}" type="datetimeFigureOut">
+            <a:fld id="{BFC18325-399A-42DC-A867-3A6E5DE63ACD}" type="datetimeFigureOut">
               <a:rPr lang="zh-CN" altLang="en-US" smtClean="0"/>
-              <a:t>2021/2/18</a:t>
+              <a:t>2021/2/19</a:t>
             </a:fld>
             <a:endParaRPr lang="zh-CN" altLang="en-US"/>
           </a:p>
@@ -460,13 +421,7 @@
       </p:sp>
       <p:sp>
         <p:nvSpPr>
-          <p:cNvPr id="5" name="页脚占位符 4">
-            <a:extLst>
-              <a:ext uri="{FF2B5EF4-FFF2-40B4-BE49-F238E27FC236}">
-                <a16:creationId xmlns:a16="http://schemas.microsoft.com/office/drawing/2014/main" id="{97BB6122-796B-4FFB-B7C9-8279A7812D67}"/>
-              </a:ext>
-            </a:extLst>
-          </p:cNvPr>
+          <p:cNvPr id="5" name="Footer Placeholder 4"/>
           <p:cNvSpPr>
             <a:spLocks noGrp="1"/>
           </p:cNvSpPr>
@@ -485,13 +440,7 @@
       </p:sp>
       <p:sp>
         <p:nvSpPr>
-          <p:cNvPr id="6" name="灯片编号占位符 5">
-            <a:extLst>
-              <a:ext uri="{FF2B5EF4-FFF2-40B4-BE49-F238E27FC236}">
-                <a16:creationId xmlns:a16="http://schemas.microsoft.com/office/drawing/2014/main" id="{3B29C774-8931-4E2F-9DF8-C62C6A20B8C8}"/>
-              </a:ext>
-            </a:extLst>
-          </p:cNvPr>
+          <p:cNvPr id="6" name="Slide Number Placeholder 5"/>
           <p:cNvSpPr>
             <a:spLocks noGrp="1"/>
           </p:cNvSpPr>
@@ -504,7 +453,7 @@
           <a:bodyPr/>
           <a:lstStyle/>
           <a:p>
-            <a:fld id="{012E4D83-B70A-4264-B1E3-3DEA5A91644F}" type="slidenum">
+            <a:fld id="{0587326F-EFF4-4D15-8897-7C40AFED92D4}" type="slidenum">
               <a:rPr lang="zh-CN" altLang="en-US" smtClean="0"/>
               <a:t>‹#›</a:t>
             </a:fld>
@@ -515,7 +464,7 @@
     </p:spTree>
     <p:extLst>
       <p:ext uri="{BB962C8B-B14F-4D97-AF65-F5344CB8AC3E}">
-        <p14:creationId xmlns:p14="http://schemas.microsoft.com/office/powerpoint/2010/main" val="1225029452"/>
+        <p14:creationId xmlns:p14="http://schemas.microsoft.com/office/powerpoint/2010/main" val="1429253528"/>
       </p:ext>
     </p:extLst>
   </p:cSld>
@@ -544,13 +493,7 @@
       </p:grpSpPr>
       <p:sp>
         <p:nvSpPr>
-          <p:cNvPr id="2" name="竖排标题 1">
-            <a:extLst>
-              <a:ext uri="{FF2B5EF4-FFF2-40B4-BE49-F238E27FC236}">
-                <a16:creationId xmlns:a16="http://schemas.microsoft.com/office/drawing/2014/main" id="{E347D47D-296C-426B-9E20-152F7BC47B67}"/>
-              </a:ext>
-            </a:extLst>
-          </p:cNvPr>
+          <p:cNvPr id="2" name="Vertical Title 1"/>
           <p:cNvSpPr>
             <a:spLocks noGrp="1"/>
           </p:cNvSpPr>
@@ -560,8 +503,8 @@
         </p:nvSpPr>
         <p:spPr>
           <a:xfrm>
-            <a:off x="8724900" y="365125"/>
-            <a:ext cx="2628900" cy="5811838"/>
+            <a:off x="16230815" y="958369"/>
+            <a:ext cx="4890507" cy="15254730"/>
           </a:xfrm>
         </p:spPr>
         <p:txBody>
@@ -572,18 +515,13 @@
               <a:rPr lang="zh-CN" altLang="en-US"/>
               <a:t>单击此处编辑母版标题样式</a:t>
             </a:r>
-          </a:p>
-        </p:txBody>
-      </p:sp>
-      <p:sp>
-        <p:nvSpPr>
-          <p:cNvPr id="3" name="竖排文字占位符 2">
-            <a:extLst>
-              <a:ext uri="{FF2B5EF4-FFF2-40B4-BE49-F238E27FC236}">
-                <a16:creationId xmlns:a16="http://schemas.microsoft.com/office/drawing/2014/main" id="{C8A1F3F4-5EE5-4B1F-90D7-34BE36E5C69C}"/>
-              </a:ext>
-            </a:extLst>
-          </p:cNvPr>
+            <a:endParaRPr lang="en-US" dirty="0"/>
+          </a:p>
+        </p:txBody>
+      </p:sp>
+      <p:sp>
+        <p:nvSpPr>
+          <p:cNvPr id="3" name="Vertical Text Placeholder 2"/>
           <p:cNvSpPr>
             <a:spLocks noGrp="1"/>
           </p:cNvSpPr>
@@ -593,8 +531,8 @@
         </p:nvSpPr>
         <p:spPr>
           <a:xfrm>
-            <a:off x="838200" y="365125"/>
-            <a:ext cx="7734300" cy="5811838"/>
+            <a:off x="1559293" y="958369"/>
+            <a:ext cx="14388014" cy="15254730"/>
           </a:xfrm>
         </p:spPr>
         <p:txBody>
@@ -634,18 +572,13 @@
               <a:rPr lang="zh-CN" altLang="en-US"/>
               <a:t>第五级</a:t>
             </a:r>
-          </a:p>
-        </p:txBody>
-      </p:sp>
-      <p:sp>
-        <p:nvSpPr>
-          <p:cNvPr id="4" name="日期占位符 3">
-            <a:extLst>
-              <a:ext uri="{FF2B5EF4-FFF2-40B4-BE49-F238E27FC236}">
-                <a16:creationId xmlns:a16="http://schemas.microsoft.com/office/drawing/2014/main" id="{0E89473A-E78D-4087-95C4-F6A40E758013}"/>
-              </a:ext>
-            </a:extLst>
-          </p:cNvPr>
+            <a:endParaRPr lang="en-US" dirty="0"/>
+          </a:p>
+        </p:txBody>
+      </p:sp>
+      <p:sp>
+        <p:nvSpPr>
+          <p:cNvPr id="4" name="Date Placeholder 3"/>
           <p:cNvSpPr>
             <a:spLocks noGrp="1"/>
           </p:cNvSpPr>
@@ -658,9 +591,9 @@
           <a:bodyPr/>
           <a:lstStyle/>
           <a:p>
-            <a:fld id="{33F7D573-6747-44F8-B8F4-91871B17B812}" type="datetimeFigureOut">
+            <a:fld id="{BFC18325-399A-42DC-A867-3A6E5DE63ACD}" type="datetimeFigureOut">
               <a:rPr lang="zh-CN" altLang="en-US" smtClean="0"/>
-              <a:t>2021/2/18</a:t>
+              <a:t>2021/2/19</a:t>
             </a:fld>
             <a:endParaRPr lang="zh-CN" altLang="en-US"/>
           </a:p>
@@ -668,13 +601,7 @@
       </p:sp>
       <p:sp>
         <p:nvSpPr>
-          <p:cNvPr id="5" name="页脚占位符 4">
-            <a:extLst>
-              <a:ext uri="{FF2B5EF4-FFF2-40B4-BE49-F238E27FC236}">
-                <a16:creationId xmlns:a16="http://schemas.microsoft.com/office/drawing/2014/main" id="{E036D491-764F-4C3F-801C-9DE91D7F1513}"/>
-              </a:ext>
-            </a:extLst>
-          </p:cNvPr>
+          <p:cNvPr id="5" name="Footer Placeholder 4"/>
           <p:cNvSpPr>
             <a:spLocks noGrp="1"/>
           </p:cNvSpPr>
@@ -693,13 +620,7 @@
       </p:sp>
       <p:sp>
         <p:nvSpPr>
-          <p:cNvPr id="6" name="灯片编号占位符 5">
-            <a:extLst>
-              <a:ext uri="{FF2B5EF4-FFF2-40B4-BE49-F238E27FC236}">
-                <a16:creationId xmlns:a16="http://schemas.microsoft.com/office/drawing/2014/main" id="{75FB4355-AD96-4EB1-9BCA-DD57836C69E6}"/>
-              </a:ext>
-            </a:extLst>
-          </p:cNvPr>
+          <p:cNvPr id="6" name="Slide Number Placeholder 5"/>
           <p:cNvSpPr>
             <a:spLocks noGrp="1"/>
           </p:cNvSpPr>
@@ -712,7 +633,7 @@
           <a:bodyPr/>
           <a:lstStyle/>
           <a:p>
-            <a:fld id="{012E4D83-B70A-4264-B1E3-3DEA5A91644F}" type="slidenum">
+            <a:fld id="{0587326F-EFF4-4D15-8897-7C40AFED92D4}" type="slidenum">
               <a:rPr lang="zh-CN" altLang="en-US" smtClean="0"/>
               <a:t>‹#›</a:t>
             </a:fld>
@@ -723,7 +644,7 @@
     </p:spTree>
     <p:extLst>
       <p:ext uri="{BB962C8B-B14F-4D97-AF65-F5344CB8AC3E}">
-        <p14:creationId xmlns:p14="http://schemas.microsoft.com/office/powerpoint/2010/main" val="566871505"/>
+        <p14:creationId xmlns:p14="http://schemas.microsoft.com/office/powerpoint/2010/main" val="1311429278"/>
       </p:ext>
     </p:extLst>
   </p:cSld>
@@ -752,13 +673,7 @@
       </p:grpSpPr>
       <p:sp>
         <p:nvSpPr>
-          <p:cNvPr id="2" name="标题 1">
-            <a:extLst>
-              <a:ext uri="{FF2B5EF4-FFF2-40B4-BE49-F238E27FC236}">
-                <a16:creationId xmlns:a16="http://schemas.microsoft.com/office/drawing/2014/main" id="{CB159337-FAEA-46D3-9070-446784E84091}"/>
-              </a:ext>
-            </a:extLst>
-          </p:cNvPr>
+          <p:cNvPr id="2" name="Title 1"/>
           <p:cNvSpPr>
             <a:spLocks noGrp="1"/>
           </p:cNvSpPr>
@@ -775,18 +690,13 @@
               <a:rPr lang="zh-CN" altLang="en-US"/>
               <a:t>单击此处编辑母版标题样式</a:t>
             </a:r>
-          </a:p>
-        </p:txBody>
-      </p:sp>
-      <p:sp>
-        <p:nvSpPr>
-          <p:cNvPr id="3" name="内容占位符 2">
-            <a:extLst>
-              <a:ext uri="{FF2B5EF4-FFF2-40B4-BE49-F238E27FC236}">
-                <a16:creationId xmlns:a16="http://schemas.microsoft.com/office/drawing/2014/main" id="{98941698-A4C0-4360-A667-487AF80B714B}"/>
-              </a:ext>
-            </a:extLst>
-          </p:cNvPr>
+            <a:endParaRPr lang="en-US" dirty="0"/>
+          </a:p>
+        </p:txBody>
+      </p:sp>
+      <p:sp>
+        <p:nvSpPr>
+          <p:cNvPr id="3" name="Content Placeholder 2"/>
           <p:cNvSpPr>
             <a:spLocks noGrp="1"/>
           </p:cNvSpPr>
@@ -832,18 +742,13 @@
               <a:rPr lang="zh-CN" altLang="en-US"/>
               <a:t>第五级</a:t>
             </a:r>
-          </a:p>
-        </p:txBody>
-      </p:sp>
-      <p:sp>
-        <p:nvSpPr>
-          <p:cNvPr id="4" name="日期占位符 3">
-            <a:extLst>
-              <a:ext uri="{FF2B5EF4-FFF2-40B4-BE49-F238E27FC236}">
-                <a16:creationId xmlns:a16="http://schemas.microsoft.com/office/drawing/2014/main" id="{C709B71E-65DC-40D8-947A-DD9E9A0F15DC}"/>
-              </a:ext>
-            </a:extLst>
-          </p:cNvPr>
+            <a:endParaRPr lang="en-US" dirty="0"/>
+          </a:p>
+        </p:txBody>
+      </p:sp>
+      <p:sp>
+        <p:nvSpPr>
+          <p:cNvPr id="4" name="Date Placeholder 3"/>
           <p:cNvSpPr>
             <a:spLocks noGrp="1"/>
           </p:cNvSpPr>
@@ -856,9 +761,9 @@
           <a:bodyPr/>
           <a:lstStyle/>
           <a:p>
-            <a:fld id="{33F7D573-6747-44F8-B8F4-91871B17B812}" type="datetimeFigureOut">
+            <a:fld id="{BFC18325-399A-42DC-A867-3A6E5DE63ACD}" type="datetimeFigureOut">
               <a:rPr lang="zh-CN" altLang="en-US" smtClean="0"/>
-              <a:t>2021/2/18</a:t>
+              <a:t>2021/2/19</a:t>
             </a:fld>
             <a:endParaRPr lang="zh-CN" altLang="en-US"/>
           </a:p>
@@ -866,13 +771,7 @@
       </p:sp>
       <p:sp>
         <p:nvSpPr>
-          <p:cNvPr id="5" name="页脚占位符 4">
-            <a:extLst>
-              <a:ext uri="{FF2B5EF4-FFF2-40B4-BE49-F238E27FC236}">
-                <a16:creationId xmlns:a16="http://schemas.microsoft.com/office/drawing/2014/main" id="{5C0703AF-CD63-423F-AE3C-89B872B0D100}"/>
-              </a:ext>
-            </a:extLst>
-          </p:cNvPr>
+          <p:cNvPr id="5" name="Footer Placeholder 4"/>
           <p:cNvSpPr>
             <a:spLocks noGrp="1"/>
           </p:cNvSpPr>
@@ -891,13 +790,7 @@
       </p:sp>
       <p:sp>
         <p:nvSpPr>
-          <p:cNvPr id="6" name="灯片编号占位符 5">
-            <a:extLst>
-              <a:ext uri="{FF2B5EF4-FFF2-40B4-BE49-F238E27FC236}">
-                <a16:creationId xmlns:a16="http://schemas.microsoft.com/office/drawing/2014/main" id="{1273BB5D-B4F6-4960-9AB6-829BDC9DD191}"/>
-              </a:ext>
-            </a:extLst>
-          </p:cNvPr>
+          <p:cNvPr id="6" name="Slide Number Placeholder 5"/>
           <p:cNvSpPr>
             <a:spLocks noGrp="1"/>
           </p:cNvSpPr>
@@ -910,7 +803,7 @@
           <a:bodyPr/>
           <a:lstStyle/>
           <a:p>
-            <a:fld id="{012E4D83-B70A-4264-B1E3-3DEA5A91644F}" type="slidenum">
+            <a:fld id="{0587326F-EFF4-4D15-8897-7C40AFED92D4}" type="slidenum">
               <a:rPr lang="zh-CN" altLang="en-US" smtClean="0"/>
               <a:t>‹#›</a:t>
             </a:fld>
@@ -921,7 +814,7 @@
     </p:spTree>
     <p:extLst>
       <p:ext uri="{BB962C8B-B14F-4D97-AF65-F5344CB8AC3E}">
-        <p14:creationId xmlns:p14="http://schemas.microsoft.com/office/powerpoint/2010/main" val="2167110270"/>
+        <p14:creationId xmlns:p14="http://schemas.microsoft.com/office/powerpoint/2010/main" val="1071507167"/>
       </p:ext>
     </p:extLst>
   </p:cSld>
@@ -950,13 +843,7 @@
       </p:grpSpPr>
       <p:sp>
         <p:nvSpPr>
-          <p:cNvPr id="2" name="标题 1">
-            <a:extLst>
-              <a:ext uri="{FF2B5EF4-FFF2-40B4-BE49-F238E27FC236}">
-                <a16:creationId xmlns:a16="http://schemas.microsoft.com/office/drawing/2014/main" id="{CF0F4A17-EFF6-47ED-990E-2B740672880A}"/>
-              </a:ext>
-            </a:extLst>
-          </p:cNvPr>
+          <p:cNvPr id="2" name="Title 1"/>
           <p:cNvSpPr>
             <a:spLocks noGrp="1"/>
           </p:cNvSpPr>
@@ -966,15 +853,15 @@
         </p:nvSpPr>
         <p:spPr>
           <a:xfrm>
-            <a:off x="831850" y="1709738"/>
-            <a:ext cx="10515600" cy="2852737"/>
+            <a:off x="1547480" y="4487671"/>
+            <a:ext cx="19562029" cy="7487774"/>
           </a:xfrm>
         </p:spPr>
         <p:txBody>
           <a:bodyPr anchor="b"/>
           <a:lstStyle>
             <a:lvl1pPr>
-              <a:defRPr sz="6000"/>
+              <a:defRPr sz="14882"/>
             </a:lvl1pPr>
           </a:lstStyle>
           <a:p>
@@ -982,18 +869,13 @@
               <a:rPr lang="zh-CN" altLang="en-US"/>
               <a:t>单击此处编辑母版标题样式</a:t>
             </a:r>
-          </a:p>
-        </p:txBody>
-      </p:sp>
-      <p:sp>
-        <p:nvSpPr>
-          <p:cNvPr id="3" name="文本占位符 2">
-            <a:extLst>
-              <a:ext uri="{FF2B5EF4-FFF2-40B4-BE49-F238E27FC236}">
-                <a16:creationId xmlns:a16="http://schemas.microsoft.com/office/drawing/2014/main" id="{86919917-352A-42B8-996F-9CB0003E9835}"/>
-              </a:ext>
-            </a:extLst>
-          </p:cNvPr>
+            <a:endParaRPr lang="en-US" dirty="0"/>
+          </a:p>
+        </p:txBody>
+      </p:sp>
+      <p:sp>
+        <p:nvSpPr>
+          <p:cNvPr id="3" name="Text Placeholder 2"/>
           <p:cNvSpPr>
             <a:spLocks noGrp="1"/>
           </p:cNvSpPr>
@@ -1003,8 +885,8 @@
         </p:nvSpPr>
         <p:spPr>
           <a:xfrm>
-            <a:off x="831850" y="4589463"/>
-            <a:ext cx="10515600" cy="1500187"/>
+            <a:off x="1547480" y="12046282"/>
+            <a:ext cx="19562029" cy="3937644"/>
           </a:xfrm>
         </p:spPr>
         <p:txBody>
@@ -1012,17 +894,15 @@
           <a:lstStyle>
             <a:lvl1pPr marL="0" indent="0">
               <a:buNone/>
-              <a:defRPr sz="2400">
+              <a:defRPr sz="5953">
                 <a:solidFill>
-                  <a:schemeClr val="tx1">
-                    <a:tint val="75000"/>
-                  </a:schemeClr>
+                  <a:schemeClr val="tx1"/>
                 </a:solidFill>
               </a:defRPr>
             </a:lvl1pPr>
-            <a:lvl2pPr marL="457200" indent="0">
+            <a:lvl2pPr marL="1134039" indent="0">
               <a:buNone/>
-              <a:defRPr sz="2000">
+              <a:defRPr sz="4961">
                 <a:solidFill>
                   <a:schemeClr val="tx1">
                     <a:tint val="75000"/>
@@ -1030,9 +910,9 @@
                 </a:solidFill>
               </a:defRPr>
             </a:lvl2pPr>
-            <a:lvl3pPr marL="914400" indent="0">
+            <a:lvl3pPr marL="2268078" indent="0">
               <a:buNone/>
-              <a:defRPr sz="1800">
+              <a:defRPr sz="4465">
                 <a:solidFill>
                   <a:schemeClr val="tx1">
                     <a:tint val="75000"/>
@@ -1040,9 +920,9 @@
                 </a:solidFill>
               </a:defRPr>
             </a:lvl3pPr>
-            <a:lvl4pPr marL="1371600" indent="0">
+            <a:lvl4pPr marL="3402117" indent="0">
               <a:buNone/>
-              <a:defRPr sz="1600">
+              <a:defRPr sz="3969">
                 <a:solidFill>
                   <a:schemeClr val="tx1">
                     <a:tint val="75000"/>
@@ -1050,9 +930,9 @@
                 </a:solidFill>
               </a:defRPr>
             </a:lvl4pPr>
-            <a:lvl5pPr marL="1828800" indent="0">
+            <a:lvl5pPr marL="4536156" indent="0">
               <a:buNone/>
-              <a:defRPr sz="1600">
+              <a:defRPr sz="3969">
                 <a:solidFill>
                   <a:schemeClr val="tx1">
                     <a:tint val="75000"/>
@@ -1060,9 +940,9 @@
                 </a:solidFill>
               </a:defRPr>
             </a:lvl5pPr>
-            <a:lvl6pPr marL="2286000" indent="0">
+            <a:lvl6pPr marL="5670194" indent="0">
               <a:buNone/>
-              <a:defRPr sz="1600">
+              <a:defRPr sz="3969">
                 <a:solidFill>
                   <a:schemeClr val="tx1">
                     <a:tint val="75000"/>
@@ -1070,9 +950,9 @@
                 </a:solidFill>
               </a:defRPr>
             </a:lvl6pPr>
-            <a:lvl7pPr marL="2743200" indent="0">
+            <a:lvl7pPr marL="6804233" indent="0">
               <a:buNone/>
-              <a:defRPr sz="1600">
+              <a:defRPr sz="3969">
                 <a:solidFill>
                   <a:schemeClr val="tx1">
                     <a:tint val="75000"/>
@@ -1080,9 +960,9 @@
                 </a:solidFill>
               </a:defRPr>
             </a:lvl7pPr>
-            <a:lvl8pPr marL="3200400" indent="0">
+            <a:lvl8pPr marL="7938272" indent="0">
               <a:buNone/>
-              <a:defRPr sz="1600">
+              <a:defRPr sz="3969">
                 <a:solidFill>
                   <a:schemeClr val="tx1">
                     <a:tint val="75000"/>
@@ -1090,9 +970,9 @@
                 </a:solidFill>
               </a:defRPr>
             </a:lvl8pPr>
-            <a:lvl9pPr marL="3657600" indent="0">
+            <a:lvl9pPr marL="9072311" indent="0">
               <a:buNone/>
-              <a:defRPr sz="1600">
+              <a:defRPr sz="3969">
                 <a:solidFill>
                   <a:schemeClr val="tx1">
                     <a:tint val="75000"/>
@@ -1112,13 +992,7 @@
       </p:sp>
       <p:sp>
         <p:nvSpPr>
-          <p:cNvPr id="4" name="日期占位符 3">
-            <a:extLst>
-              <a:ext uri="{FF2B5EF4-FFF2-40B4-BE49-F238E27FC236}">
-                <a16:creationId xmlns:a16="http://schemas.microsoft.com/office/drawing/2014/main" id="{255D3F43-FA28-4CCE-A56C-F6474B820B02}"/>
-              </a:ext>
-            </a:extLst>
-          </p:cNvPr>
+          <p:cNvPr id="4" name="Date Placeholder 3"/>
           <p:cNvSpPr>
             <a:spLocks noGrp="1"/>
           </p:cNvSpPr>
@@ -1131,9 +1005,9 @@
           <a:bodyPr/>
           <a:lstStyle/>
           <a:p>
-            <a:fld id="{33F7D573-6747-44F8-B8F4-91871B17B812}" type="datetimeFigureOut">
+            <a:fld id="{BFC18325-399A-42DC-A867-3A6E5DE63ACD}" type="datetimeFigureOut">
               <a:rPr lang="zh-CN" altLang="en-US" smtClean="0"/>
-              <a:t>2021/2/18</a:t>
+              <a:t>2021/2/19</a:t>
             </a:fld>
             <a:endParaRPr lang="zh-CN" altLang="en-US"/>
           </a:p>
@@ -1141,13 +1015,7 @@
       </p:sp>
       <p:sp>
         <p:nvSpPr>
-          <p:cNvPr id="5" name="页脚占位符 4">
-            <a:extLst>
-              <a:ext uri="{FF2B5EF4-FFF2-40B4-BE49-F238E27FC236}">
-                <a16:creationId xmlns:a16="http://schemas.microsoft.com/office/drawing/2014/main" id="{80DB28FC-8505-4831-8B2B-DEDFC3128C54}"/>
-              </a:ext>
-            </a:extLst>
-          </p:cNvPr>
+          <p:cNvPr id="5" name="Footer Placeholder 4"/>
           <p:cNvSpPr>
             <a:spLocks noGrp="1"/>
           </p:cNvSpPr>
@@ -1166,13 +1034,7 @@
       </p:sp>
       <p:sp>
         <p:nvSpPr>
-          <p:cNvPr id="6" name="灯片编号占位符 5">
-            <a:extLst>
-              <a:ext uri="{FF2B5EF4-FFF2-40B4-BE49-F238E27FC236}">
-                <a16:creationId xmlns:a16="http://schemas.microsoft.com/office/drawing/2014/main" id="{42CF27BD-5E04-40CE-8135-7EAF03C64709}"/>
-              </a:ext>
-            </a:extLst>
-          </p:cNvPr>
+          <p:cNvPr id="6" name="Slide Number Placeholder 5"/>
           <p:cNvSpPr>
             <a:spLocks noGrp="1"/>
           </p:cNvSpPr>
@@ -1185,7 +1047,7 @@
           <a:bodyPr/>
           <a:lstStyle/>
           <a:p>
-            <a:fld id="{012E4D83-B70A-4264-B1E3-3DEA5A91644F}" type="slidenum">
+            <a:fld id="{0587326F-EFF4-4D15-8897-7C40AFED92D4}" type="slidenum">
               <a:rPr lang="zh-CN" altLang="en-US" smtClean="0"/>
               <a:t>‹#›</a:t>
             </a:fld>
@@ -1196,7 +1058,7 @@
     </p:spTree>
     <p:extLst>
       <p:ext uri="{BB962C8B-B14F-4D97-AF65-F5344CB8AC3E}">
-        <p14:creationId xmlns:p14="http://schemas.microsoft.com/office/powerpoint/2010/main" val="550824380"/>
+        <p14:creationId xmlns:p14="http://schemas.microsoft.com/office/powerpoint/2010/main" val="4280278885"/>
       </p:ext>
     </p:extLst>
   </p:cSld>
@@ -1225,13 +1087,7 @@
       </p:grpSpPr>
       <p:sp>
         <p:nvSpPr>
-          <p:cNvPr id="2" name="标题 1">
-            <a:extLst>
-              <a:ext uri="{FF2B5EF4-FFF2-40B4-BE49-F238E27FC236}">
-                <a16:creationId xmlns:a16="http://schemas.microsoft.com/office/drawing/2014/main" id="{4A3AC8F7-050F-4A82-8246-71FA27D7AEB3}"/>
-              </a:ext>
-            </a:extLst>
-          </p:cNvPr>
+          <p:cNvPr id="2" name="Title 1"/>
           <p:cNvSpPr>
             <a:spLocks noGrp="1"/>
           </p:cNvSpPr>
@@ -1248,18 +1104,13 @@
               <a:rPr lang="zh-CN" altLang="en-US"/>
               <a:t>单击此处编辑母版标题样式</a:t>
             </a:r>
-          </a:p>
-        </p:txBody>
-      </p:sp>
-      <p:sp>
-        <p:nvSpPr>
-          <p:cNvPr id="3" name="内容占位符 2">
-            <a:extLst>
-              <a:ext uri="{FF2B5EF4-FFF2-40B4-BE49-F238E27FC236}">
-                <a16:creationId xmlns:a16="http://schemas.microsoft.com/office/drawing/2014/main" id="{77BD6973-FDD9-47E5-BA88-67F0F2745B8E}"/>
-              </a:ext>
-            </a:extLst>
-          </p:cNvPr>
+            <a:endParaRPr lang="en-US" dirty="0"/>
+          </a:p>
+        </p:txBody>
+      </p:sp>
+      <p:sp>
+        <p:nvSpPr>
+          <p:cNvPr id="3" name="Content Placeholder 2"/>
           <p:cNvSpPr>
             <a:spLocks noGrp="1"/>
           </p:cNvSpPr>
@@ -1269,8 +1120,8 @@
         </p:nvSpPr>
         <p:spPr>
           <a:xfrm>
-            <a:off x="838200" y="1825625"/>
-            <a:ext cx="5181600" cy="4351338"/>
+            <a:off x="1559292" y="4791843"/>
+            <a:ext cx="9639261" cy="11421255"/>
           </a:xfrm>
         </p:spPr>
         <p:txBody>
@@ -1310,18 +1161,13 @@
               <a:rPr lang="zh-CN" altLang="en-US"/>
               <a:t>第五级</a:t>
             </a:r>
-          </a:p>
-        </p:txBody>
-      </p:sp>
-      <p:sp>
-        <p:nvSpPr>
-          <p:cNvPr id="4" name="内容占位符 3">
-            <a:extLst>
-              <a:ext uri="{FF2B5EF4-FFF2-40B4-BE49-F238E27FC236}">
-                <a16:creationId xmlns:a16="http://schemas.microsoft.com/office/drawing/2014/main" id="{929DD3B4-B5BA-4460-BDA7-8B6A3108BD19}"/>
-              </a:ext>
-            </a:extLst>
-          </p:cNvPr>
+            <a:endParaRPr lang="en-US" dirty="0"/>
+          </a:p>
+        </p:txBody>
+      </p:sp>
+      <p:sp>
+        <p:nvSpPr>
+          <p:cNvPr id="4" name="Content Placeholder 3"/>
           <p:cNvSpPr>
             <a:spLocks noGrp="1"/>
           </p:cNvSpPr>
@@ -1331,8 +1177,8 @@
         </p:nvSpPr>
         <p:spPr>
           <a:xfrm>
-            <a:off x="6172200" y="1825625"/>
-            <a:ext cx="5181600" cy="4351338"/>
+            <a:off x="11482060" y="4791843"/>
+            <a:ext cx="9639261" cy="11421255"/>
           </a:xfrm>
         </p:spPr>
         <p:txBody>
@@ -1372,18 +1218,13 @@
               <a:rPr lang="zh-CN" altLang="en-US"/>
               <a:t>第五级</a:t>
             </a:r>
-          </a:p>
-        </p:txBody>
-      </p:sp>
-      <p:sp>
-        <p:nvSpPr>
-          <p:cNvPr id="5" name="日期占位符 4">
-            <a:extLst>
-              <a:ext uri="{FF2B5EF4-FFF2-40B4-BE49-F238E27FC236}">
-                <a16:creationId xmlns:a16="http://schemas.microsoft.com/office/drawing/2014/main" id="{A0CA3DEF-973F-4600-A646-A8B4520DD154}"/>
-              </a:ext>
-            </a:extLst>
-          </p:cNvPr>
+            <a:endParaRPr lang="en-US" dirty="0"/>
+          </a:p>
+        </p:txBody>
+      </p:sp>
+      <p:sp>
+        <p:nvSpPr>
+          <p:cNvPr id="5" name="Date Placeholder 4"/>
           <p:cNvSpPr>
             <a:spLocks noGrp="1"/>
           </p:cNvSpPr>
@@ -1396,9 +1237,9 @@
           <a:bodyPr/>
           <a:lstStyle/>
           <a:p>
-            <a:fld id="{33F7D573-6747-44F8-B8F4-91871B17B812}" type="datetimeFigureOut">
+            <a:fld id="{BFC18325-399A-42DC-A867-3A6E5DE63ACD}" type="datetimeFigureOut">
               <a:rPr lang="zh-CN" altLang="en-US" smtClean="0"/>
-              <a:t>2021/2/18</a:t>
+              <a:t>2021/2/19</a:t>
             </a:fld>
             <a:endParaRPr lang="zh-CN" altLang="en-US"/>
           </a:p>
@@ -1406,13 +1247,7 @@
       </p:sp>
       <p:sp>
         <p:nvSpPr>
-          <p:cNvPr id="6" name="页脚占位符 5">
-            <a:extLst>
-              <a:ext uri="{FF2B5EF4-FFF2-40B4-BE49-F238E27FC236}">
-                <a16:creationId xmlns:a16="http://schemas.microsoft.com/office/drawing/2014/main" id="{DE7A3621-9A2A-4562-852D-509D43CE6965}"/>
-              </a:ext>
-            </a:extLst>
-          </p:cNvPr>
+          <p:cNvPr id="6" name="Footer Placeholder 5"/>
           <p:cNvSpPr>
             <a:spLocks noGrp="1"/>
           </p:cNvSpPr>
@@ -1431,13 +1266,7 @@
       </p:sp>
       <p:sp>
         <p:nvSpPr>
-          <p:cNvPr id="7" name="灯片编号占位符 6">
-            <a:extLst>
-              <a:ext uri="{FF2B5EF4-FFF2-40B4-BE49-F238E27FC236}">
-                <a16:creationId xmlns:a16="http://schemas.microsoft.com/office/drawing/2014/main" id="{0027923D-85E4-455B-AC62-F3A9A74023F2}"/>
-              </a:ext>
-            </a:extLst>
-          </p:cNvPr>
+          <p:cNvPr id="7" name="Slide Number Placeholder 6"/>
           <p:cNvSpPr>
             <a:spLocks noGrp="1"/>
           </p:cNvSpPr>
@@ -1450,7 +1279,7 @@
           <a:bodyPr/>
           <a:lstStyle/>
           <a:p>
-            <a:fld id="{012E4D83-B70A-4264-B1E3-3DEA5A91644F}" type="slidenum">
+            <a:fld id="{0587326F-EFF4-4D15-8897-7C40AFED92D4}" type="slidenum">
               <a:rPr lang="zh-CN" altLang="en-US" smtClean="0"/>
               <a:t>‹#›</a:t>
             </a:fld>
@@ -1461,7 +1290,7 @@
     </p:spTree>
     <p:extLst>
       <p:ext uri="{BB962C8B-B14F-4D97-AF65-F5344CB8AC3E}">
-        <p14:creationId xmlns:p14="http://schemas.microsoft.com/office/powerpoint/2010/main" val="2372818816"/>
+        <p14:creationId xmlns:p14="http://schemas.microsoft.com/office/powerpoint/2010/main" val="1498764963"/>
       </p:ext>
     </p:extLst>
   </p:cSld>
@@ -1490,13 +1319,7 @@
       </p:grpSpPr>
       <p:sp>
         <p:nvSpPr>
-          <p:cNvPr id="2" name="标题 1">
-            <a:extLst>
-              <a:ext uri="{FF2B5EF4-FFF2-40B4-BE49-F238E27FC236}">
-                <a16:creationId xmlns:a16="http://schemas.microsoft.com/office/drawing/2014/main" id="{44E37885-4524-4324-84CA-7BEFBF866BF2}"/>
-              </a:ext>
-            </a:extLst>
-          </p:cNvPr>
+          <p:cNvPr id="2" name="Title 1"/>
           <p:cNvSpPr>
             <a:spLocks noGrp="1"/>
           </p:cNvSpPr>
@@ -1506,8 +1329,8 @@
         </p:nvSpPr>
         <p:spPr>
           <a:xfrm>
-            <a:off x="839788" y="365125"/>
-            <a:ext cx="10515600" cy="1325563"/>
+            <a:off x="1562246" y="958373"/>
+            <a:ext cx="19562029" cy="3479296"/>
           </a:xfrm>
         </p:spPr>
         <p:txBody>
@@ -1518,18 +1341,13 @@
               <a:rPr lang="zh-CN" altLang="en-US"/>
               <a:t>单击此处编辑母版标题样式</a:t>
             </a:r>
-          </a:p>
-        </p:txBody>
-      </p:sp>
-      <p:sp>
-        <p:nvSpPr>
-          <p:cNvPr id="3" name="文本占位符 2">
-            <a:extLst>
-              <a:ext uri="{FF2B5EF4-FFF2-40B4-BE49-F238E27FC236}">
-                <a16:creationId xmlns:a16="http://schemas.microsoft.com/office/drawing/2014/main" id="{8C85A22C-A9EB-4E8D-A9EF-A4FAA560CB96}"/>
-              </a:ext>
-            </a:extLst>
-          </p:cNvPr>
+            <a:endParaRPr lang="en-US" dirty="0"/>
+          </a:p>
+        </p:txBody>
+      </p:sp>
+      <p:sp>
+        <p:nvSpPr>
+          <p:cNvPr id="3" name="Text Placeholder 2"/>
           <p:cNvSpPr>
             <a:spLocks noGrp="1"/>
           </p:cNvSpPr>
@@ -1539,8 +1357,8 @@
         </p:nvSpPr>
         <p:spPr>
           <a:xfrm>
-            <a:off x="839788" y="1681163"/>
-            <a:ext cx="5157787" cy="823912"/>
+            <a:off x="1562249" y="4412664"/>
+            <a:ext cx="9594961" cy="2162578"/>
           </a:xfrm>
         </p:spPr>
         <p:txBody>
@@ -1548,39 +1366,39 @@
           <a:lstStyle>
             <a:lvl1pPr marL="0" indent="0">
               <a:buNone/>
-              <a:defRPr sz="2400" b="1"/>
+              <a:defRPr sz="5953" b="1"/>
             </a:lvl1pPr>
-            <a:lvl2pPr marL="457200" indent="0">
+            <a:lvl2pPr marL="1134039" indent="0">
               <a:buNone/>
-              <a:defRPr sz="2000" b="1"/>
+              <a:defRPr sz="4961" b="1"/>
             </a:lvl2pPr>
-            <a:lvl3pPr marL="914400" indent="0">
+            <a:lvl3pPr marL="2268078" indent="0">
               <a:buNone/>
-              <a:defRPr sz="1800" b="1"/>
+              <a:defRPr sz="4465" b="1"/>
             </a:lvl3pPr>
-            <a:lvl4pPr marL="1371600" indent="0">
+            <a:lvl4pPr marL="3402117" indent="0">
               <a:buNone/>
-              <a:defRPr sz="1600" b="1"/>
+              <a:defRPr sz="3969" b="1"/>
             </a:lvl4pPr>
-            <a:lvl5pPr marL="1828800" indent="0">
+            <a:lvl5pPr marL="4536156" indent="0">
               <a:buNone/>
-              <a:defRPr sz="1600" b="1"/>
+              <a:defRPr sz="3969" b="1"/>
             </a:lvl5pPr>
-            <a:lvl6pPr marL="2286000" indent="0">
+            <a:lvl6pPr marL="5670194" indent="0">
               <a:buNone/>
-              <a:defRPr sz="1600" b="1"/>
+              <a:defRPr sz="3969" b="1"/>
             </a:lvl6pPr>
-            <a:lvl7pPr marL="2743200" indent="0">
+            <a:lvl7pPr marL="6804233" indent="0">
               <a:buNone/>
-              <a:defRPr sz="1600" b="1"/>
+              <a:defRPr sz="3969" b="1"/>
             </a:lvl7pPr>
-            <a:lvl8pPr marL="3200400" indent="0">
+            <a:lvl8pPr marL="7938272" indent="0">
               <a:buNone/>
-              <a:defRPr sz="1600" b="1"/>
+              <a:defRPr sz="3969" b="1"/>
             </a:lvl8pPr>
-            <a:lvl9pPr marL="3657600" indent="0">
+            <a:lvl9pPr marL="9072311" indent="0">
               <a:buNone/>
-              <a:defRPr sz="1600" b="1"/>
+              <a:defRPr sz="3969" b="1"/>
             </a:lvl9pPr>
           </a:lstStyle>
           <a:p>
@@ -1594,13 +1412,7 @@
       </p:sp>
       <p:sp>
         <p:nvSpPr>
-          <p:cNvPr id="4" name="内容占位符 3">
-            <a:extLst>
-              <a:ext uri="{FF2B5EF4-FFF2-40B4-BE49-F238E27FC236}">
-                <a16:creationId xmlns:a16="http://schemas.microsoft.com/office/drawing/2014/main" id="{594A1F28-A086-448F-8B54-C4C2CE461EC2}"/>
-              </a:ext>
-            </a:extLst>
-          </p:cNvPr>
+          <p:cNvPr id="4" name="Content Placeholder 3"/>
           <p:cNvSpPr>
             <a:spLocks noGrp="1"/>
           </p:cNvSpPr>
@@ -1610,8 +1422,8 @@
         </p:nvSpPr>
         <p:spPr>
           <a:xfrm>
-            <a:off x="839788" y="2505075"/>
-            <a:ext cx="5157787" cy="3684588"/>
+            <a:off x="1562249" y="6575242"/>
+            <a:ext cx="9594961" cy="9671191"/>
           </a:xfrm>
         </p:spPr>
         <p:txBody>
@@ -1651,18 +1463,13 @@
               <a:rPr lang="zh-CN" altLang="en-US"/>
               <a:t>第五级</a:t>
             </a:r>
-          </a:p>
-        </p:txBody>
-      </p:sp>
-      <p:sp>
-        <p:nvSpPr>
-          <p:cNvPr id="5" name="文本占位符 4">
-            <a:extLst>
-              <a:ext uri="{FF2B5EF4-FFF2-40B4-BE49-F238E27FC236}">
-                <a16:creationId xmlns:a16="http://schemas.microsoft.com/office/drawing/2014/main" id="{9992A1F1-349D-4F17-954A-98353D3A278A}"/>
-              </a:ext>
-            </a:extLst>
-          </p:cNvPr>
+            <a:endParaRPr lang="en-US" dirty="0"/>
+          </a:p>
+        </p:txBody>
+      </p:sp>
+      <p:sp>
+        <p:nvSpPr>
+          <p:cNvPr id="5" name="Text Placeholder 4"/>
           <p:cNvSpPr>
             <a:spLocks noGrp="1"/>
           </p:cNvSpPr>
@@ -1672,8 +1479,8 @@
         </p:nvSpPr>
         <p:spPr>
           <a:xfrm>
-            <a:off x="6172200" y="1681163"/>
-            <a:ext cx="5183188" cy="823912"/>
+            <a:off x="11482061" y="4412664"/>
+            <a:ext cx="9642215" cy="2162578"/>
           </a:xfrm>
         </p:spPr>
         <p:txBody>
@@ -1681,39 +1488,39 @@
           <a:lstStyle>
             <a:lvl1pPr marL="0" indent="0">
               <a:buNone/>
-              <a:defRPr sz="2400" b="1"/>
+              <a:defRPr sz="5953" b="1"/>
             </a:lvl1pPr>
-            <a:lvl2pPr marL="457200" indent="0">
+            <a:lvl2pPr marL="1134039" indent="0">
               <a:buNone/>
-              <a:defRPr sz="2000" b="1"/>
+              <a:defRPr sz="4961" b="1"/>
             </a:lvl2pPr>
-            <a:lvl3pPr marL="914400" indent="0">
+            <a:lvl3pPr marL="2268078" indent="0">
               <a:buNone/>
-              <a:defRPr sz="1800" b="1"/>
+              <a:defRPr sz="4465" b="1"/>
             </a:lvl3pPr>
-            <a:lvl4pPr marL="1371600" indent="0">
+            <a:lvl4pPr marL="3402117" indent="0">
               <a:buNone/>
-              <a:defRPr sz="1600" b="1"/>
+              <a:defRPr sz="3969" b="1"/>
             </a:lvl4pPr>
-            <a:lvl5pPr marL="1828800" indent="0">
+            <a:lvl5pPr marL="4536156" indent="0">
               <a:buNone/>
-              <a:defRPr sz="1600" b="1"/>
+              <a:defRPr sz="3969" b="1"/>
             </a:lvl5pPr>
-            <a:lvl6pPr marL="2286000" indent="0">
+            <a:lvl6pPr marL="5670194" indent="0">
               <a:buNone/>
-              <a:defRPr sz="1600" b="1"/>
+              <a:defRPr sz="3969" b="1"/>
             </a:lvl6pPr>
-            <a:lvl7pPr marL="2743200" indent="0">
+            <a:lvl7pPr marL="6804233" indent="0">
               <a:buNone/>
-              <a:defRPr sz="1600" b="1"/>
+              <a:defRPr sz="3969" b="1"/>
             </a:lvl7pPr>
-            <a:lvl8pPr marL="3200400" indent="0">
+            <a:lvl8pPr marL="7938272" indent="0">
               <a:buNone/>
-              <a:defRPr sz="1600" b="1"/>
+              <a:defRPr sz="3969" b="1"/>
             </a:lvl8pPr>
-            <a:lvl9pPr marL="3657600" indent="0">
+            <a:lvl9pPr marL="9072311" indent="0">
               <a:buNone/>
-              <a:defRPr sz="1600" b="1"/>
+              <a:defRPr sz="3969" b="1"/>
             </a:lvl9pPr>
           </a:lstStyle>
           <a:p>
@@ -1727,13 +1534,7 @@
       </p:sp>
       <p:sp>
         <p:nvSpPr>
-          <p:cNvPr id="6" name="内容占位符 5">
-            <a:extLst>
-              <a:ext uri="{FF2B5EF4-FFF2-40B4-BE49-F238E27FC236}">
-                <a16:creationId xmlns:a16="http://schemas.microsoft.com/office/drawing/2014/main" id="{1FACB1F1-5255-4C9D-8674-629A1B0F1226}"/>
-              </a:ext>
-            </a:extLst>
-          </p:cNvPr>
+          <p:cNvPr id="6" name="Content Placeholder 5"/>
           <p:cNvSpPr>
             <a:spLocks noGrp="1"/>
           </p:cNvSpPr>
@@ -1743,8 +1544,8 @@
         </p:nvSpPr>
         <p:spPr>
           <a:xfrm>
-            <a:off x="6172200" y="2505075"/>
-            <a:ext cx="5183188" cy="3684588"/>
+            <a:off x="11482061" y="6575242"/>
+            <a:ext cx="9642215" cy="9671191"/>
           </a:xfrm>
         </p:spPr>
         <p:txBody>
@@ -1784,18 +1585,13 @@
               <a:rPr lang="zh-CN" altLang="en-US"/>
               <a:t>第五级</a:t>
             </a:r>
-          </a:p>
-        </p:txBody>
-      </p:sp>
-      <p:sp>
-        <p:nvSpPr>
-          <p:cNvPr id="7" name="日期占位符 6">
-            <a:extLst>
-              <a:ext uri="{FF2B5EF4-FFF2-40B4-BE49-F238E27FC236}">
-                <a16:creationId xmlns:a16="http://schemas.microsoft.com/office/drawing/2014/main" id="{556D2D50-F685-4AE0-B618-8B8B655341E3}"/>
-              </a:ext>
-            </a:extLst>
-          </p:cNvPr>
+            <a:endParaRPr lang="en-US" dirty="0"/>
+          </a:p>
+        </p:txBody>
+      </p:sp>
+      <p:sp>
+        <p:nvSpPr>
+          <p:cNvPr id="7" name="Date Placeholder 6"/>
           <p:cNvSpPr>
             <a:spLocks noGrp="1"/>
           </p:cNvSpPr>
@@ -1808,9 +1604,9 @@
           <a:bodyPr/>
           <a:lstStyle/>
           <a:p>
-            <a:fld id="{33F7D573-6747-44F8-B8F4-91871B17B812}" type="datetimeFigureOut">
+            <a:fld id="{BFC18325-399A-42DC-A867-3A6E5DE63ACD}" type="datetimeFigureOut">
               <a:rPr lang="zh-CN" altLang="en-US" smtClean="0"/>
-              <a:t>2021/2/18</a:t>
+              <a:t>2021/2/19</a:t>
             </a:fld>
             <a:endParaRPr lang="zh-CN" altLang="en-US"/>
           </a:p>
@@ -1818,13 +1614,7 @@
       </p:sp>
       <p:sp>
         <p:nvSpPr>
-          <p:cNvPr id="8" name="页脚占位符 7">
-            <a:extLst>
-              <a:ext uri="{FF2B5EF4-FFF2-40B4-BE49-F238E27FC236}">
-                <a16:creationId xmlns:a16="http://schemas.microsoft.com/office/drawing/2014/main" id="{D4AF1430-7497-4C5F-B2BC-295CCCE00C1E}"/>
-              </a:ext>
-            </a:extLst>
-          </p:cNvPr>
+          <p:cNvPr id="8" name="Footer Placeholder 7"/>
           <p:cNvSpPr>
             <a:spLocks noGrp="1"/>
           </p:cNvSpPr>
@@ -1843,13 +1633,7 @@
       </p:sp>
       <p:sp>
         <p:nvSpPr>
-          <p:cNvPr id="9" name="灯片编号占位符 8">
-            <a:extLst>
-              <a:ext uri="{FF2B5EF4-FFF2-40B4-BE49-F238E27FC236}">
-                <a16:creationId xmlns:a16="http://schemas.microsoft.com/office/drawing/2014/main" id="{A580469D-4C69-4B74-8458-EE01F70A2667}"/>
-              </a:ext>
-            </a:extLst>
-          </p:cNvPr>
+          <p:cNvPr id="9" name="Slide Number Placeholder 8"/>
           <p:cNvSpPr>
             <a:spLocks noGrp="1"/>
           </p:cNvSpPr>
@@ -1862,7 +1646,7 @@
           <a:bodyPr/>
           <a:lstStyle/>
           <a:p>
-            <a:fld id="{012E4D83-B70A-4264-B1E3-3DEA5A91644F}" type="slidenum">
+            <a:fld id="{0587326F-EFF4-4D15-8897-7C40AFED92D4}" type="slidenum">
               <a:rPr lang="zh-CN" altLang="en-US" smtClean="0"/>
               <a:t>‹#›</a:t>
             </a:fld>
@@ -1873,7 +1657,7 @@
     </p:spTree>
     <p:extLst>
       <p:ext uri="{BB962C8B-B14F-4D97-AF65-F5344CB8AC3E}">
-        <p14:creationId xmlns:p14="http://schemas.microsoft.com/office/powerpoint/2010/main" val="17304479"/>
+        <p14:creationId xmlns:p14="http://schemas.microsoft.com/office/powerpoint/2010/main" val="855298861"/>
       </p:ext>
     </p:extLst>
   </p:cSld>
@@ -1902,13 +1686,7 @@
       </p:grpSpPr>
       <p:sp>
         <p:nvSpPr>
-          <p:cNvPr id="2" name="标题 1">
-            <a:extLst>
-              <a:ext uri="{FF2B5EF4-FFF2-40B4-BE49-F238E27FC236}">
-                <a16:creationId xmlns:a16="http://schemas.microsoft.com/office/drawing/2014/main" id="{4C9B72DD-7CF2-42F8-BCE3-FE04255BE3DF}"/>
-              </a:ext>
-            </a:extLst>
-          </p:cNvPr>
+          <p:cNvPr id="2" name="Title 1"/>
           <p:cNvSpPr>
             <a:spLocks noGrp="1"/>
           </p:cNvSpPr>
@@ -1925,18 +1703,13 @@
               <a:rPr lang="zh-CN" altLang="en-US"/>
               <a:t>单击此处编辑母版标题样式</a:t>
             </a:r>
-          </a:p>
-        </p:txBody>
-      </p:sp>
-      <p:sp>
-        <p:nvSpPr>
-          <p:cNvPr id="3" name="日期占位符 2">
-            <a:extLst>
-              <a:ext uri="{FF2B5EF4-FFF2-40B4-BE49-F238E27FC236}">
-                <a16:creationId xmlns:a16="http://schemas.microsoft.com/office/drawing/2014/main" id="{44B5B3BA-618B-4642-90E1-C8666D4302C3}"/>
-              </a:ext>
-            </a:extLst>
-          </p:cNvPr>
+            <a:endParaRPr lang="en-US" dirty="0"/>
+          </a:p>
+        </p:txBody>
+      </p:sp>
+      <p:sp>
+        <p:nvSpPr>
+          <p:cNvPr id="3" name="Date Placeholder 2"/>
           <p:cNvSpPr>
             <a:spLocks noGrp="1"/>
           </p:cNvSpPr>
@@ -1949,9 +1722,9 @@
           <a:bodyPr/>
           <a:lstStyle/>
           <a:p>
-            <a:fld id="{33F7D573-6747-44F8-B8F4-91871B17B812}" type="datetimeFigureOut">
+            <a:fld id="{BFC18325-399A-42DC-A867-3A6E5DE63ACD}" type="datetimeFigureOut">
               <a:rPr lang="zh-CN" altLang="en-US" smtClean="0"/>
-              <a:t>2021/2/18</a:t>
+              <a:t>2021/2/19</a:t>
             </a:fld>
             <a:endParaRPr lang="zh-CN" altLang="en-US"/>
           </a:p>
@@ -1959,13 +1732,7 @@
       </p:sp>
       <p:sp>
         <p:nvSpPr>
-          <p:cNvPr id="4" name="页脚占位符 3">
-            <a:extLst>
-              <a:ext uri="{FF2B5EF4-FFF2-40B4-BE49-F238E27FC236}">
-                <a16:creationId xmlns:a16="http://schemas.microsoft.com/office/drawing/2014/main" id="{E538A0DA-0356-4EDA-8B5B-AD4982CDDE7D}"/>
-              </a:ext>
-            </a:extLst>
-          </p:cNvPr>
+          <p:cNvPr id="4" name="Footer Placeholder 3"/>
           <p:cNvSpPr>
             <a:spLocks noGrp="1"/>
           </p:cNvSpPr>
@@ -1984,13 +1751,7 @@
       </p:sp>
       <p:sp>
         <p:nvSpPr>
-          <p:cNvPr id="5" name="灯片编号占位符 4">
-            <a:extLst>
-              <a:ext uri="{FF2B5EF4-FFF2-40B4-BE49-F238E27FC236}">
-                <a16:creationId xmlns:a16="http://schemas.microsoft.com/office/drawing/2014/main" id="{AAF72BFB-CCFD-4617-94D6-FB73620EF3D7}"/>
-              </a:ext>
-            </a:extLst>
-          </p:cNvPr>
+          <p:cNvPr id="5" name="Slide Number Placeholder 4"/>
           <p:cNvSpPr>
             <a:spLocks noGrp="1"/>
           </p:cNvSpPr>
@@ -2003,7 +1764,7 @@
           <a:bodyPr/>
           <a:lstStyle/>
           <a:p>
-            <a:fld id="{012E4D83-B70A-4264-B1E3-3DEA5A91644F}" type="slidenum">
+            <a:fld id="{0587326F-EFF4-4D15-8897-7C40AFED92D4}" type="slidenum">
               <a:rPr lang="zh-CN" altLang="en-US" smtClean="0"/>
               <a:t>‹#›</a:t>
             </a:fld>
@@ -2014,7 +1775,7 @@
     </p:spTree>
     <p:extLst>
       <p:ext uri="{BB962C8B-B14F-4D97-AF65-F5344CB8AC3E}">
-        <p14:creationId xmlns:p14="http://schemas.microsoft.com/office/powerpoint/2010/main" val="3145482964"/>
+        <p14:creationId xmlns:p14="http://schemas.microsoft.com/office/powerpoint/2010/main" val="3897836868"/>
       </p:ext>
     </p:extLst>
   </p:cSld>
@@ -2043,13 +1804,7 @@
       </p:grpSpPr>
       <p:sp>
         <p:nvSpPr>
-          <p:cNvPr id="2" name="日期占位符 1">
-            <a:extLst>
-              <a:ext uri="{FF2B5EF4-FFF2-40B4-BE49-F238E27FC236}">
-                <a16:creationId xmlns:a16="http://schemas.microsoft.com/office/drawing/2014/main" id="{9447D1B6-BD67-4A21-997E-878BC1433A8A}"/>
-              </a:ext>
-            </a:extLst>
-          </p:cNvPr>
+          <p:cNvPr id="2" name="Date Placeholder 1"/>
           <p:cNvSpPr>
             <a:spLocks noGrp="1"/>
           </p:cNvSpPr>
@@ -2062,9 +1817,9 @@
           <a:bodyPr/>
           <a:lstStyle/>
           <a:p>
-            <a:fld id="{33F7D573-6747-44F8-B8F4-91871B17B812}" type="datetimeFigureOut">
+            <a:fld id="{BFC18325-399A-42DC-A867-3A6E5DE63ACD}" type="datetimeFigureOut">
               <a:rPr lang="zh-CN" altLang="en-US" smtClean="0"/>
-              <a:t>2021/2/18</a:t>
+              <a:t>2021/2/19</a:t>
             </a:fld>
             <a:endParaRPr lang="zh-CN" altLang="en-US"/>
           </a:p>
@@ -2072,13 +1827,7 @@
       </p:sp>
       <p:sp>
         <p:nvSpPr>
-          <p:cNvPr id="3" name="页脚占位符 2">
-            <a:extLst>
-              <a:ext uri="{FF2B5EF4-FFF2-40B4-BE49-F238E27FC236}">
-                <a16:creationId xmlns:a16="http://schemas.microsoft.com/office/drawing/2014/main" id="{1B1D8813-DEA9-4CF3-B595-A6589AC4D8E9}"/>
-              </a:ext>
-            </a:extLst>
-          </p:cNvPr>
+          <p:cNvPr id="3" name="Footer Placeholder 2"/>
           <p:cNvSpPr>
             <a:spLocks noGrp="1"/>
           </p:cNvSpPr>
@@ -2097,13 +1846,7 @@
       </p:sp>
       <p:sp>
         <p:nvSpPr>
-          <p:cNvPr id="4" name="灯片编号占位符 3">
-            <a:extLst>
-              <a:ext uri="{FF2B5EF4-FFF2-40B4-BE49-F238E27FC236}">
-                <a16:creationId xmlns:a16="http://schemas.microsoft.com/office/drawing/2014/main" id="{F8EFF2F3-5E4C-4750-A2F8-BC673E9D79F6}"/>
-              </a:ext>
-            </a:extLst>
-          </p:cNvPr>
+          <p:cNvPr id="4" name="Slide Number Placeholder 3"/>
           <p:cNvSpPr>
             <a:spLocks noGrp="1"/>
           </p:cNvSpPr>
@@ -2116,7 +1859,7 @@
           <a:bodyPr/>
           <a:lstStyle/>
           <a:p>
-            <a:fld id="{012E4D83-B70A-4264-B1E3-3DEA5A91644F}" type="slidenum">
+            <a:fld id="{0587326F-EFF4-4D15-8897-7C40AFED92D4}" type="slidenum">
               <a:rPr lang="zh-CN" altLang="en-US" smtClean="0"/>
               <a:t>‹#›</a:t>
             </a:fld>
@@ -2127,7 +1870,7 @@
     </p:spTree>
     <p:extLst>
       <p:ext uri="{BB962C8B-B14F-4D97-AF65-F5344CB8AC3E}">
-        <p14:creationId xmlns:p14="http://schemas.microsoft.com/office/powerpoint/2010/main" val="4130934099"/>
+        <p14:creationId xmlns:p14="http://schemas.microsoft.com/office/powerpoint/2010/main" val="4032757622"/>
       </p:ext>
     </p:extLst>
   </p:cSld>
@@ -2156,13 +1899,7 @@
       </p:grpSpPr>
       <p:sp>
         <p:nvSpPr>
-          <p:cNvPr id="2" name="标题 1">
-            <a:extLst>
-              <a:ext uri="{FF2B5EF4-FFF2-40B4-BE49-F238E27FC236}">
-                <a16:creationId xmlns:a16="http://schemas.microsoft.com/office/drawing/2014/main" id="{1548E870-A1DE-4108-AA2B-0E402B62FA49}"/>
-              </a:ext>
-            </a:extLst>
-          </p:cNvPr>
+          <p:cNvPr id="2" name="Title 1"/>
           <p:cNvSpPr>
             <a:spLocks noGrp="1"/>
           </p:cNvSpPr>
@@ -2172,15 +1909,15 @@
         </p:nvSpPr>
         <p:spPr>
           <a:xfrm>
-            <a:off x="839788" y="457200"/>
-            <a:ext cx="3932237" cy="1600200"/>
+            <a:off x="1562246" y="1200044"/>
+            <a:ext cx="7315088" cy="4200155"/>
           </a:xfrm>
         </p:spPr>
         <p:txBody>
           <a:bodyPr anchor="b"/>
           <a:lstStyle>
             <a:lvl1pPr>
-              <a:defRPr sz="3200"/>
+              <a:defRPr sz="7937"/>
             </a:lvl1pPr>
           </a:lstStyle>
           <a:p>
@@ -2188,18 +1925,13 @@
               <a:rPr lang="zh-CN" altLang="en-US"/>
               <a:t>单击此处编辑母版标题样式</a:t>
             </a:r>
-          </a:p>
-        </p:txBody>
-      </p:sp>
-      <p:sp>
-        <p:nvSpPr>
-          <p:cNvPr id="3" name="内容占位符 2">
-            <a:extLst>
-              <a:ext uri="{FF2B5EF4-FFF2-40B4-BE49-F238E27FC236}">
-                <a16:creationId xmlns:a16="http://schemas.microsoft.com/office/drawing/2014/main" id="{2103E927-A5CE-4B21-A14F-377808C756E6}"/>
-              </a:ext>
-            </a:extLst>
-          </p:cNvPr>
+            <a:endParaRPr lang="en-US" dirty="0"/>
+          </a:p>
+        </p:txBody>
+      </p:sp>
+      <p:sp>
+        <p:nvSpPr>
+          <p:cNvPr id="3" name="Content Placeholder 2"/>
           <p:cNvSpPr>
             <a:spLocks noGrp="1"/>
           </p:cNvSpPr>
@@ -2209,39 +1941,39 @@
         </p:nvSpPr>
         <p:spPr>
           <a:xfrm>
-            <a:off x="5183188" y="987425"/>
-            <a:ext cx="6172200" cy="4873625"/>
+            <a:off x="9642215" y="2591766"/>
+            <a:ext cx="11482060" cy="12792138"/>
           </a:xfrm>
         </p:spPr>
         <p:txBody>
           <a:bodyPr/>
           <a:lstStyle>
             <a:lvl1pPr>
-              <a:defRPr sz="3200"/>
+              <a:defRPr sz="7937"/>
             </a:lvl1pPr>
             <a:lvl2pPr>
-              <a:defRPr sz="2800"/>
+              <a:defRPr sz="6945"/>
             </a:lvl2pPr>
             <a:lvl3pPr>
-              <a:defRPr sz="2400"/>
+              <a:defRPr sz="5953"/>
             </a:lvl3pPr>
             <a:lvl4pPr>
-              <a:defRPr sz="2000"/>
+              <a:defRPr sz="4961"/>
             </a:lvl4pPr>
             <a:lvl5pPr>
-              <a:defRPr sz="2000"/>
+              <a:defRPr sz="4961"/>
             </a:lvl5pPr>
             <a:lvl6pPr>
-              <a:defRPr sz="2000"/>
+              <a:defRPr sz="4961"/>
             </a:lvl6pPr>
             <a:lvl7pPr>
-              <a:defRPr sz="2000"/>
+              <a:defRPr sz="4961"/>
             </a:lvl7pPr>
             <a:lvl8pPr>
-              <a:defRPr sz="2000"/>
+              <a:defRPr sz="4961"/>
             </a:lvl8pPr>
             <a:lvl9pPr>
-              <a:defRPr sz="2000"/>
+              <a:defRPr sz="4961"/>
             </a:lvl9pPr>
           </a:lstStyle>
           <a:p>
@@ -2278,18 +2010,13 @@
               <a:rPr lang="zh-CN" altLang="en-US"/>
               <a:t>第五级</a:t>
             </a:r>
-          </a:p>
-        </p:txBody>
-      </p:sp>
-      <p:sp>
-        <p:nvSpPr>
-          <p:cNvPr id="4" name="文本占位符 3">
-            <a:extLst>
-              <a:ext uri="{FF2B5EF4-FFF2-40B4-BE49-F238E27FC236}">
-                <a16:creationId xmlns:a16="http://schemas.microsoft.com/office/drawing/2014/main" id="{BA6D7D31-200B-4668-BC7E-33C0FAF8021D}"/>
-              </a:ext>
-            </a:extLst>
-          </p:cNvPr>
+            <a:endParaRPr lang="en-US" dirty="0"/>
+          </a:p>
+        </p:txBody>
+      </p:sp>
+      <p:sp>
+        <p:nvSpPr>
+          <p:cNvPr id="4" name="Text Placeholder 3"/>
           <p:cNvSpPr>
             <a:spLocks noGrp="1"/>
           </p:cNvSpPr>
@@ -2299,8 +2026,8 @@
         </p:nvSpPr>
         <p:spPr>
           <a:xfrm>
-            <a:off x="839788" y="2057400"/>
-            <a:ext cx="3932237" cy="3811588"/>
+            <a:off x="1562246" y="5400199"/>
+            <a:ext cx="7315088" cy="10004536"/>
           </a:xfrm>
         </p:spPr>
         <p:txBody>
@@ -2308,39 +2035,39 @@
           <a:lstStyle>
             <a:lvl1pPr marL="0" indent="0">
               <a:buNone/>
-              <a:defRPr sz="1600"/>
+              <a:defRPr sz="3969"/>
             </a:lvl1pPr>
-            <a:lvl2pPr marL="457200" indent="0">
+            <a:lvl2pPr marL="1134039" indent="0">
               <a:buNone/>
-              <a:defRPr sz="1400"/>
+              <a:defRPr sz="3473"/>
             </a:lvl2pPr>
-            <a:lvl3pPr marL="914400" indent="0">
+            <a:lvl3pPr marL="2268078" indent="0">
               <a:buNone/>
-              <a:defRPr sz="1200"/>
+              <a:defRPr sz="2976"/>
             </a:lvl3pPr>
-            <a:lvl4pPr marL="1371600" indent="0">
+            <a:lvl4pPr marL="3402117" indent="0">
               <a:buNone/>
-              <a:defRPr sz="1000"/>
+              <a:defRPr sz="2480"/>
             </a:lvl4pPr>
-            <a:lvl5pPr marL="1828800" indent="0">
+            <a:lvl5pPr marL="4536156" indent="0">
               <a:buNone/>
-              <a:defRPr sz="1000"/>
+              <a:defRPr sz="2480"/>
             </a:lvl5pPr>
-            <a:lvl6pPr marL="2286000" indent="0">
+            <a:lvl6pPr marL="5670194" indent="0">
               <a:buNone/>
-              <a:defRPr sz="1000"/>
+              <a:defRPr sz="2480"/>
             </a:lvl6pPr>
-            <a:lvl7pPr marL="2743200" indent="0">
+            <a:lvl7pPr marL="6804233" indent="0">
               <a:buNone/>
-              <a:defRPr sz="1000"/>
+              <a:defRPr sz="2480"/>
             </a:lvl7pPr>
-            <a:lvl8pPr marL="3200400" indent="0">
+            <a:lvl8pPr marL="7938272" indent="0">
               <a:buNone/>
-              <a:defRPr sz="1000"/>
+              <a:defRPr sz="2480"/>
             </a:lvl8pPr>
-            <a:lvl9pPr marL="3657600" indent="0">
+            <a:lvl9pPr marL="9072311" indent="0">
               <a:buNone/>
-              <a:defRPr sz="1000"/>
+              <a:defRPr sz="2480"/>
             </a:lvl9pPr>
           </a:lstStyle>
           <a:p>
@@ -2354,13 +2081,7 @@
       </p:sp>
       <p:sp>
         <p:nvSpPr>
-          <p:cNvPr id="5" name="日期占位符 4">
-            <a:extLst>
-              <a:ext uri="{FF2B5EF4-FFF2-40B4-BE49-F238E27FC236}">
-                <a16:creationId xmlns:a16="http://schemas.microsoft.com/office/drawing/2014/main" id="{0C7D3DC0-ED41-4D91-8298-B303FF730CA6}"/>
-              </a:ext>
-            </a:extLst>
-          </p:cNvPr>
+          <p:cNvPr id="5" name="Date Placeholder 4"/>
           <p:cNvSpPr>
             <a:spLocks noGrp="1"/>
           </p:cNvSpPr>
@@ -2373,9 +2094,9 @@
           <a:bodyPr/>
           <a:lstStyle/>
           <a:p>
-            <a:fld id="{33F7D573-6747-44F8-B8F4-91871B17B812}" type="datetimeFigureOut">
+            <a:fld id="{BFC18325-399A-42DC-A867-3A6E5DE63ACD}" type="datetimeFigureOut">
               <a:rPr lang="zh-CN" altLang="en-US" smtClean="0"/>
-              <a:t>2021/2/18</a:t>
+              <a:t>2021/2/19</a:t>
             </a:fld>
             <a:endParaRPr lang="zh-CN" altLang="en-US"/>
           </a:p>
@@ -2383,13 +2104,7 @@
       </p:sp>
       <p:sp>
         <p:nvSpPr>
-          <p:cNvPr id="6" name="页脚占位符 5">
-            <a:extLst>
-              <a:ext uri="{FF2B5EF4-FFF2-40B4-BE49-F238E27FC236}">
-                <a16:creationId xmlns:a16="http://schemas.microsoft.com/office/drawing/2014/main" id="{D0601018-3411-477E-A411-5D42E3E817CF}"/>
-              </a:ext>
-            </a:extLst>
-          </p:cNvPr>
+          <p:cNvPr id="6" name="Footer Placeholder 5"/>
           <p:cNvSpPr>
             <a:spLocks noGrp="1"/>
           </p:cNvSpPr>
@@ -2408,13 +2123,7 @@
       </p:sp>
       <p:sp>
         <p:nvSpPr>
-          <p:cNvPr id="7" name="灯片编号占位符 6">
-            <a:extLst>
-              <a:ext uri="{FF2B5EF4-FFF2-40B4-BE49-F238E27FC236}">
-                <a16:creationId xmlns:a16="http://schemas.microsoft.com/office/drawing/2014/main" id="{5EAB8AFB-F635-41FB-B7F9-E473A6FF3985}"/>
-              </a:ext>
-            </a:extLst>
-          </p:cNvPr>
+          <p:cNvPr id="7" name="Slide Number Placeholder 6"/>
           <p:cNvSpPr>
             <a:spLocks noGrp="1"/>
           </p:cNvSpPr>
@@ -2427,7 +2136,7 @@
           <a:bodyPr/>
           <a:lstStyle/>
           <a:p>
-            <a:fld id="{012E4D83-B70A-4264-B1E3-3DEA5A91644F}" type="slidenum">
+            <a:fld id="{0587326F-EFF4-4D15-8897-7C40AFED92D4}" type="slidenum">
               <a:rPr lang="zh-CN" altLang="en-US" smtClean="0"/>
               <a:t>‹#›</a:t>
             </a:fld>
@@ -2438,7 +2147,7 @@
     </p:spTree>
     <p:extLst>
       <p:ext uri="{BB962C8B-B14F-4D97-AF65-F5344CB8AC3E}">
-        <p14:creationId xmlns:p14="http://schemas.microsoft.com/office/powerpoint/2010/main" val="3681757731"/>
+        <p14:creationId xmlns:p14="http://schemas.microsoft.com/office/powerpoint/2010/main" val="3015871155"/>
       </p:ext>
     </p:extLst>
   </p:cSld>
@@ -2467,13 +2176,7 @@
       </p:grpSpPr>
       <p:sp>
         <p:nvSpPr>
-          <p:cNvPr id="2" name="标题 1">
-            <a:extLst>
-              <a:ext uri="{FF2B5EF4-FFF2-40B4-BE49-F238E27FC236}">
-                <a16:creationId xmlns:a16="http://schemas.microsoft.com/office/drawing/2014/main" id="{F4ABD586-46C3-4785-84DC-6DBB78027517}"/>
-              </a:ext>
-            </a:extLst>
-          </p:cNvPr>
+          <p:cNvPr id="2" name="Title 1"/>
           <p:cNvSpPr>
             <a:spLocks noGrp="1"/>
           </p:cNvSpPr>
@@ -2483,15 +2186,15 @@
         </p:nvSpPr>
         <p:spPr>
           <a:xfrm>
-            <a:off x="839788" y="457200"/>
-            <a:ext cx="3932237" cy="1600200"/>
+            <a:off x="1562246" y="1200044"/>
+            <a:ext cx="7315088" cy="4200155"/>
           </a:xfrm>
         </p:spPr>
         <p:txBody>
           <a:bodyPr anchor="b"/>
           <a:lstStyle>
             <a:lvl1pPr>
-              <a:defRPr sz="3200"/>
+              <a:defRPr sz="7937"/>
             </a:lvl1pPr>
           </a:lstStyle>
           <a:p>
@@ -2499,20 +2202,15 @@
               <a:rPr lang="zh-CN" altLang="en-US"/>
               <a:t>单击此处编辑母版标题样式</a:t>
             </a:r>
-          </a:p>
-        </p:txBody>
-      </p:sp>
-      <p:sp>
-        <p:nvSpPr>
-          <p:cNvPr id="3" name="图片占位符 2">
-            <a:extLst>
-              <a:ext uri="{FF2B5EF4-FFF2-40B4-BE49-F238E27FC236}">
-                <a16:creationId xmlns:a16="http://schemas.microsoft.com/office/drawing/2014/main" id="{C31110B5-35ED-4AB6-9CE2-71AB011297B5}"/>
-              </a:ext>
-            </a:extLst>
-          </p:cNvPr>
+            <a:endParaRPr lang="en-US" dirty="0"/>
+          </a:p>
+        </p:txBody>
+      </p:sp>
+      <p:sp>
+        <p:nvSpPr>
+          <p:cNvPr id="3" name="Picture Placeholder 2"/>
           <p:cNvSpPr>
-            <a:spLocks noGrp="1"/>
+            <a:spLocks noGrp="1" noChangeAspect="1"/>
           </p:cNvSpPr>
           <p:nvPr>
             <p:ph type="pic" idx="1"/>
@@ -2520,64 +2218,62 @@
         </p:nvSpPr>
         <p:spPr>
           <a:xfrm>
-            <a:off x="5183188" y="987425"/>
-            <a:ext cx="6172200" cy="4873625"/>
-          </a:xfrm>
-        </p:spPr>
-        <p:txBody>
-          <a:bodyPr/>
+            <a:off x="9642215" y="2591766"/>
+            <a:ext cx="11482060" cy="12792138"/>
+          </a:xfrm>
+        </p:spPr>
+        <p:txBody>
+          <a:bodyPr anchor="t"/>
           <a:lstStyle>
             <a:lvl1pPr marL="0" indent="0">
               <a:buNone/>
-              <a:defRPr sz="3200"/>
+              <a:defRPr sz="7937"/>
             </a:lvl1pPr>
-            <a:lvl2pPr marL="457200" indent="0">
+            <a:lvl2pPr marL="1134039" indent="0">
               <a:buNone/>
-              <a:defRPr sz="2800"/>
+              <a:defRPr sz="6945"/>
             </a:lvl2pPr>
-            <a:lvl3pPr marL="914400" indent="0">
+            <a:lvl3pPr marL="2268078" indent="0">
               <a:buNone/>
-              <a:defRPr sz="2400"/>
+              <a:defRPr sz="5953"/>
             </a:lvl3pPr>
-            <a:lvl4pPr marL="1371600" indent="0">
+            <a:lvl4pPr marL="3402117" indent="0">
               <a:buNone/>
-              <a:defRPr sz="2000"/>
+              <a:defRPr sz="4961"/>
             </a:lvl4pPr>
-            <a:lvl5pPr marL="1828800" indent="0">
+            <a:lvl5pPr marL="4536156" indent="0">
               <a:buNone/>
-              <a:defRPr sz="2000"/>
+              <a:defRPr sz="4961"/>
             </a:lvl5pPr>
-            <a:lvl6pPr marL="2286000" indent="0">
+            <a:lvl6pPr marL="5670194" indent="0">
               <a:buNone/>
-              <a:defRPr sz="2000"/>
+              <a:defRPr sz="4961"/>
             </a:lvl6pPr>
-            <a:lvl7pPr marL="2743200" indent="0">
+            <a:lvl7pPr marL="6804233" indent="0">
               <a:buNone/>
-              <a:defRPr sz="2000"/>
+              <a:defRPr sz="4961"/>
             </a:lvl7pPr>
-            <a:lvl8pPr marL="3200400" indent="0">
+            <a:lvl8pPr marL="7938272" indent="0">
               <a:buNone/>
-              <a:defRPr sz="2000"/>
+              <a:defRPr sz="4961"/>
             </a:lvl8pPr>
-            <a:lvl9pPr marL="3657600" indent="0">
+            <a:lvl9pPr marL="9072311" indent="0">
               <a:buNone/>
-              <a:defRPr sz="2000"/>
+              <a:defRPr sz="4961"/>
             </a:lvl9pPr>
           </a:lstStyle>
           <a:p>
-            <a:endParaRPr lang="zh-CN" altLang="en-US"/>
-          </a:p>
-        </p:txBody>
-      </p:sp>
-      <p:sp>
-        <p:nvSpPr>
-          <p:cNvPr id="4" name="文本占位符 3">
-            <a:extLst>
-              <a:ext uri="{FF2B5EF4-FFF2-40B4-BE49-F238E27FC236}">
-                <a16:creationId xmlns:a16="http://schemas.microsoft.com/office/drawing/2014/main" id="{BED3B52D-0F56-4492-9349-60DCB01DDC7A}"/>
-              </a:ext>
-            </a:extLst>
-          </p:cNvPr>
+            <a:r>
+              <a:rPr lang="zh-CN" altLang="en-US"/>
+              <a:t>单击图标添加图片</a:t>
+            </a:r>
+            <a:endParaRPr lang="en-US" dirty="0"/>
+          </a:p>
+        </p:txBody>
+      </p:sp>
+      <p:sp>
+        <p:nvSpPr>
+          <p:cNvPr id="4" name="Text Placeholder 3"/>
           <p:cNvSpPr>
             <a:spLocks noGrp="1"/>
           </p:cNvSpPr>
@@ -2587,8 +2283,8 @@
         </p:nvSpPr>
         <p:spPr>
           <a:xfrm>
-            <a:off x="839788" y="2057400"/>
-            <a:ext cx="3932237" cy="3811588"/>
+            <a:off x="1562246" y="5400199"/>
+            <a:ext cx="7315088" cy="10004536"/>
           </a:xfrm>
         </p:spPr>
         <p:txBody>
@@ -2596,39 +2292,39 @@
           <a:lstStyle>
             <a:lvl1pPr marL="0" indent="0">
               <a:buNone/>
-              <a:defRPr sz="1600"/>
+              <a:defRPr sz="3969"/>
             </a:lvl1pPr>
-            <a:lvl2pPr marL="457200" indent="0">
+            <a:lvl2pPr marL="1134039" indent="0">
               <a:buNone/>
-              <a:defRPr sz="1400"/>
+              <a:defRPr sz="3473"/>
             </a:lvl2pPr>
-            <a:lvl3pPr marL="914400" indent="0">
+            <a:lvl3pPr marL="2268078" indent="0">
               <a:buNone/>
-              <a:defRPr sz="1200"/>
+              <a:defRPr sz="2976"/>
             </a:lvl3pPr>
-            <a:lvl4pPr marL="1371600" indent="0">
+            <a:lvl4pPr marL="3402117" indent="0">
               <a:buNone/>
-              <a:defRPr sz="1000"/>
+              <a:defRPr sz="2480"/>
             </a:lvl4pPr>
-            <a:lvl5pPr marL="1828800" indent="0">
+            <a:lvl5pPr marL="4536156" indent="0">
               <a:buNone/>
-              <a:defRPr sz="1000"/>
+              <a:defRPr sz="2480"/>
             </a:lvl5pPr>
-            <a:lvl6pPr marL="2286000" indent="0">
+            <a:lvl6pPr marL="5670194" indent="0">
               <a:buNone/>
-              <a:defRPr sz="1000"/>
+              <a:defRPr sz="2480"/>
             </a:lvl6pPr>
-            <a:lvl7pPr marL="2743200" indent="0">
+            <a:lvl7pPr marL="6804233" indent="0">
               <a:buNone/>
-              <a:defRPr sz="1000"/>
+              <a:defRPr sz="2480"/>
             </a:lvl7pPr>
-            <a:lvl8pPr marL="3200400" indent="0">
+            <a:lvl8pPr marL="7938272" indent="0">
               <a:buNone/>
-              <a:defRPr sz="1000"/>
+              <a:defRPr sz="2480"/>
             </a:lvl8pPr>
-            <a:lvl9pPr marL="3657600" indent="0">
+            <a:lvl9pPr marL="9072311" indent="0">
               <a:buNone/>
-              <a:defRPr sz="1000"/>
+              <a:defRPr sz="2480"/>
             </a:lvl9pPr>
           </a:lstStyle>
           <a:p>
@@ -2642,13 +2338,7 @@
       </p:sp>
       <p:sp>
         <p:nvSpPr>
-          <p:cNvPr id="5" name="日期占位符 4">
-            <a:extLst>
-              <a:ext uri="{FF2B5EF4-FFF2-40B4-BE49-F238E27FC236}">
-                <a16:creationId xmlns:a16="http://schemas.microsoft.com/office/drawing/2014/main" id="{3361C827-CAF4-44D3-85ED-C7296F6AF481}"/>
-              </a:ext>
-            </a:extLst>
-          </p:cNvPr>
+          <p:cNvPr id="5" name="Date Placeholder 4"/>
           <p:cNvSpPr>
             <a:spLocks noGrp="1"/>
           </p:cNvSpPr>
@@ -2661,9 +2351,9 @@
           <a:bodyPr/>
           <a:lstStyle/>
           <a:p>
-            <a:fld id="{33F7D573-6747-44F8-B8F4-91871B17B812}" type="datetimeFigureOut">
+            <a:fld id="{BFC18325-399A-42DC-A867-3A6E5DE63ACD}" type="datetimeFigureOut">
               <a:rPr lang="zh-CN" altLang="en-US" smtClean="0"/>
-              <a:t>2021/2/18</a:t>
+              <a:t>2021/2/19</a:t>
             </a:fld>
             <a:endParaRPr lang="zh-CN" altLang="en-US"/>
           </a:p>
@@ -2671,13 +2361,7 @@
       </p:sp>
       <p:sp>
         <p:nvSpPr>
-          <p:cNvPr id="6" name="页脚占位符 5">
-            <a:extLst>
-              <a:ext uri="{FF2B5EF4-FFF2-40B4-BE49-F238E27FC236}">
-                <a16:creationId xmlns:a16="http://schemas.microsoft.com/office/drawing/2014/main" id="{83C5F105-A0F2-4F6E-8666-BCB5A3277889}"/>
-              </a:ext>
-            </a:extLst>
-          </p:cNvPr>
+          <p:cNvPr id="6" name="Footer Placeholder 5"/>
           <p:cNvSpPr>
             <a:spLocks noGrp="1"/>
           </p:cNvSpPr>
@@ -2696,13 +2380,7 @@
       </p:sp>
       <p:sp>
         <p:nvSpPr>
-          <p:cNvPr id="7" name="灯片编号占位符 6">
-            <a:extLst>
-              <a:ext uri="{FF2B5EF4-FFF2-40B4-BE49-F238E27FC236}">
-                <a16:creationId xmlns:a16="http://schemas.microsoft.com/office/drawing/2014/main" id="{45C7AB97-6375-487E-8645-1D0124EBE53A}"/>
-              </a:ext>
-            </a:extLst>
-          </p:cNvPr>
+          <p:cNvPr id="7" name="Slide Number Placeholder 6"/>
           <p:cNvSpPr>
             <a:spLocks noGrp="1"/>
           </p:cNvSpPr>
@@ -2715,7 +2393,7 @@
           <a:bodyPr/>
           <a:lstStyle/>
           <a:p>
-            <a:fld id="{012E4D83-B70A-4264-B1E3-3DEA5A91644F}" type="slidenum">
+            <a:fld id="{0587326F-EFF4-4D15-8897-7C40AFED92D4}" type="slidenum">
               <a:rPr lang="zh-CN" altLang="en-US" smtClean="0"/>
               <a:t>‹#›</a:t>
             </a:fld>
@@ -2726,7 +2404,7 @@
     </p:spTree>
     <p:extLst>
       <p:ext uri="{BB962C8B-B14F-4D97-AF65-F5344CB8AC3E}">
-        <p14:creationId xmlns:p14="http://schemas.microsoft.com/office/powerpoint/2010/main" val="2186021164"/>
+        <p14:creationId xmlns:p14="http://schemas.microsoft.com/office/powerpoint/2010/main" val="2622084133"/>
       </p:ext>
     </p:extLst>
   </p:cSld>
@@ -2760,13 +2438,7 @@
       </p:grpSpPr>
       <p:sp>
         <p:nvSpPr>
-          <p:cNvPr id="2" name="标题占位符 1">
-            <a:extLst>
-              <a:ext uri="{FF2B5EF4-FFF2-40B4-BE49-F238E27FC236}">
-                <a16:creationId xmlns:a16="http://schemas.microsoft.com/office/drawing/2014/main" id="{73A8B316-28B3-42DD-951E-8C3A52130A21}"/>
-              </a:ext>
-            </a:extLst>
-          </p:cNvPr>
+          <p:cNvPr id="2" name="Title Placeholder 1"/>
           <p:cNvSpPr>
             <a:spLocks noGrp="1"/>
           </p:cNvSpPr>
@@ -2776,8 +2448,8 @@
         </p:nvSpPr>
         <p:spPr>
           <a:xfrm>
-            <a:off x="838200" y="365125"/>
-            <a:ext cx="10515600" cy="1325563"/>
+            <a:off x="1559292" y="958373"/>
+            <a:ext cx="19562029" cy="3479296"/>
           </a:xfrm>
           <a:prstGeom prst="rect">
             <a:avLst/>
@@ -2793,18 +2465,13 @@
               <a:rPr lang="zh-CN" altLang="en-US"/>
               <a:t>单击此处编辑母版标题样式</a:t>
             </a:r>
-          </a:p>
-        </p:txBody>
-      </p:sp>
-      <p:sp>
-        <p:nvSpPr>
-          <p:cNvPr id="3" name="文本占位符 2">
-            <a:extLst>
-              <a:ext uri="{FF2B5EF4-FFF2-40B4-BE49-F238E27FC236}">
-                <a16:creationId xmlns:a16="http://schemas.microsoft.com/office/drawing/2014/main" id="{0261CDE0-69AB-4097-9E92-22AFE9A7D7F6}"/>
-              </a:ext>
-            </a:extLst>
-          </p:cNvPr>
+            <a:endParaRPr lang="en-US" dirty="0"/>
+          </a:p>
+        </p:txBody>
+      </p:sp>
+      <p:sp>
+        <p:nvSpPr>
+          <p:cNvPr id="3" name="Text Placeholder 2"/>
           <p:cNvSpPr>
             <a:spLocks noGrp="1"/>
           </p:cNvSpPr>
@@ -2814,8 +2481,8 @@
         </p:nvSpPr>
         <p:spPr>
           <a:xfrm>
-            <a:off x="838200" y="1825625"/>
-            <a:ext cx="10515600" cy="4351338"/>
+            <a:off x="1559292" y="4791843"/>
+            <a:ext cx="19562029" cy="11421255"/>
           </a:xfrm>
           <a:prstGeom prst="rect">
             <a:avLst/>
@@ -2860,18 +2527,13 @@
               <a:rPr lang="zh-CN" altLang="en-US"/>
               <a:t>第五级</a:t>
             </a:r>
-          </a:p>
-        </p:txBody>
-      </p:sp>
-      <p:sp>
-        <p:nvSpPr>
-          <p:cNvPr id="4" name="日期占位符 3">
-            <a:extLst>
-              <a:ext uri="{FF2B5EF4-FFF2-40B4-BE49-F238E27FC236}">
-                <a16:creationId xmlns:a16="http://schemas.microsoft.com/office/drawing/2014/main" id="{001F42FB-852D-4614-B702-F9285CC48D64}"/>
-              </a:ext>
-            </a:extLst>
-          </p:cNvPr>
+            <a:endParaRPr lang="en-US" dirty="0"/>
+          </a:p>
+        </p:txBody>
+      </p:sp>
+      <p:sp>
+        <p:nvSpPr>
+          <p:cNvPr id="4" name="Date Placeholder 3"/>
           <p:cNvSpPr>
             <a:spLocks noGrp="1"/>
           </p:cNvSpPr>
@@ -2881,8 +2543,8 @@
         </p:nvSpPr>
         <p:spPr>
           <a:xfrm>
-            <a:off x="838200" y="6356350"/>
-            <a:ext cx="2743200" cy="365125"/>
+            <a:off x="1559292" y="16683952"/>
+            <a:ext cx="5103138" cy="958369"/>
           </a:xfrm>
           <a:prstGeom prst="rect">
             <a:avLst/>
@@ -2892,7 +2554,7 @@
           <a:bodyPr vert="horz" lIns="91440" tIns="45720" rIns="91440" bIns="45720" rtlCol="0" anchor="ctr"/>
           <a:lstStyle>
             <a:lvl1pPr algn="l">
-              <a:defRPr sz="1200">
+              <a:defRPr sz="2976">
                 <a:solidFill>
                   <a:schemeClr val="tx1">
                     <a:tint val="75000"/>
@@ -2902,9 +2564,9 @@
             </a:lvl1pPr>
           </a:lstStyle>
           <a:p>
-            <a:fld id="{33F7D573-6747-44F8-B8F4-91871B17B812}" type="datetimeFigureOut">
+            <a:fld id="{BFC18325-399A-42DC-A867-3A6E5DE63ACD}" type="datetimeFigureOut">
               <a:rPr lang="zh-CN" altLang="en-US" smtClean="0"/>
-              <a:t>2021/2/18</a:t>
+              <a:t>2021/2/19</a:t>
             </a:fld>
             <a:endParaRPr lang="zh-CN" altLang="en-US"/>
           </a:p>
@@ -2912,13 +2574,7 @@
       </p:sp>
       <p:sp>
         <p:nvSpPr>
-          <p:cNvPr id="5" name="页脚占位符 4">
-            <a:extLst>
-              <a:ext uri="{FF2B5EF4-FFF2-40B4-BE49-F238E27FC236}">
-                <a16:creationId xmlns:a16="http://schemas.microsoft.com/office/drawing/2014/main" id="{931D2E12-A99F-48CE-95FA-151EE930DC66}"/>
-              </a:ext>
-            </a:extLst>
-          </p:cNvPr>
+          <p:cNvPr id="5" name="Footer Placeholder 4"/>
           <p:cNvSpPr>
             <a:spLocks noGrp="1"/>
           </p:cNvSpPr>
@@ -2928,8 +2584,8 @@
         </p:nvSpPr>
         <p:spPr>
           <a:xfrm>
-            <a:off x="4038600" y="6356350"/>
-            <a:ext cx="4114800" cy="365125"/>
+            <a:off x="7512953" y="16683952"/>
+            <a:ext cx="7654707" cy="958369"/>
           </a:xfrm>
           <a:prstGeom prst="rect">
             <a:avLst/>
@@ -2939,7 +2595,7 @@
           <a:bodyPr vert="horz" lIns="91440" tIns="45720" rIns="91440" bIns="45720" rtlCol="0" anchor="ctr"/>
           <a:lstStyle>
             <a:lvl1pPr algn="ctr">
-              <a:defRPr sz="1200">
+              <a:defRPr sz="2976">
                 <a:solidFill>
                   <a:schemeClr val="tx1">
                     <a:tint val="75000"/>
@@ -2955,13 +2611,7 @@
       </p:sp>
       <p:sp>
         <p:nvSpPr>
-          <p:cNvPr id="6" name="灯片编号占位符 5">
-            <a:extLst>
-              <a:ext uri="{FF2B5EF4-FFF2-40B4-BE49-F238E27FC236}">
-                <a16:creationId xmlns:a16="http://schemas.microsoft.com/office/drawing/2014/main" id="{A3E3CEDA-9C79-465F-BA4F-92FAD673ABD1}"/>
-              </a:ext>
-            </a:extLst>
-          </p:cNvPr>
+          <p:cNvPr id="6" name="Slide Number Placeholder 5"/>
           <p:cNvSpPr>
             <a:spLocks noGrp="1"/>
           </p:cNvSpPr>
@@ -2971,8 +2621,8 @@
         </p:nvSpPr>
         <p:spPr>
           <a:xfrm>
-            <a:off x="8610600" y="6356350"/>
-            <a:ext cx="2743200" cy="365125"/>
+            <a:off x="16018183" y="16683952"/>
+            <a:ext cx="5103138" cy="958369"/>
           </a:xfrm>
           <a:prstGeom prst="rect">
             <a:avLst/>
@@ -2982,7 +2632,7 @@
           <a:bodyPr vert="horz" lIns="91440" tIns="45720" rIns="91440" bIns="45720" rtlCol="0" anchor="ctr"/>
           <a:lstStyle>
             <a:lvl1pPr algn="r">
-              <a:defRPr sz="1200">
+              <a:defRPr sz="2976">
                 <a:solidFill>
                   <a:schemeClr val="tx1">
                     <a:tint val="75000"/>
@@ -2992,7 +2642,7 @@
             </a:lvl1pPr>
           </a:lstStyle>
           <a:p>
-            <a:fld id="{012E4D83-B70A-4264-B1E3-3DEA5A91644F}" type="slidenum">
+            <a:fld id="{0587326F-EFF4-4D15-8897-7C40AFED92D4}" type="slidenum">
               <a:rPr lang="zh-CN" altLang="en-US" smtClean="0"/>
               <a:t>‹#›</a:t>
             </a:fld>
@@ -3003,27 +2653,27 @@
     </p:spTree>
     <p:extLst>
       <p:ext uri="{BB962C8B-B14F-4D97-AF65-F5344CB8AC3E}">
-        <p14:creationId xmlns:p14="http://schemas.microsoft.com/office/powerpoint/2010/main" val="487193847"/>
+        <p14:creationId xmlns:p14="http://schemas.microsoft.com/office/powerpoint/2010/main" val="2595222126"/>
       </p:ext>
     </p:extLst>
   </p:cSld>
   <p:clrMap bg1="lt1" tx1="dk1" bg2="lt2" tx2="dk2" accent1="accent1" accent2="accent2" accent3="accent3" accent4="accent4" accent5="accent5" accent6="accent6" hlink="hlink" folHlink="folHlink"/>
   <p:sldLayoutIdLst>
-    <p:sldLayoutId id="2147483649" r:id="rId1"/>
-    <p:sldLayoutId id="2147483650" r:id="rId2"/>
-    <p:sldLayoutId id="2147483651" r:id="rId3"/>
-    <p:sldLayoutId id="2147483652" r:id="rId4"/>
-    <p:sldLayoutId id="2147483653" r:id="rId5"/>
-    <p:sldLayoutId id="2147483654" r:id="rId6"/>
-    <p:sldLayoutId id="2147483655" r:id="rId7"/>
-    <p:sldLayoutId id="2147483656" r:id="rId8"/>
-    <p:sldLayoutId id="2147483657" r:id="rId9"/>
-    <p:sldLayoutId id="2147483658" r:id="rId10"/>
-    <p:sldLayoutId id="2147483659" r:id="rId11"/>
+    <p:sldLayoutId id="2147483721" r:id="rId1"/>
+    <p:sldLayoutId id="2147483722" r:id="rId2"/>
+    <p:sldLayoutId id="2147483723" r:id="rId3"/>
+    <p:sldLayoutId id="2147483724" r:id="rId4"/>
+    <p:sldLayoutId id="2147483725" r:id="rId5"/>
+    <p:sldLayoutId id="2147483726" r:id="rId6"/>
+    <p:sldLayoutId id="2147483727" r:id="rId7"/>
+    <p:sldLayoutId id="2147483728" r:id="rId8"/>
+    <p:sldLayoutId id="2147483729" r:id="rId9"/>
+    <p:sldLayoutId id="2147483730" r:id="rId10"/>
+    <p:sldLayoutId id="2147483731" r:id="rId11"/>
   </p:sldLayoutIdLst>
   <p:txStyles>
     <p:titleStyle>
-      <a:lvl1pPr algn="l" defTabSz="914400" rtl="0" eaLnBrk="1" latinLnBrk="0" hangingPunct="1">
+      <a:lvl1pPr algn="l" defTabSz="2268078" rtl="0" eaLnBrk="1" latinLnBrk="0" hangingPunct="1">
         <a:lnSpc>
           <a:spcPct val="90000"/>
         </a:lnSpc>
@@ -3031,7 +2681,7 @@
           <a:spcPct val="0"/>
         </a:spcBef>
         <a:buNone/>
-        <a:defRPr sz="4400" kern="1200">
+        <a:defRPr sz="10914" kern="1200">
           <a:solidFill>
             <a:schemeClr val="tx1"/>
           </a:solidFill>
@@ -3042,16 +2692,16 @@
       </a:lvl1pPr>
     </p:titleStyle>
     <p:bodyStyle>
-      <a:lvl1pPr marL="228600" indent="-228600" algn="l" defTabSz="914400" rtl="0" eaLnBrk="1" latinLnBrk="0" hangingPunct="1">
+      <a:lvl1pPr marL="567019" indent="-567019" algn="l" defTabSz="2268078" rtl="0" eaLnBrk="1" latinLnBrk="0" hangingPunct="1">
         <a:lnSpc>
           <a:spcPct val="90000"/>
         </a:lnSpc>
         <a:spcBef>
-          <a:spcPts val="1000"/>
+          <a:spcPts val="2480"/>
         </a:spcBef>
         <a:buFont typeface="Arial" panose="020B0604020202020204" pitchFamily="34" charset="0"/>
         <a:buChar char="•"/>
-        <a:defRPr sz="2800" kern="1200">
+        <a:defRPr sz="6945" kern="1200">
           <a:solidFill>
             <a:schemeClr val="tx1"/>
           </a:solidFill>
@@ -3060,16 +2710,16 @@
           <a:cs typeface="+mn-cs"/>
         </a:defRPr>
       </a:lvl1pPr>
-      <a:lvl2pPr marL="685800" indent="-228600" algn="l" defTabSz="914400" rtl="0" eaLnBrk="1" latinLnBrk="0" hangingPunct="1">
+      <a:lvl2pPr marL="1701058" indent="-567019" algn="l" defTabSz="2268078" rtl="0" eaLnBrk="1" latinLnBrk="0" hangingPunct="1">
         <a:lnSpc>
           <a:spcPct val="90000"/>
         </a:lnSpc>
         <a:spcBef>
-          <a:spcPts val="500"/>
+          <a:spcPts val="1240"/>
         </a:spcBef>
         <a:buFont typeface="Arial" panose="020B0604020202020204" pitchFamily="34" charset="0"/>
         <a:buChar char="•"/>
-        <a:defRPr sz="2400" kern="1200">
+        <a:defRPr sz="5953" kern="1200">
           <a:solidFill>
             <a:schemeClr val="tx1"/>
           </a:solidFill>
@@ -3078,16 +2728,16 @@
           <a:cs typeface="+mn-cs"/>
         </a:defRPr>
       </a:lvl2pPr>
-      <a:lvl3pPr marL="1143000" indent="-228600" algn="l" defTabSz="914400" rtl="0" eaLnBrk="1" latinLnBrk="0" hangingPunct="1">
+      <a:lvl3pPr marL="2835097" indent="-567019" algn="l" defTabSz="2268078" rtl="0" eaLnBrk="1" latinLnBrk="0" hangingPunct="1">
         <a:lnSpc>
           <a:spcPct val="90000"/>
         </a:lnSpc>
         <a:spcBef>
-          <a:spcPts val="500"/>
+          <a:spcPts val="1240"/>
         </a:spcBef>
         <a:buFont typeface="Arial" panose="020B0604020202020204" pitchFamily="34" charset="0"/>
         <a:buChar char="•"/>
-        <a:defRPr sz="2000" kern="1200">
+        <a:defRPr sz="4961" kern="1200">
           <a:solidFill>
             <a:schemeClr val="tx1"/>
           </a:solidFill>
@@ -3096,16 +2746,16 @@
           <a:cs typeface="+mn-cs"/>
         </a:defRPr>
       </a:lvl3pPr>
-      <a:lvl4pPr marL="1600200" indent="-228600" algn="l" defTabSz="914400" rtl="0" eaLnBrk="1" latinLnBrk="0" hangingPunct="1">
+      <a:lvl4pPr marL="3969136" indent="-567019" algn="l" defTabSz="2268078" rtl="0" eaLnBrk="1" latinLnBrk="0" hangingPunct="1">
         <a:lnSpc>
           <a:spcPct val="90000"/>
         </a:lnSpc>
         <a:spcBef>
-          <a:spcPts val="500"/>
+          <a:spcPts val="1240"/>
         </a:spcBef>
         <a:buFont typeface="Arial" panose="020B0604020202020204" pitchFamily="34" charset="0"/>
         <a:buChar char="•"/>
-        <a:defRPr sz="1800" kern="1200">
+        <a:defRPr sz="4465" kern="1200">
           <a:solidFill>
             <a:schemeClr val="tx1"/>
           </a:solidFill>
@@ -3114,16 +2764,16 @@
           <a:cs typeface="+mn-cs"/>
         </a:defRPr>
       </a:lvl4pPr>
-      <a:lvl5pPr marL="2057400" indent="-228600" algn="l" defTabSz="914400" rtl="0" eaLnBrk="1" latinLnBrk="0" hangingPunct="1">
+      <a:lvl5pPr marL="5103175" indent="-567019" algn="l" defTabSz="2268078" rtl="0" eaLnBrk="1" latinLnBrk="0" hangingPunct="1">
         <a:lnSpc>
           <a:spcPct val="90000"/>
         </a:lnSpc>
         <a:spcBef>
-          <a:spcPts val="500"/>
+          <a:spcPts val="1240"/>
         </a:spcBef>
         <a:buFont typeface="Arial" panose="020B0604020202020204" pitchFamily="34" charset="0"/>
         <a:buChar char="•"/>
-        <a:defRPr sz="1800" kern="1200">
+        <a:defRPr sz="4465" kern="1200">
           <a:solidFill>
             <a:schemeClr val="tx1"/>
           </a:solidFill>
@@ -3132,16 +2782,16 @@
           <a:cs typeface="+mn-cs"/>
         </a:defRPr>
       </a:lvl5pPr>
-      <a:lvl6pPr marL="2514600" indent="-228600" algn="l" defTabSz="914400" rtl="0" eaLnBrk="1" latinLnBrk="0" hangingPunct="1">
+      <a:lvl6pPr marL="6237214" indent="-567019" algn="l" defTabSz="2268078" rtl="0" eaLnBrk="1" latinLnBrk="0" hangingPunct="1">
         <a:lnSpc>
           <a:spcPct val="90000"/>
         </a:lnSpc>
         <a:spcBef>
-          <a:spcPts val="500"/>
+          <a:spcPts val="1240"/>
         </a:spcBef>
         <a:buFont typeface="Arial" panose="020B0604020202020204" pitchFamily="34" charset="0"/>
         <a:buChar char="•"/>
-        <a:defRPr sz="1800" kern="1200">
+        <a:defRPr sz="4465" kern="1200">
           <a:solidFill>
             <a:schemeClr val="tx1"/>
           </a:solidFill>
@@ -3150,16 +2800,16 @@
           <a:cs typeface="+mn-cs"/>
         </a:defRPr>
       </a:lvl6pPr>
-      <a:lvl7pPr marL="2971800" indent="-228600" algn="l" defTabSz="914400" rtl="0" eaLnBrk="1" latinLnBrk="0" hangingPunct="1">
+      <a:lvl7pPr marL="7371253" indent="-567019" algn="l" defTabSz="2268078" rtl="0" eaLnBrk="1" latinLnBrk="0" hangingPunct="1">
         <a:lnSpc>
           <a:spcPct val="90000"/>
         </a:lnSpc>
         <a:spcBef>
-          <a:spcPts val="500"/>
+          <a:spcPts val="1240"/>
         </a:spcBef>
         <a:buFont typeface="Arial" panose="020B0604020202020204" pitchFamily="34" charset="0"/>
         <a:buChar char="•"/>
-        <a:defRPr sz="1800" kern="1200">
+        <a:defRPr sz="4465" kern="1200">
           <a:solidFill>
             <a:schemeClr val="tx1"/>
           </a:solidFill>
@@ -3168,16 +2818,16 @@
           <a:cs typeface="+mn-cs"/>
         </a:defRPr>
       </a:lvl7pPr>
-      <a:lvl8pPr marL="3429000" indent="-228600" algn="l" defTabSz="914400" rtl="0" eaLnBrk="1" latinLnBrk="0" hangingPunct="1">
+      <a:lvl8pPr marL="8505292" indent="-567019" algn="l" defTabSz="2268078" rtl="0" eaLnBrk="1" latinLnBrk="0" hangingPunct="1">
         <a:lnSpc>
           <a:spcPct val="90000"/>
         </a:lnSpc>
         <a:spcBef>
-          <a:spcPts val="500"/>
+          <a:spcPts val="1240"/>
         </a:spcBef>
         <a:buFont typeface="Arial" panose="020B0604020202020204" pitchFamily="34" charset="0"/>
         <a:buChar char="•"/>
-        <a:defRPr sz="1800" kern="1200">
+        <a:defRPr sz="4465" kern="1200">
           <a:solidFill>
             <a:schemeClr val="tx1"/>
           </a:solidFill>
@@ -3186,16 +2836,16 @@
           <a:cs typeface="+mn-cs"/>
         </a:defRPr>
       </a:lvl8pPr>
-      <a:lvl9pPr marL="3886200" indent="-228600" algn="l" defTabSz="914400" rtl="0" eaLnBrk="1" latinLnBrk="0" hangingPunct="1">
+      <a:lvl9pPr marL="9639330" indent="-567019" algn="l" defTabSz="2268078" rtl="0" eaLnBrk="1" latinLnBrk="0" hangingPunct="1">
         <a:lnSpc>
           <a:spcPct val="90000"/>
         </a:lnSpc>
         <a:spcBef>
-          <a:spcPts val="500"/>
+          <a:spcPts val="1240"/>
         </a:spcBef>
         <a:buFont typeface="Arial" panose="020B0604020202020204" pitchFamily="34" charset="0"/>
         <a:buChar char="•"/>
-        <a:defRPr sz="1800" kern="1200">
+        <a:defRPr sz="4465" kern="1200">
           <a:solidFill>
             <a:schemeClr val="tx1"/>
           </a:solidFill>
@@ -3207,10 +2857,10 @@
     </p:bodyStyle>
     <p:otherStyle>
       <a:defPPr>
-        <a:defRPr lang="zh-CN"/>
+        <a:defRPr lang="en-US"/>
       </a:defPPr>
-      <a:lvl1pPr marL="0" algn="l" defTabSz="914400" rtl="0" eaLnBrk="1" latinLnBrk="0" hangingPunct="1">
-        <a:defRPr sz="1800" kern="1200">
+      <a:lvl1pPr marL="0" algn="l" defTabSz="2268078" rtl="0" eaLnBrk="1" latinLnBrk="0" hangingPunct="1">
+        <a:defRPr sz="4465" kern="1200">
           <a:solidFill>
             <a:schemeClr val="tx1"/>
           </a:solidFill>
@@ -3219,8 +2869,8 @@
           <a:cs typeface="+mn-cs"/>
         </a:defRPr>
       </a:lvl1pPr>
-      <a:lvl2pPr marL="457200" algn="l" defTabSz="914400" rtl="0" eaLnBrk="1" latinLnBrk="0" hangingPunct="1">
-        <a:defRPr sz="1800" kern="1200">
+      <a:lvl2pPr marL="1134039" algn="l" defTabSz="2268078" rtl="0" eaLnBrk="1" latinLnBrk="0" hangingPunct="1">
+        <a:defRPr sz="4465" kern="1200">
           <a:solidFill>
             <a:schemeClr val="tx1"/>
           </a:solidFill>
@@ -3229,8 +2879,8 @@
           <a:cs typeface="+mn-cs"/>
         </a:defRPr>
       </a:lvl2pPr>
-      <a:lvl3pPr marL="914400" algn="l" defTabSz="914400" rtl="0" eaLnBrk="1" latinLnBrk="0" hangingPunct="1">
-        <a:defRPr sz="1800" kern="1200">
+      <a:lvl3pPr marL="2268078" algn="l" defTabSz="2268078" rtl="0" eaLnBrk="1" latinLnBrk="0" hangingPunct="1">
+        <a:defRPr sz="4465" kern="1200">
           <a:solidFill>
             <a:schemeClr val="tx1"/>
           </a:solidFill>
@@ -3239,8 +2889,8 @@
           <a:cs typeface="+mn-cs"/>
         </a:defRPr>
       </a:lvl3pPr>
-      <a:lvl4pPr marL="1371600" algn="l" defTabSz="914400" rtl="0" eaLnBrk="1" latinLnBrk="0" hangingPunct="1">
-        <a:defRPr sz="1800" kern="1200">
+      <a:lvl4pPr marL="3402117" algn="l" defTabSz="2268078" rtl="0" eaLnBrk="1" latinLnBrk="0" hangingPunct="1">
+        <a:defRPr sz="4465" kern="1200">
           <a:solidFill>
             <a:schemeClr val="tx1"/>
           </a:solidFill>
@@ -3249,8 +2899,8 @@
           <a:cs typeface="+mn-cs"/>
         </a:defRPr>
       </a:lvl4pPr>
-      <a:lvl5pPr marL="1828800" algn="l" defTabSz="914400" rtl="0" eaLnBrk="1" latinLnBrk="0" hangingPunct="1">
-        <a:defRPr sz="1800" kern="1200">
+      <a:lvl5pPr marL="4536156" algn="l" defTabSz="2268078" rtl="0" eaLnBrk="1" latinLnBrk="0" hangingPunct="1">
+        <a:defRPr sz="4465" kern="1200">
           <a:solidFill>
             <a:schemeClr val="tx1"/>
           </a:solidFill>
@@ -3259,8 +2909,8 @@
           <a:cs typeface="+mn-cs"/>
         </a:defRPr>
       </a:lvl5pPr>
-      <a:lvl6pPr marL="2286000" algn="l" defTabSz="914400" rtl="0" eaLnBrk="1" latinLnBrk="0" hangingPunct="1">
-        <a:defRPr sz="1800" kern="1200">
+      <a:lvl6pPr marL="5670194" algn="l" defTabSz="2268078" rtl="0" eaLnBrk="1" latinLnBrk="0" hangingPunct="1">
+        <a:defRPr sz="4465" kern="1200">
           <a:solidFill>
             <a:schemeClr val="tx1"/>
           </a:solidFill>
@@ -3269,8 +2919,8 @@
           <a:cs typeface="+mn-cs"/>
         </a:defRPr>
       </a:lvl6pPr>
-      <a:lvl7pPr marL="2743200" algn="l" defTabSz="914400" rtl="0" eaLnBrk="1" latinLnBrk="0" hangingPunct="1">
-        <a:defRPr sz="1800" kern="1200">
+      <a:lvl7pPr marL="6804233" algn="l" defTabSz="2268078" rtl="0" eaLnBrk="1" latinLnBrk="0" hangingPunct="1">
+        <a:defRPr sz="4465" kern="1200">
           <a:solidFill>
             <a:schemeClr val="tx1"/>
           </a:solidFill>
@@ -3279,8 +2929,8 @@
           <a:cs typeface="+mn-cs"/>
         </a:defRPr>
       </a:lvl7pPr>
-      <a:lvl8pPr marL="3200400" algn="l" defTabSz="914400" rtl="0" eaLnBrk="1" latinLnBrk="0" hangingPunct="1">
-        <a:defRPr sz="1800" kern="1200">
+      <a:lvl8pPr marL="7938272" algn="l" defTabSz="2268078" rtl="0" eaLnBrk="1" latinLnBrk="0" hangingPunct="1">
+        <a:defRPr sz="4465" kern="1200">
           <a:solidFill>
             <a:schemeClr val="tx1"/>
           </a:solidFill>
@@ -3289,8 +2939,8 @@
           <a:cs typeface="+mn-cs"/>
         </a:defRPr>
       </a:lvl8pPr>
-      <a:lvl9pPr marL="3657600" algn="l" defTabSz="914400" rtl="0" eaLnBrk="1" latinLnBrk="0" hangingPunct="1">
-        <a:defRPr sz="1800" kern="1200">
+      <a:lvl9pPr marL="9072311" algn="l" defTabSz="2268078" rtl="0" eaLnBrk="1" latinLnBrk="0" hangingPunct="1">
+        <a:defRPr sz="4465" kern="1200">
           <a:solidFill>
             <a:schemeClr val="tx1"/>
           </a:solidFill>
@@ -3323,58 +2973,4882 @@
       </p:grpSpPr>
       <p:sp>
         <p:nvSpPr>
-          <p:cNvPr id="2" name="标题 1">
-            <a:extLst>
-              <a:ext uri="{FF2B5EF4-FFF2-40B4-BE49-F238E27FC236}">
-                <a16:creationId xmlns:a16="http://schemas.microsoft.com/office/drawing/2014/main" id="{5805694B-2AC6-4E75-B6BB-2A3D3CDF5724}"/>
-              </a:ext>
-            </a:extLst>
-          </p:cNvPr>
-          <p:cNvSpPr>
-            <a:spLocks noGrp="1"/>
-          </p:cNvSpPr>
-          <p:nvPr>
-            <p:ph type="ctrTitle"/>
-          </p:nvPr>
-        </p:nvSpPr>
-        <p:spPr/>
-        <p:txBody>
-          <a:bodyPr/>
-          <a:lstStyle/>
-          <a:p>
-            <a:endParaRPr lang="zh-CN" altLang="en-US"/>
-          </a:p>
-        </p:txBody>
-      </p:sp>
-      <p:sp>
-        <p:nvSpPr>
-          <p:cNvPr id="3" name="副标题 2">
-            <a:extLst>
-              <a:ext uri="{FF2B5EF4-FFF2-40B4-BE49-F238E27FC236}">
-                <a16:creationId xmlns:a16="http://schemas.microsoft.com/office/drawing/2014/main" id="{6A716F7D-ACE3-48CB-A6EB-BD35B81E9627}"/>
-              </a:ext>
-            </a:extLst>
-          </p:cNvPr>
-          <p:cNvSpPr>
-            <a:spLocks noGrp="1"/>
-          </p:cNvSpPr>
-          <p:nvPr>
-            <p:ph type="subTitle" idx="1"/>
-          </p:nvPr>
-        </p:nvSpPr>
-        <p:spPr/>
-        <p:txBody>
-          <a:bodyPr/>
-          <a:lstStyle/>
-          <a:p>
-            <a:endParaRPr lang="zh-CN" altLang="en-US"/>
+          <p:cNvPr id="41" name="矩形 40">
+            <a:extLst>
+              <a:ext uri="{FF2B5EF4-FFF2-40B4-BE49-F238E27FC236}">
+                <a16:creationId xmlns:a16="http://schemas.microsoft.com/office/drawing/2014/main" id="{4F8B5A94-FF30-4659-8051-83C31E21D4A4}"/>
+              </a:ext>
+            </a:extLst>
+          </p:cNvPr>
+          <p:cNvSpPr/>
+          <p:nvPr/>
+        </p:nvSpPr>
+        <p:spPr>
+          <a:xfrm>
+            <a:off x="2461442" y="4108659"/>
+            <a:ext cx="3369620" cy="522282"/>
+          </a:xfrm>
+          <a:prstGeom prst="rect">
+            <a:avLst/>
+          </a:prstGeom>
+          <a:solidFill>
+            <a:schemeClr val="bg1">
+              <a:lumMod val="95000"/>
+            </a:schemeClr>
+          </a:solidFill>
+          <a:ln w="9525" cap="flat" cmpd="sng" algn="ctr">
+            <a:noFill/>
+            <a:prstDash val="solid"/>
+            <a:round/>
+            <a:headEnd type="none" w="med" len="med"/>
+            <a:tailEnd type="none" w="med" len="med"/>
+          </a:ln>
+        </p:spPr>
+        <p:style>
+          <a:lnRef idx="0">
+            <a:scrgbClr r="0" g="0" b="0"/>
+          </a:lnRef>
+          <a:fillRef idx="0">
+            <a:scrgbClr r="0" g="0" b="0"/>
+          </a:fillRef>
+          <a:effectRef idx="0">
+            <a:scrgbClr r="0" g="0" b="0"/>
+          </a:effectRef>
+          <a:fontRef idx="minor">
+            <a:schemeClr val="accent3"/>
+          </a:fontRef>
+        </p:style>
+        <p:txBody>
+          <a:bodyPr rtlCol="0" anchor="ctr"/>
+          <a:lstStyle/>
+          <a:p>
+            <a:pPr algn="ctr"/>
+            <a:r>
+              <a:rPr lang="en-US" altLang="zh-CN" sz="3300" dirty="0">
+                <a:solidFill>
+                  <a:schemeClr val="tx1"/>
+                </a:solidFill>
+              </a:rPr>
+              <a:t>gTGFBR1 — T</a:t>
+            </a:r>
+            <a:endParaRPr lang="zh-CN" altLang="en-US" sz="3300" dirty="0">
+              <a:solidFill>
+                <a:schemeClr val="tx1"/>
+              </a:solidFill>
+            </a:endParaRPr>
+          </a:p>
+        </p:txBody>
+      </p:sp>
+      <p:sp>
+        <p:nvSpPr>
+          <p:cNvPr id="43" name="矩形 42">
+            <a:extLst>
+              <a:ext uri="{FF2B5EF4-FFF2-40B4-BE49-F238E27FC236}">
+                <a16:creationId xmlns:a16="http://schemas.microsoft.com/office/drawing/2014/main" id="{0F1A4736-B071-4C2F-8699-DBE7E4AB0AD0}"/>
+              </a:ext>
+            </a:extLst>
+          </p:cNvPr>
+          <p:cNvSpPr/>
+          <p:nvPr/>
+        </p:nvSpPr>
+        <p:spPr>
+          <a:xfrm>
+            <a:off x="7979265" y="4100249"/>
+            <a:ext cx="2682877" cy="522282"/>
+          </a:xfrm>
+          <a:prstGeom prst="rect">
+            <a:avLst/>
+          </a:prstGeom>
+          <a:solidFill>
+            <a:schemeClr val="accent5">
+              <a:lumMod val="60000"/>
+              <a:lumOff val="40000"/>
+            </a:schemeClr>
+          </a:solidFill>
+          <a:ln>
+            <a:noFill/>
+          </a:ln>
+        </p:spPr>
+        <p:style>
+          <a:lnRef idx="2">
+            <a:schemeClr val="accent1">
+              <a:shade val="50000"/>
+            </a:schemeClr>
+          </a:lnRef>
+          <a:fillRef idx="1">
+            <a:schemeClr val="accent1"/>
+          </a:fillRef>
+          <a:effectRef idx="0">
+            <a:schemeClr val="accent1"/>
+          </a:effectRef>
+          <a:fontRef idx="minor">
+            <a:schemeClr val="lt1"/>
+          </a:fontRef>
+        </p:style>
+        <p:txBody>
+          <a:bodyPr rtlCol="0" anchor="ctr"/>
+          <a:lstStyle/>
+          <a:p>
+            <a:pPr algn="ctr"/>
+            <a:r>
+              <a:rPr lang="en-US" altLang="zh-CN" sz="3300" dirty="0"/>
+              <a:t>mTGFBR1</a:t>
+            </a:r>
+            <a:endParaRPr lang="zh-CN" altLang="en-US" sz="3300" dirty="0"/>
+          </a:p>
+        </p:txBody>
+      </p:sp>
+      <p:sp>
+        <p:nvSpPr>
+          <p:cNvPr id="45" name="矩形 44">
+            <a:extLst>
+              <a:ext uri="{FF2B5EF4-FFF2-40B4-BE49-F238E27FC236}">
+                <a16:creationId xmlns:a16="http://schemas.microsoft.com/office/drawing/2014/main" id="{B100CF0A-7BC0-408D-B99A-03B4ED4D14F8}"/>
+              </a:ext>
+            </a:extLst>
+          </p:cNvPr>
+          <p:cNvSpPr/>
+          <p:nvPr/>
+        </p:nvSpPr>
+        <p:spPr>
+          <a:xfrm>
+            <a:off x="12657943" y="4100249"/>
+            <a:ext cx="2718558" cy="522282"/>
+          </a:xfrm>
+          <a:prstGeom prst="rect">
+            <a:avLst/>
+          </a:prstGeom>
+          <a:solidFill>
+            <a:schemeClr val="accent5">
+              <a:lumMod val="75000"/>
+            </a:schemeClr>
+          </a:solidFill>
+          <a:ln>
+            <a:noFill/>
+          </a:ln>
+        </p:spPr>
+        <p:style>
+          <a:lnRef idx="2">
+            <a:schemeClr val="accent1">
+              <a:shade val="50000"/>
+            </a:schemeClr>
+          </a:lnRef>
+          <a:fillRef idx="1">
+            <a:schemeClr val="accent1"/>
+          </a:fillRef>
+          <a:effectRef idx="0">
+            <a:schemeClr val="accent1"/>
+          </a:effectRef>
+          <a:fontRef idx="minor">
+            <a:schemeClr val="lt1"/>
+          </a:fontRef>
+        </p:style>
+        <p:txBody>
+          <a:bodyPr rtlCol="0" anchor="ctr"/>
+          <a:lstStyle/>
+          <a:p>
+            <a:pPr algn="ctr"/>
+            <a:r>
+              <a:rPr lang="en-US" altLang="zh-CN" sz="3300" b="1" dirty="0"/>
+              <a:t>TGFBR1</a:t>
+            </a:r>
+            <a:endParaRPr lang="zh-CN" altLang="en-US" sz="3300" b="1" dirty="0"/>
+          </a:p>
+        </p:txBody>
+      </p:sp>
+      <p:cxnSp>
+        <p:nvCxnSpPr>
+          <p:cNvPr id="47" name="连接符: 肘形 46">
+            <a:extLst>
+              <a:ext uri="{FF2B5EF4-FFF2-40B4-BE49-F238E27FC236}">
+                <a16:creationId xmlns:a16="http://schemas.microsoft.com/office/drawing/2014/main" id="{66B99CF4-7D98-42F7-AB61-02CC452594E1}"/>
+              </a:ext>
+            </a:extLst>
+          </p:cNvPr>
+          <p:cNvCxnSpPr>
+            <a:cxnSpLocks/>
+            <a:stCxn id="41" idx="3"/>
+            <a:endCxn id="43" idx="1"/>
+          </p:cNvCxnSpPr>
+          <p:nvPr/>
+        </p:nvCxnSpPr>
+        <p:spPr>
+          <a:xfrm flipV="1">
+            <a:off x="5831064" y="4361388"/>
+            <a:ext cx="2148203" cy="8410"/>
+          </a:xfrm>
+          <a:prstGeom prst="bentConnector3">
+            <a:avLst>
+              <a:gd name="adj1" fmla="val 50000"/>
+            </a:avLst>
+          </a:prstGeom>
+          <a:ln w="38100">
+            <a:prstDash val="lgDash"/>
+            <a:tailEnd type="triangle" w="lg" len="lg"/>
+          </a:ln>
+        </p:spPr>
+        <p:style>
+          <a:lnRef idx="3">
+            <a:schemeClr val="accent3"/>
+          </a:lnRef>
+          <a:fillRef idx="0">
+            <a:schemeClr val="accent3"/>
+          </a:fillRef>
+          <a:effectRef idx="2">
+            <a:schemeClr val="accent3"/>
+          </a:effectRef>
+          <a:fontRef idx="minor">
+            <a:schemeClr val="tx1"/>
+          </a:fontRef>
+        </p:style>
+      </p:cxnSp>
+      <p:cxnSp>
+        <p:nvCxnSpPr>
+          <p:cNvPr id="53" name="连接符: 肘形 52">
+            <a:extLst>
+              <a:ext uri="{FF2B5EF4-FFF2-40B4-BE49-F238E27FC236}">
+                <a16:creationId xmlns:a16="http://schemas.microsoft.com/office/drawing/2014/main" id="{8AAC210B-8713-4F88-ACA5-65EEED7E24E1}"/>
+              </a:ext>
+            </a:extLst>
+          </p:cNvPr>
+          <p:cNvCxnSpPr>
+            <a:cxnSpLocks/>
+            <a:stCxn id="43" idx="3"/>
+            <a:endCxn id="45" idx="1"/>
+          </p:cNvCxnSpPr>
+          <p:nvPr/>
+        </p:nvCxnSpPr>
+        <p:spPr>
+          <a:xfrm>
+            <a:off x="10662144" y="4361388"/>
+            <a:ext cx="1995803" cy="12700"/>
+          </a:xfrm>
+          <a:prstGeom prst="bentConnector3">
+            <a:avLst>
+              <a:gd name="adj1" fmla="val 50000"/>
+            </a:avLst>
+          </a:prstGeom>
+          <a:ln w="38100">
+            <a:solidFill>
+              <a:schemeClr val="accent2">
+                <a:lumMod val="75000"/>
+              </a:schemeClr>
+            </a:solidFill>
+            <a:prstDash val="lgDash"/>
+            <a:tailEnd type="triangle" w="lg" len="lg"/>
+          </a:ln>
+        </p:spPr>
+        <p:style>
+          <a:lnRef idx="3">
+            <a:schemeClr val="accent3"/>
+          </a:lnRef>
+          <a:fillRef idx="0">
+            <a:schemeClr val="accent3"/>
+          </a:fillRef>
+          <a:effectRef idx="2">
+            <a:schemeClr val="accent3"/>
+          </a:effectRef>
+          <a:fontRef idx="minor">
+            <a:schemeClr val="tx1"/>
+          </a:fontRef>
+        </p:style>
+      </p:cxnSp>
+      <p:sp>
+        <p:nvSpPr>
+          <p:cNvPr id="69" name="矩形 68">
+            <a:extLst>
+              <a:ext uri="{FF2B5EF4-FFF2-40B4-BE49-F238E27FC236}">
+                <a16:creationId xmlns:a16="http://schemas.microsoft.com/office/drawing/2014/main" id="{5256CFF2-E088-45AE-914A-49AC50335F73}"/>
+              </a:ext>
+            </a:extLst>
+          </p:cNvPr>
+          <p:cNvSpPr/>
+          <p:nvPr/>
+        </p:nvSpPr>
+        <p:spPr>
+          <a:xfrm>
+            <a:off x="2461442" y="2801268"/>
+            <a:ext cx="3369620" cy="522282"/>
+          </a:xfrm>
+          <a:prstGeom prst="rect">
+            <a:avLst/>
+          </a:prstGeom>
+          <a:solidFill>
+            <a:schemeClr val="bg1">
+              <a:lumMod val="95000"/>
+            </a:schemeClr>
+          </a:solidFill>
+          <a:ln w="9525" cap="flat" cmpd="sng" algn="ctr">
+            <a:noFill/>
+            <a:prstDash val="solid"/>
+            <a:round/>
+            <a:headEnd type="none" w="med" len="med"/>
+            <a:tailEnd type="none" w="med" len="med"/>
+          </a:ln>
+        </p:spPr>
+        <p:style>
+          <a:lnRef idx="0">
+            <a:scrgbClr r="0" g="0" b="0"/>
+          </a:lnRef>
+          <a:fillRef idx="0">
+            <a:scrgbClr r="0" g="0" b="0"/>
+          </a:fillRef>
+          <a:effectRef idx="0">
+            <a:scrgbClr r="0" g="0" b="0"/>
+          </a:effectRef>
+          <a:fontRef idx="minor">
+            <a:schemeClr val="accent3"/>
+          </a:fontRef>
+        </p:style>
+        <p:txBody>
+          <a:bodyPr rtlCol="0" anchor="ctr"/>
+          <a:lstStyle/>
+          <a:p>
+            <a:pPr algn="ctr"/>
+            <a:r>
+              <a:rPr lang="en-US" altLang="zh-CN" sz="3300" dirty="0">
+                <a:solidFill>
+                  <a:schemeClr val="tx1"/>
+                </a:solidFill>
+              </a:rPr>
+              <a:t>gTGFBR2 — T</a:t>
+            </a:r>
+            <a:endParaRPr lang="zh-CN" altLang="en-US" sz="3300" dirty="0">
+              <a:solidFill>
+                <a:schemeClr val="tx1"/>
+              </a:solidFill>
+            </a:endParaRPr>
+          </a:p>
+        </p:txBody>
+      </p:sp>
+      <p:sp>
+        <p:nvSpPr>
+          <p:cNvPr id="71" name="矩形 70">
+            <a:extLst>
+              <a:ext uri="{FF2B5EF4-FFF2-40B4-BE49-F238E27FC236}">
+                <a16:creationId xmlns:a16="http://schemas.microsoft.com/office/drawing/2014/main" id="{5D68A87A-64B7-4D52-B786-DD1C6BA09559}"/>
+              </a:ext>
+            </a:extLst>
+          </p:cNvPr>
+          <p:cNvSpPr/>
+          <p:nvPr/>
+        </p:nvSpPr>
+        <p:spPr>
+          <a:xfrm>
+            <a:off x="7979265" y="2792860"/>
+            <a:ext cx="2682877" cy="522282"/>
+          </a:xfrm>
+          <a:prstGeom prst="rect">
+            <a:avLst/>
+          </a:prstGeom>
+          <a:solidFill>
+            <a:schemeClr val="accent5">
+              <a:lumMod val="60000"/>
+              <a:lumOff val="40000"/>
+            </a:schemeClr>
+          </a:solidFill>
+          <a:ln>
+            <a:noFill/>
+          </a:ln>
+        </p:spPr>
+        <p:style>
+          <a:lnRef idx="2">
+            <a:schemeClr val="accent1">
+              <a:shade val="50000"/>
+            </a:schemeClr>
+          </a:lnRef>
+          <a:fillRef idx="1">
+            <a:schemeClr val="accent1"/>
+          </a:fillRef>
+          <a:effectRef idx="0">
+            <a:schemeClr val="accent1"/>
+          </a:effectRef>
+          <a:fontRef idx="minor">
+            <a:schemeClr val="lt1"/>
+          </a:fontRef>
+        </p:style>
+        <p:txBody>
+          <a:bodyPr rtlCol="0" anchor="ctr"/>
+          <a:lstStyle/>
+          <a:p>
+            <a:pPr algn="ctr"/>
+            <a:r>
+              <a:rPr lang="en-US" altLang="zh-CN" sz="3300" dirty="0"/>
+              <a:t>mTGFBR2</a:t>
+            </a:r>
+            <a:endParaRPr lang="zh-CN" altLang="en-US" sz="3300" dirty="0"/>
+          </a:p>
+        </p:txBody>
+      </p:sp>
+      <p:sp>
+        <p:nvSpPr>
+          <p:cNvPr id="72" name="矩形 71">
+            <a:extLst>
+              <a:ext uri="{FF2B5EF4-FFF2-40B4-BE49-F238E27FC236}">
+                <a16:creationId xmlns:a16="http://schemas.microsoft.com/office/drawing/2014/main" id="{4EC0EBE1-B983-4E8E-8543-1ECC9B996E3D}"/>
+              </a:ext>
+            </a:extLst>
+          </p:cNvPr>
+          <p:cNvSpPr/>
+          <p:nvPr/>
+        </p:nvSpPr>
+        <p:spPr>
+          <a:xfrm>
+            <a:off x="12657943" y="2792860"/>
+            <a:ext cx="2718558" cy="522282"/>
+          </a:xfrm>
+          <a:prstGeom prst="rect">
+            <a:avLst/>
+          </a:prstGeom>
+          <a:solidFill>
+            <a:schemeClr val="accent5">
+              <a:lumMod val="75000"/>
+            </a:schemeClr>
+          </a:solidFill>
+          <a:ln>
+            <a:noFill/>
+          </a:ln>
+        </p:spPr>
+        <p:style>
+          <a:lnRef idx="2">
+            <a:schemeClr val="accent1">
+              <a:shade val="50000"/>
+            </a:schemeClr>
+          </a:lnRef>
+          <a:fillRef idx="1">
+            <a:schemeClr val="accent1"/>
+          </a:fillRef>
+          <a:effectRef idx="0">
+            <a:schemeClr val="accent1"/>
+          </a:effectRef>
+          <a:fontRef idx="minor">
+            <a:schemeClr val="lt1"/>
+          </a:fontRef>
+        </p:style>
+        <p:txBody>
+          <a:bodyPr rtlCol="0" anchor="ctr"/>
+          <a:lstStyle/>
+          <a:p>
+            <a:pPr algn="ctr"/>
+            <a:r>
+              <a:rPr lang="en-US" altLang="zh-CN" sz="3300" b="1" dirty="0"/>
+              <a:t>TGFBR2</a:t>
+            </a:r>
+            <a:endParaRPr lang="zh-CN" altLang="en-US" sz="3300" b="1" dirty="0"/>
+          </a:p>
+        </p:txBody>
+      </p:sp>
+      <p:cxnSp>
+        <p:nvCxnSpPr>
+          <p:cNvPr id="73" name="连接符: 肘形 72">
+            <a:extLst>
+              <a:ext uri="{FF2B5EF4-FFF2-40B4-BE49-F238E27FC236}">
+                <a16:creationId xmlns:a16="http://schemas.microsoft.com/office/drawing/2014/main" id="{8BFA0E5E-3E33-442D-B957-FB26BF106101}"/>
+              </a:ext>
+            </a:extLst>
+          </p:cNvPr>
+          <p:cNvCxnSpPr>
+            <a:cxnSpLocks/>
+            <a:stCxn id="69" idx="3"/>
+            <a:endCxn id="71" idx="1"/>
+          </p:cNvCxnSpPr>
+          <p:nvPr/>
+        </p:nvCxnSpPr>
+        <p:spPr>
+          <a:xfrm flipV="1">
+            <a:off x="5831064" y="3053998"/>
+            <a:ext cx="2148203" cy="8410"/>
+          </a:xfrm>
+          <a:prstGeom prst="bentConnector3">
+            <a:avLst>
+              <a:gd name="adj1" fmla="val 50000"/>
+            </a:avLst>
+          </a:prstGeom>
+          <a:ln w="38100">
+            <a:prstDash val="lgDash"/>
+            <a:tailEnd type="triangle" w="lg" len="lg"/>
+          </a:ln>
+        </p:spPr>
+        <p:style>
+          <a:lnRef idx="3">
+            <a:schemeClr val="accent3"/>
+          </a:lnRef>
+          <a:fillRef idx="0">
+            <a:schemeClr val="accent3"/>
+          </a:fillRef>
+          <a:effectRef idx="2">
+            <a:schemeClr val="accent3"/>
+          </a:effectRef>
+          <a:fontRef idx="minor">
+            <a:schemeClr val="tx1"/>
+          </a:fontRef>
+        </p:style>
+      </p:cxnSp>
+      <p:cxnSp>
+        <p:nvCxnSpPr>
+          <p:cNvPr id="74" name="连接符: 肘形 73">
+            <a:extLst>
+              <a:ext uri="{FF2B5EF4-FFF2-40B4-BE49-F238E27FC236}">
+                <a16:creationId xmlns:a16="http://schemas.microsoft.com/office/drawing/2014/main" id="{30A34B40-A341-49E3-B95E-199BD1C611DE}"/>
+              </a:ext>
+            </a:extLst>
+          </p:cNvPr>
+          <p:cNvCxnSpPr>
+            <a:cxnSpLocks/>
+          </p:cNvCxnSpPr>
+          <p:nvPr/>
+        </p:nvCxnSpPr>
+        <p:spPr>
+          <a:xfrm>
+            <a:off x="10649641" y="3053999"/>
+            <a:ext cx="1995803" cy="12700"/>
+          </a:xfrm>
+          <a:prstGeom prst="bentConnector3">
+            <a:avLst>
+              <a:gd name="adj1" fmla="val 50000"/>
+            </a:avLst>
+          </a:prstGeom>
+          <a:ln w="38100">
+            <a:solidFill>
+              <a:schemeClr val="accent2">
+                <a:lumMod val="75000"/>
+              </a:schemeClr>
+            </a:solidFill>
+            <a:prstDash val="lgDash"/>
+            <a:tailEnd type="triangle" w="lg" len="lg"/>
+          </a:ln>
+        </p:spPr>
+        <p:style>
+          <a:lnRef idx="3">
+            <a:schemeClr val="accent3"/>
+          </a:lnRef>
+          <a:fillRef idx="0">
+            <a:schemeClr val="accent3"/>
+          </a:fillRef>
+          <a:effectRef idx="2">
+            <a:schemeClr val="accent3"/>
+          </a:effectRef>
+          <a:fontRef idx="minor">
+            <a:schemeClr val="tx1"/>
+          </a:fontRef>
+        </p:style>
+      </p:cxnSp>
+      <p:sp>
+        <p:nvSpPr>
+          <p:cNvPr id="78" name="矩形 77">
+            <a:extLst>
+              <a:ext uri="{FF2B5EF4-FFF2-40B4-BE49-F238E27FC236}">
+                <a16:creationId xmlns:a16="http://schemas.microsoft.com/office/drawing/2014/main" id="{A630174F-F24A-4632-87A1-86F008447639}"/>
+              </a:ext>
+            </a:extLst>
+          </p:cNvPr>
+          <p:cNvSpPr/>
+          <p:nvPr/>
+        </p:nvSpPr>
+        <p:spPr>
+          <a:xfrm>
+            <a:off x="13171235" y="1216859"/>
+            <a:ext cx="2205266" cy="1044618"/>
+          </a:xfrm>
+          <a:prstGeom prst="rect">
+            <a:avLst/>
+          </a:prstGeom>
+          <a:solidFill>
+            <a:schemeClr val="accent2"/>
+          </a:solidFill>
+          <a:ln>
+            <a:noFill/>
+          </a:ln>
+        </p:spPr>
+        <p:style>
+          <a:lnRef idx="2">
+            <a:schemeClr val="accent1">
+              <a:shade val="50000"/>
+            </a:schemeClr>
+          </a:lnRef>
+          <a:fillRef idx="1">
+            <a:schemeClr val="accent1"/>
+          </a:fillRef>
+          <a:effectRef idx="0">
+            <a:schemeClr val="accent1"/>
+          </a:effectRef>
+          <a:fontRef idx="minor">
+            <a:schemeClr val="lt1"/>
+          </a:fontRef>
+        </p:style>
+        <p:txBody>
+          <a:bodyPr rtlCol="0" anchor="ctr"/>
+          <a:lstStyle/>
+          <a:p>
+            <a:pPr algn="ctr"/>
+            <a:r>
+              <a:rPr lang="en-US" altLang="zh-CN" sz="3300" b="1" dirty="0"/>
+              <a:t>Our Input:</a:t>
+            </a:r>
+          </a:p>
+          <a:p>
+            <a:pPr algn="ctr"/>
+            <a:r>
+              <a:rPr lang="en-US" altLang="zh-CN" sz="3300" b="1" dirty="0"/>
+              <a:t>TGF-β</a:t>
+            </a:r>
+            <a:endParaRPr lang="zh-CN" altLang="en-US" sz="3300" b="1" dirty="0"/>
+          </a:p>
+        </p:txBody>
+      </p:sp>
+      <p:sp>
+        <p:nvSpPr>
+          <p:cNvPr id="80" name="矩形: 圆角 79">
+            <a:extLst>
+              <a:ext uri="{FF2B5EF4-FFF2-40B4-BE49-F238E27FC236}">
+                <a16:creationId xmlns:a16="http://schemas.microsoft.com/office/drawing/2014/main" id="{3D04AB56-E019-4C79-820D-5C3F734C651A}"/>
+              </a:ext>
+            </a:extLst>
+          </p:cNvPr>
+          <p:cNvSpPr/>
+          <p:nvPr/>
+        </p:nvSpPr>
+        <p:spPr>
+          <a:xfrm>
+            <a:off x="18379893" y="2062935"/>
+            <a:ext cx="3369620" cy="522282"/>
+          </a:xfrm>
+          <a:prstGeom prst="roundRect">
+            <a:avLst/>
+          </a:prstGeom>
+          <a:solidFill>
+            <a:srgbClr val="800000"/>
+          </a:solidFill>
+          <a:ln>
+            <a:noFill/>
+          </a:ln>
+        </p:spPr>
+        <p:style>
+          <a:lnRef idx="2">
+            <a:schemeClr val="accent1">
+              <a:shade val="50000"/>
+            </a:schemeClr>
+          </a:lnRef>
+          <a:fillRef idx="1">
+            <a:schemeClr val="accent1"/>
+          </a:fillRef>
+          <a:effectRef idx="0">
+            <a:schemeClr val="accent1"/>
+          </a:effectRef>
+          <a:fontRef idx="minor">
+            <a:schemeClr val="lt1"/>
+          </a:fontRef>
+        </p:style>
+        <p:txBody>
+          <a:bodyPr rtlCol="0" anchor="ctr"/>
+          <a:lstStyle/>
+          <a:p>
+            <a:pPr algn="ctr"/>
+            <a:r>
+              <a:rPr lang="en-US" altLang="zh-CN" sz="3300" b="1" dirty="0"/>
+              <a:t>TGF-β/TGFBR2</a:t>
+            </a:r>
+            <a:endParaRPr lang="zh-CN" altLang="en-US" sz="3300" b="1" dirty="0"/>
+          </a:p>
+        </p:txBody>
+      </p:sp>
+      <p:sp>
+        <p:nvSpPr>
+          <p:cNvPr id="95" name="右大括号 94">
+            <a:extLst>
+              <a:ext uri="{FF2B5EF4-FFF2-40B4-BE49-F238E27FC236}">
+                <a16:creationId xmlns:a16="http://schemas.microsoft.com/office/drawing/2014/main" id="{98C735DC-0FBC-47A0-A919-8FB01737C098}"/>
+              </a:ext>
+            </a:extLst>
+          </p:cNvPr>
+          <p:cNvSpPr/>
+          <p:nvPr/>
+        </p:nvSpPr>
+        <p:spPr>
+          <a:xfrm>
+            <a:off x="15524085" y="1494304"/>
+            <a:ext cx="396240" cy="1568109"/>
+          </a:xfrm>
+          <a:prstGeom prst="rightBrace">
+            <a:avLst>
+              <a:gd name="adj1" fmla="val 58990"/>
+              <a:gd name="adj2" fmla="val 52938"/>
+            </a:avLst>
+          </a:prstGeom>
+          <a:ln w="38100"/>
+        </p:spPr>
+        <p:style>
+          <a:lnRef idx="3">
+            <a:schemeClr val="accent1"/>
+          </a:lnRef>
+          <a:fillRef idx="0">
+            <a:schemeClr val="accent1"/>
+          </a:fillRef>
+          <a:effectRef idx="2">
+            <a:schemeClr val="accent1"/>
+          </a:effectRef>
+          <a:fontRef idx="minor">
+            <a:schemeClr val="tx1"/>
+          </a:fontRef>
+        </p:style>
+        <p:txBody>
+          <a:bodyPr rot="0" spcFirstLastPara="0" vertOverflow="overflow" horzOverflow="overflow" vert="horz" wrap="square" lIns="91440" tIns="45719" rIns="91440" bIns="45719" numCol="1" spcCol="0" rtlCol="0" fromWordArt="0" anchor="ctr" anchorCtr="0" forceAA="0" compatLnSpc="1">
+            <a:prstTxWarp prst="textNoShape">
+              <a:avLst/>
+            </a:prstTxWarp>
+            <a:noAutofit/>
+          </a:bodyPr>
+          <a:lstStyle/>
+          <a:p>
+            <a:pPr algn="ctr"/>
+            <a:endParaRPr lang="zh-CN" altLang="en-US" b="1" dirty="0"/>
+          </a:p>
+        </p:txBody>
+      </p:sp>
+      <p:cxnSp>
+        <p:nvCxnSpPr>
+          <p:cNvPr id="97" name="直接箭头连接符 96">
+            <a:extLst>
+              <a:ext uri="{FF2B5EF4-FFF2-40B4-BE49-F238E27FC236}">
+                <a16:creationId xmlns:a16="http://schemas.microsoft.com/office/drawing/2014/main" id="{1CC8C58C-FE7E-49D4-9C6A-8B9473C6DD18}"/>
+              </a:ext>
+            </a:extLst>
+          </p:cNvPr>
+          <p:cNvCxnSpPr>
+            <a:stCxn id="95" idx="1"/>
+            <a:endCxn id="80" idx="1"/>
+          </p:cNvCxnSpPr>
+          <p:nvPr/>
+        </p:nvCxnSpPr>
+        <p:spPr>
+          <a:xfrm flipV="1">
+            <a:off x="15920325" y="2324075"/>
+            <a:ext cx="2459568" cy="352"/>
+          </a:xfrm>
+          <a:prstGeom prst="straightConnector1">
+            <a:avLst/>
+          </a:prstGeom>
+          <a:ln w="38100">
+            <a:headEnd type="triangle"/>
+            <a:tailEnd type="triangle"/>
+          </a:ln>
+        </p:spPr>
+        <p:style>
+          <a:lnRef idx="1">
+            <a:schemeClr val="accent1"/>
+          </a:lnRef>
+          <a:fillRef idx="0">
+            <a:schemeClr val="accent1"/>
+          </a:fillRef>
+          <a:effectRef idx="0">
+            <a:schemeClr val="accent1"/>
+          </a:effectRef>
+          <a:fontRef idx="minor">
+            <a:schemeClr val="tx1"/>
+          </a:fontRef>
+        </p:style>
+      </p:cxnSp>
+      <p:sp>
+        <p:nvSpPr>
+          <p:cNvPr id="99" name="文本框 98">
+            <a:extLst>
+              <a:ext uri="{FF2B5EF4-FFF2-40B4-BE49-F238E27FC236}">
+                <a16:creationId xmlns:a16="http://schemas.microsoft.com/office/drawing/2014/main" id="{1F5B5F04-29F6-4080-8E2C-4E5549898678}"/>
+              </a:ext>
+            </a:extLst>
+          </p:cNvPr>
+          <p:cNvSpPr txBox="1"/>
+          <p:nvPr/>
+        </p:nvSpPr>
+        <p:spPr>
+          <a:xfrm>
+            <a:off x="16250791" y="1691605"/>
+            <a:ext cx="2343290" cy="523220"/>
+          </a:xfrm>
+          <a:prstGeom prst="rect">
+            <a:avLst/>
+          </a:prstGeom>
+          <a:noFill/>
+        </p:spPr>
+        <p:txBody>
+          <a:bodyPr wrap="square" rtlCol="0">
+            <a:spAutoFit/>
+          </a:bodyPr>
+          <a:lstStyle/>
+          <a:p>
+            <a:r>
+              <a:rPr lang="en-US" altLang="zh-CN" sz="2800" dirty="0"/>
+              <a:t>Association</a:t>
+            </a:r>
+            <a:endParaRPr lang="zh-CN" altLang="en-US" sz="2800" dirty="0"/>
+          </a:p>
+        </p:txBody>
+      </p:sp>
+      <p:sp>
+        <p:nvSpPr>
+          <p:cNvPr id="100" name="文本框 99">
+            <a:extLst>
+              <a:ext uri="{FF2B5EF4-FFF2-40B4-BE49-F238E27FC236}">
+                <a16:creationId xmlns:a16="http://schemas.microsoft.com/office/drawing/2014/main" id="{5523080A-3CB2-4028-9FEA-0ECB57617E32}"/>
+              </a:ext>
+            </a:extLst>
+          </p:cNvPr>
+          <p:cNvSpPr txBox="1"/>
+          <p:nvPr/>
+        </p:nvSpPr>
+        <p:spPr>
+          <a:xfrm>
+            <a:off x="16067912" y="2398079"/>
+            <a:ext cx="2343290" cy="523220"/>
+          </a:xfrm>
+          <a:prstGeom prst="rect">
+            <a:avLst/>
+          </a:prstGeom>
+          <a:noFill/>
+        </p:spPr>
+        <p:txBody>
+          <a:bodyPr wrap="square" rtlCol="0">
+            <a:spAutoFit/>
+          </a:bodyPr>
+          <a:lstStyle/>
+          <a:p>
+            <a:r>
+              <a:rPr lang="en-US" altLang="zh-CN" sz="2800" dirty="0"/>
+              <a:t>Disassociation</a:t>
+            </a:r>
+            <a:endParaRPr lang="zh-CN" altLang="en-US" sz="2800" dirty="0"/>
+          </a:p>
+        </p:txBody>
+      </p:sp>
+      <p:sp>
+        <p:nvSpPr>
+          <p:cNvPr id="105" name="矩形 104">
+            <a:extLst>
+              <a:ext uri="{FF2B5EF4-FFF2-40B4-BE49-F238E27FC236}">
+                <a16:creationId xmlns:a16="http://schemas.microsoft.com/office/drawing/2014/main" id="{73EB58D9-8E7D-412C-BB31-580AD032202C}"/>
+              </a:ext>
+            </a:extLst>
+          </p:cNvPr>
+          <p:cNvSpPr/>
+          <p:nvPr/>
+        </p:nvSpPr>
+        <p:spPr>
+          <a:xfrm>
+            <a:off x="17790030" y="4112949"/>
+            <a:ext cx="2718558" cy="522282"/>
+          </a:xfrm>
+          <a:prstGeom prst="rect">
+            <a:avLst/>
+          </a:prstGeom>
+          <a:solidFill>
+            <a:schemeClr val="accent5">
+              <a:lumMod val="75000"/>
+            </a:schemeClr>
+          </a:solidFill>
+          <a:ln>
+            <a:noFill/>
+          </a:ln>
+        </p:spPr>
+        <p:style>
+          <a:lnRef idx="2">
+            <a:schemeClr val="accent1">
+              <a:shade val="50000"/>
+            </a:schemeClr>
+          </a:lnRef>
+          <a:fillRef idx="1">
+            <a:schemeClr val="accent1"/>
+          </a:fillRef>
+          <a:effectRef idx="0">
+            <a:schemeClr val="accent1"/>
+          </a:effectRef>
+          <a:fontRef idx="minor">
+            <a:schemeClr val="lt1"/>
+          </a:fontRef>
+        </p:style>
+        <p:txBody>
+          <a:bodyPr rtlCol="0" anchor="ctr"/>
+          <a:lstStyle/>
+          <a:p>
+            <a:pPr algn="ctr"/>
+            <a:r>
+              <a:rPr lang="en-US" altLang="zh-CN" sz="3300" b="1" dirty="0"/>
+              <a:t>TGFBR1-P</a:t>
+            </a:r>
+            <a:endParaRPr lang="zh-CN" altLang="en-US" sz="3300" b="1" dirty="0"/>
+          </a:p>
+        </p:txBody>
+      </p:sp>
+      <p:cxnSp>
+        <p:nvCxnSpPr>
+          <p:cNvPr id="107" name="直接箭头连接符 106">
+            <a:extLst>
+              <a:ext uri="{FF2B5EF4-FFF2-40B4-BE49-F238E27FC236}">
+                <a16:creationId xmlns:a16="http://schemas.microsoft.com/office/drawing/2014/main" id="{A34B88D6-A476-44C2-9BD4-FA2554010165}"/>
+              </a:ext>
+            </a:extLst>
+          </p:cNvPr>
+          <p:cNvCxnSpPr>
+            <a:stCxn id="45" idx="3"/>
+            <a:endCxn id="105" idx="1"/>
+          </p:cNvCxnSpPr>
+          <p:nvPr/>
+        </p:nvCxnSpPr>
+        <p:spPr>
+          <a:xfrm>
+            <a:off x="15376505" y="4361388"/>
+            <a:ext cx="2413529" cy="12700"/>
+          </a:xfrm>
+          <a:prstGeom prst="straightConnector1">
+            <a:avLst/>
+          </a:prstGeom>
+          <a:ln w="38100">
+            <a:prstDash val="solid"/>
+            <a:tailEnd type="triangle"/>
+          </a:ln>
+        </p:spPr>
+        <p:style>
+          <a:lnRef idx="1">
+            <a:schemeClr val="accent1"/>
+          </a:lnRef>
+          <a:fillRef idx="0">
+            <a:schemeClr val="accent1"/>
+          </a:fillRef>
+          <a:effectRef idx="0">
+            <a:schemeClr val="accent1"/>
+          </a:effectRef>
+          <a:fontRef idx="minor">
+            <a:schemeClr val="tx1"/>
+          </a:fontRef>
+        </p:style>
+      </p:cxnSp>
+      <p:cxnSp>
+        <p:nvCxnSpPr>
+          <p:cNvPr id="123" name="连接符: 肘形 122">
+            <a:extLst>
+              <a:ext uri="{FF2B5EF4-FFF2-40B4-BE49-F238E27FC236}">
+                <a16:creationId xmlns:a16="http://schemas.microsoft.com/office/drawing/2014/main" id="{F4BAD49C-270C-4D03-8B4D-EA75935A3973}"/>
+              </a:ext>
+            </a:extLst>
+          </p:cNvPr>
+          <p:cNvCxnSpPr>
+            <a:cxnSpLocks/>
+            <a:stCxn id="80" idx="2"/>
+          </p:cNvCxnSpPr>
+          <p:nvPr/>
+        </p:nvCxnSpPr>
+        <p:spPr>
+          <a:xfrm rot="5400000">
+            <a:off x="17975832" y="1192652"/>
+            <a:ext cx="696304" cy="3481438"/>
+          </a:xfrm>
+          <a:prstGeom prst="bentConnector2">
+            <a:avLst/>
+          </a:prstGeom>
+          <a:ln w="38100">
+            <a:headEnd type="none" w="med" len="med"/>
+            <a:tailEnd type="none" w="med" len="med"/>
+          </a:ln>
+        </p:spPr>
+        <p:style>
+          <a:lnRef idx="1">
+            <a:schemeClr val="accent1"/>
+          </a:lnRef>
+          <a:fillRef idx="0">
+            <a:schemeClr val="accent1"/>
+          </a:fillRef>
+          <a:effectRef idx="0">
+            <a:schemeClr val="accent1"/>
+          </a:effectRef>
+          <a:fontRef idx="minor">
+            <a:schemeClr val="tx1"/>
+          </a:fontRef>
+        </p:style>
+      </p:cxnSp>
+      <p:cxnSp>
+        <p:nvCxnSpPr>
+          <p:cNvPr id="127" name="直接箭头连接符 126">
+            <a:extLst>
+              <a:ext uri="{FF2B5EF4-FFF2-40B4-BE49-F238E27FC236}">
+                <a16:creationId xmlns:a16="http://schemas.microsoft.com/office/drawing/2014/main" id="{48FF0DB5-6D15-41DC-B55F-E89361FCA358}"/>
+              </a:ext>
+            </a:extLst>
+          </p:cNvPr>
+          <p:cNvCxnSpPr>
+            <a:cxnSpLocks/>
+          </p:cNvCxnSpPr>
+          <p:nvPr/>
+        </p:nvCxnSpPr>
+        <p:spPr>
+          <a:xfrm>
+            <a:off x="16583265" y="3281523"/>
+            <a:ext cx="8913" cy="1118789"/>
+          </a:xfrm>
+          <a:prstGeom prst="straightConnector1">
+            <a:avLst/>
+          </a:prstGeom>
+          <a:ln w="38100">
+            <a:tailEnd type="triangle"/>
+          </a:ln>
+        </p:spPr>
+        <p:style>
+          <a:lnRef idx="1">
+            <a:schemeClr val="accent1"/>
+          </a:lnRef>
+          <a:fillRef idx="0">
+            <a:schemeClr val="accent1"/>
+          </a:fillRef>
+          <a:effectRef idx="0">
+            <a:schemeClr val="accent1"/>
+          </a:effectRef>
+          <a:fontRef idx="minor">
+            <a:schemeClr val="tx1"/>
+          </a:fontRef>
+        </p:style>
+      </p:cxnSp>
+      <p:sp>
+        <p:nvSpPr>
+          <p:cNvPr id="128" name="文本框 127">
+            <a:extLst>
+              <a:ext uri="{FF2B5EF4-FFF2-40B4-BE49-F238E27FC236}">
+                <a16:creationId xmlns:a16="http://schemas.microsoft.com/office/drawing/2014/main" id="{7C398B4F-544F-47CF-AB75-0838DDDF50B0}"/>
+              </a:ext>
+            </a:extLst>
+          </p:cNvPr>
+          <p:cNvSpPr txBox="1"/>
+          <p:nvPr/>
+        </p:nvSpPr>
+        <p:spPr>
+          <a:xfrm>
+            <a:off x="16552785" y="3369853"/>
+            <a:ext cx="2343290" cy="523220"/>
+          </a:xfrm>
+          <a:prstGeom prst="rect">
+            <a:avLst/>
+          </a:prstGeom>
+          <a:noFill/>
+        </p:spPr>
+        <p:txBody>
+          <a:bodyPr wrap="square" rtlCol="0">
+            <a:spAutoFit/>
+          </a:bodyPr>
+          <a:lstStyle/>
+          <a:p>
+            <a:r>
+              <a:rPr lang="en-US" altLang="zh-CN" sz="2800" dirty="0"/>
+              <a:t>Enzyme</a:t>
+            </a:r>
+            <a:endParaRPr lang="zh-CN" altLang="en-US" sz="2800" dirty="0"/>
+          </a:p>
+        </p:txBody>
+      </p:sp>
+      <p:sp>
+        <p:nvSpPr>
+          <p:cNvPr id="130" name="矩形 129">
+            <a:extLst>
+              <a:ext uri="{FF2B5EF4-FFF2-40B4-BE49-F238E27FC236}">
+                <a16:creationId xmlns:a16="http://schemas.microsoft.com/office/drawing/2014/main" id="{B6EE516F-5F9D-4BAD-9365-F65521C3EEED}"/>
+              </a:ext>
+            </a:extLst>
+          </p:cNvPr>
+          <p:cNvSpPr/>
+          <p:nvPr/>
+        </p:nvSpPr>
+        <p:spPr>
+          <a:xfrm>
+            <a:off x="3677351" y="6437563"/>
+            <a:ext cx="1493520" cy="513872"/>
+          </a:xfrm>
+          <a:prstGeom prst="rect">
+            <a:avLst/>
+          </a:prstGeom>
+          <a:solidFill>
+            <a:schemeClr val="bg1">
+              <a:lumMod val="95000"/>
+            </a:schemeClr>
+          </a:solidFill>
+          <a:ln w="9525" cap="flat" cmpd="sng" algn="ctr">
+            <a:noFill/>
+            <a:prstDash val="solid"/>
+            <a:round/>
+            <a:headEnd type="none" w="med" len="med"/>
+            <a:tailEnd type="none" w="med" len="med"/>
+          </a:ln>
+        </p:spPr>
+        <p:style>
+          <a:lnRef idx="0">
+            <a:scrgbClr r="0" g="0" b="0"/>
+          </a:lnRef>
+          <a:fillRef idx="0">
+            <a:scrgbClr r="0" g="0" b="0"/>
+          </a:fillRef>
+          <a:effectRef idx="0">
+            <a:scrgbClr r="0" g="0" b="0"/>
+          </a:effectRef>
+          <a:fontRef idx="minor">
+            <a:schemeClr val="accent3"/>
+          </a:fontRef>
+        </p:style>
+        <p:txBody>
+          <a:bodyPr rtlCol="0" anchor="ctr"/>
+          <a:lstStyle/>
+          <a:p>
+            <a:pPr algn="ctr"/>
+            <a:r>
+              <a:rPr lang="en-US" altLang="zh-CN" sz="3300" dirty="0" err="1">
+                <a:solidFill>
+                  <a:schemeClr val="tx1"/>
+                </a:solidFill>
+              </a:rPr>
+              <a:t>gSos</a:t>
+            </a:r>
+            <a:endParaRPr lang="zh-CN" altLang="en-US" sz="3300" dirty="0">
+              <a:solidFill>
+                <a:schemeClr val="tx1"/>
+              </a:solidFill>
+            </a:endParaRPr>
+          </a:p>
+        </p:txBody>
+      </p:sp>
+      <p:sp>
+        <p:nvSpPr>
+          <p:cNvPr id="131" name="矩形 130">
+            <a:extLst>
+              <a:ext uri="{FF2B5EF4-FFF2-40B4-BE49-F238E27FC236}">
+                <a16:creationId xmlns:a16="http://schemas.microsoft.com/office/drawing/2014/main" id="{C975B8B9-995E-45B0-A680-440AD61D9FF9}"/>
+              </a:ext>
+            </a:extLst>
+          </p:cNvPr>
+          <p:cNvSpPr/>
+          <p:nvPr/>
+        </p:nvSpPr>
+        <p:spPr>
+          <a:xfrm>
+            <a:off x="7319080" y="6429153"/>
+            <a:ext cx="1600837" cy="522282"/>
+          </a:xfrm>
+          <a:prstGeom prst="rect">
+            <a:avLst/>
+          </a:prstGeom>
+          <a:solidFill>
+            <a:schemeClr val="accent5">
+              <a:lumMod val="60000"/>
+              <a:lumOff val="40000"/>
+            </a:schemeClr>
+          </a:solidFill>
+          <a:ln>
+            <a:noFill/>
+          </a:ln>
+        </p:spPr>
+        <p:style>
+          <a:lnRef idx="2">
+            <a:schemeClr val="accent1">
+              <a:shade val="50000"/>
+            </a:schemeClr>
+          </a:lnRef>
+          <a:fillRef idx="1">
+            <a:schemeClr val="accent1"/>
+          </a:fillRef>
+          <a:effectRef idx="0">
+            <a:schemeClr val="accent1"/>
+          </a:effectRef>
+          <a:fontRef idx="minor">
+            <a:schemeClr val="lt1"/>
+          </a:fontRef>
+        </p:style>
+        <p:txBody>
+          <a:bodyPr rtlCol="0" anchor="ctr"/>
+          <a:lstStyle/>
+          <a:p>
+            <a:pPr algn="ctr"/>
+            <a:r>
+              <a:rPr lang="en-US" altLang="zh-CN" sz="3300" dirty="0" err="1"/>
+              <a:t>mSos</a:t>
+            </a:r>
+            <a:endParaRPr lang="zh-CN" altLang="en-US" sz="3300" dirty="0"/>
+          </a:p>
+        </p:txBody>
+      </p:sp>
+      <p:sp>
+        <p:nvSpPr>
+          <p:cNvPr id="132" name="矩形 131">
+            <a:extLst>
+              <a:ext uri="{FF2B5EF4-FFF2-40B4-BE49-F238E27FC236}">
+                <a16:creationId xmlns:a16="http://schemas.microsoft.com/office/drawing/2014/main" id="{2726A17E-E6BD-41B3-A42F-F069F3BA95F0}"/>
+              </a:ext>
+            </a:extLst>
+          </p:cNvPr>
+          <p:cNvSpPr/>
+          <p:nvPr/>
+        </p:nvSpPr>
+        <p:spPr>
+          <a:xfrm>
+            <a:off x="10998018" y="6445872"/>
+            <a:ext cx="1547704" cy="522282"/>
+          </a:xfrm>
+          <a:prstGeom prst="rect">
+            <a:avLst/>
+          </a:prstGeom>
+          <a:solidFill>
+            <a:schemeClr val="accent5">
+              <a:lumMod val="75000"/>
+            </a:schemeClr>
+          </a:solidFill>
+          <a:ln>
+            <a:noFill/>
+          </a:ln>
+        </p:spPr>
+        <p:style>
+          <a:lnRef idx="2">
+            <a:schemeClr val="accent1">
+              <a:shade val="50000"/>
+            </a:schemeClr>
+          </a:lnRef>
+          <a:fillRef idx="1">
+            <a:schemeClr val="accent1"/>
+          </a:fillRef>
+          <a:effectRef idx="0">
+            <a:schemeClr val="accent1"/>
+          </a:effectRef>
+          <a:fontRef idx="minor">
+            <a:schemeClr val="lt1"/>
+          </a:fontRef>
+        </p:style>
+        <p:txBody>
+          <a:bodyPr rtlCol="0" anchor="ctr"/>
+          <a:lstStyle/>
+          <a:p>
+            <a:pPr algn="ctr"/>
+            <a:r>
+              <a:rPr lang="en-US" altLang="zh-CN" sz="3300" b="1" dirty="0" err="1"/>
+              <a:t>Sos</a:t>
+            </a:r>
+            <a:endParaRPr lang="zh-CN" altLang="en-US" sz="3300" b="1" dirty="0"/>
+          </a:p>
+        </p:txBody>
+      </p:sp>
+      <p:cxnSp>
+        <p:nvCxnSpPr>
+          <p:cNvPr id="133" name="连接符: 肘形 132">
+            <a:extLst>
+              <a:ext uri="{FF2B5EF4-FFF2-40B4-BE49-F238E27FC236}">
+                <a16:creationId xmlns:a16="http://schemas.microsoft.com/office/drawing/2014/main" id="{FA0E57BB-FDFF-4746-A288-18C4C1191408}"/>
+              </a:ext>
+            </a:extLst>
+          </p:cNvPr>
+          <p:cNvCxnSpPr>
+            <a:cxnSpLocks/>
+            <a:stCxn id="130" idx="3"/>
+            <a:endCxn id="131" idx="1"/>
+          </p:cNvCxnSpPr>
+          <p:nvPr/>
+        </p:nvCxnSpPr>
+        <p:spPr>
+          <a:xfrm flipV="1">
+            <a:off x="5170877" y="6690299"/>
+            <a:ext cx="2148203" cy="4205"/>
+          </a:xfrm>
+          <a:prstGeom prst="bentConnector3">
+            <a:avLst>
+              <a:gd name="adj1" fmla="val 50000"/>
+            </a:avLst>
+          </a:prstGeom>
+          <a:ln w="38100">
+            <a:prstDash val="lgDash"/>
+            <a:tailEnd type="triangle" w="lg" len="lg"/>
+          </a:ln>
+        </p:spPr>
+        <p:style>
+          <a:lnRef idx="3">
+            <a:schemeClr val="accent3"/>
+          </a:lnRef>
+          <a:fillRef idx="0">
+            <a:schemeClr val="accent3"/>
+          </a:fillRef>
+          <a:effectRef idx="2">
+            <a:schemeClr val="accent3"/>
+          </a:effectRef>
+          <a:fontRef idx="minor">
+            <a:schemeClr val="tx1"/>
+          </a:fontRef>
+        </p:style>
+      </p:cxnSp>
+      <p:cxnSp>
+        <p:nvCxnSpPr>
+          <p:cNvPr id="134" name="连接符: 肘形 133">
+            <a:extLst>
+              <a:ext uri="{FF2B5EF4-FFF2-40B4-BE49-F238E27FC236}">
+                <a16:creationId xmlns:a16="http://schemas.microsoft.com/office/drawing/2014/main" id="{73B5575E-2A8C-4191-AB67-5E728FAF5672}"/>
+              </a:ext>
+            </a:extLst>
+          </p:cNvPr>
+          <p:cNvCxnSpPr>
+            <a:cxnSpLocks/>
+            <a:stCxn id="131" idx="3"/>
+            <a:endCxn id="132" idx="1"/>
+          </p:cNvCxnSpPr>
+          <p:nvPr/>
+        </p:nvCxnSpPr>
+        <p:spPr>
+          <a:xfrm>
+            <a:off x="8919912" y="6690297"/>
+            <a:ext cx="2078107" cy="16719"/>
+          </a:xfrm>
+          <a:prstGeom prst="bentConnector3">
+            <a:avLst>
+              <a:gd name="adj1" fmla="val 50000"/>
+            </a:avLst>
+          </a:prstGeom>
+          <a:ln w="38100">
+            <a:solidFill>
+              <a:schemeClr val="accent2">
+                <a:lumMod val="75000"/>
+              </a:schemeClr>
+            </a:solidFill>
+            <a:prstDash val="lgDash"/>
+            <a:tailEnd type="triangle" w="lg" len="lg"/>
+          </a:ln>
+        </p:spPr>
+        <p:style>
+          <a:lnRef idx="3">
+            <a:schemeClr val="accent3"/>
+          </a:lnRef>
+          <a:fillRef idx="0">
+            <a:schemeClr val="accent3"/>
+          </a:fillRef>
+          <a:effectRef idx="2">
+            <a:schemeClr val="accent3"/>
+          </a:effectRef>
+          <a:fontRef idx="minor">
+            <a:schemeClr val="tx1"/>
+          </a:fontRef>
+        </p:style>
+      </p:cxnSp>
+      <p:sp>
+        <p:nvSpPr>
+          <p:cNvPr id="135" name="文本框 134">
+            <a:extLst>
+              <a:ext uri="{FF2B5EF4-FFF2-40B4-BE49-F238E27FC236}">
+                <a16:creationId xmlns:a16="http://schemas.microsoft.com/office/drawing/2014/main" id="{41948F5C-D63E-47CD-9090-A8551EDB4E92}"/>
+              </a:ext>
+            </a:extLst>
+          </p:cNvPr>
+          <p:cNvSpPr txBox="1"/>
+          <p:nvPr/>
+        </p:nvSpPr>
+        <p:spPr>
+          <a:xfrm>
+            <a:off x="5776203" y="2361769"/>
+            <a:ext cx="2343290" cy="523220"/>
+          </a:xfrm>
+          <a:prstGeom prst="rect">
+            <a:avLst/>
+          </a:prstGeom>
+          <a:noFill/>
+        </p:spPr>
+        <p:txBody>
+          <a:bodyPr wrap="square" rtlCol="0">
+            <a:spAutoFit/>
+          </a:bodyPr>
+          <a:lstStyle/>
+          <a:p>
+            <a:r>
+              <a:rPr lang="en-US" altLang="zh-CN" sz="2800" dirty="0"/>
+              <a:t>Transcription</a:t>
+            </a:r>
+            <a:endParaRPr lang="zh-CN" altLang="en-US" sz="2800" dirty="0"/>
+          </a:p>
+        </p:txBody>
+      </p:sp>
+      <p:sp>
+        <p:nvSpPr>
+          <p:cNvPr id="136" name="文本框 135">
+            <a:extLst>
+              <a:ext uri="{FF2B5EF4-FFF2-40B4-BE49-F238E27FC236}">
+                <a16:creationId xmlns:a16="http://schemas.microsoft.com/office/drawing/2014/main" id="{723FB3BC-11BF-4B4B-8F47-91E9F2999D36}"/>
+              </a:ext>
+            </a:extLst>
+          </p:cNvPr>
+          <p:cNvSpPr txBox="1"/>
+          <p:nvPr/>
+        </p:nvSpPr>
+        <p:spPr>
+          <a:xfrm>
+            <a:off x="10624783" y="2378401"/>
+            <a:ext cx="2343290" cy="523220"/>
+          </a:xfrm>
+          <a:prstGeom prst="rect">
+            <a:avLst/>
+          </a:prstGeom>
+          <a:noFill/>
+        </p:spPr>
+        <p:txBody>
+          <a:bodyPr wrap="square" rtlCol="0">
+            <a:spAutoFit/>
+          </a:bodyPr>
+          <a:lstStyle/>
+          <a:p>
+            <a:r>
+              <a:rPr lang="en-US" altLang="zh-CN" sz="2800" dirty="0"/>
+              <a:t>Translation</a:t>
+            </a:r>
+            <a:endParaRPr lang="zh-CN" altLang="en-US" sz="2800" dirty="0"/>
+          </a:p>
+        </p:txBody>
+      </p:sp>
+      <p:sp>
+        <p:nvSpPr>
+          <p:cNvPr id="142" name="矩形 141">
+            <a:extLst>
+              <a:ext uri="{FF2B5EF4-FFF2-40B4-BE49-F238E27FC236}">
+                <a16:creationId xmlns:a16="http://schemas.microsoft.com/office/drawing/2014/main" id="{465C1ECE-CA0D-4766-AED1-A8E1CDA55C3A}"/>
+              </a:ext>
+            </a:extLst>
+          </p:cNvPr>
+          <p:cNvSpPr/>
+          <p:nvPr/>
+        </p:nvSpPr>
+        <p:spPr>
+          <a:xfrm>
+            <a:off x="3688360" y="7435886"/>
+            <a:ext cx="1493520" cy="513872"/>
+          </a:xfrm>
+          <a:prstGeom prst="rect">
+            <a:avLst/>
+          </a:prstGeom>
+          <a:solidFill>
+            <a:schemeClr val="bg1">
+              <a:lumMod val="95000"/>
+            </a:schemeClr>
+          </a:solidFill>
+          <a:ln w="9525" cap="flat" cmpd="sng" algn="ctr">
+            <a:noFill/>
+            <a:prstDash val="solid"/>
+            <a:round/>
+            <a:headEnd type="none" w="med" len="med"/>
+            <a:tailEnd type="none" w="med" len="med"/>
+          </a:ln>
+        </p:spPr>
+        <p:style>
+          <a:lnRef idx="0">
+            <a:scrgbClr r="0" g="0" b="0"/>
+          </a:lnRef>
+          <a:fillRef idx="0">
+            <a:scrgbClr r="0" g="0" b="0"/>
+          </a:fillRef>
+          <a:effectRef idx="0">
+            <a:scrgbClr r="0" g="0" b="0"/>
+          </a:effectRef>
+          <a:fontRef idx="minor">
+            <a:schemeClr val="accent3"/>
+          </a:fontRef>
+        </p:style>
+        <p:txBody>
+          <a:bodyPr rtlCol="0" anchor="ctr"/>
+          <a:lstStyle/>
+          <a:p>
+            <a:pPr algn="ctr"/>
+            <a:r>
+              <a:rPr lang="en-US" altLang="zh-CN" sz="3300" dirty="0">
+                <a:solidFill>
+                  <a:schemeClr val="tx1"/>
+                </a:solidFill>
+              </a:rPr>
+              <a:t>gGrb2</a:t>
+            </a:r>
+            <a:endParaRPr lang="zh-CN" altLang="en-US" sz="3300" dirty="0">
+              <a:solidFill>
+                <a:schemeClr val="tx1"/>
+              </a:solidFill>
+            </a:endParaRPr>
+          </a:p>
+        </p:txBody>
+      </p:sp>
+      <p:sp>
+        <p:nvSpPr>
+          <p:cNvPr id="143" name="矩形 142">
+            <a:extLst>
+              <a:ext uri="{FF2B5EF4-FFF2-40B4-BE49-F238E27FC236}">
+                <a16:creationId xmlns:a16="http://schemas.microsoft.com/office/drawing/2014/main" id="{B0529004-D0D1-4666-B401-193E6FC7F3A1}"/>
+              </a:ext>
+            </a:extLst>
+          </p:cNvPr>
+          <p:cNvSpPr/>
+          <p:nvPr/>
+        </p:nvSpPr>
+        <p:spPr>
+          <a:xfrm>
+            <a:off x="7330089" y="7427478"/>
+            <a:ext cx="1600837" cy="522282"/>
+          </a:xfrm>
+          <a:prstGeom prst="rect">
+            <a:avLst/>
+          </a:prstGeom>
+          <a:solidFill>
+            <a:schemeClr val="accent5">
+              <a:lumMod val="60000"/>
+              <a:lumOff val="40000"/>
+            </a:schemeClr>
+          </a:solidFill>
+          <a:ln>
+            <a:noFill/>
+          </a:ln>
+        </p:spPr>
+        <p:style>
+          <a:lnRef idx="2">
+            <a:schemeClr val="accent1">
+              <a:shade val="50000"/>
+            </a:schemeClr>
+          </a:lnRef>
+          <a:fillRef idx="1">
+            <a:schemeClr val="accent1"/>
+          </a:fillRef>
+          <a:effectRef idx="0">
+            <a:schemeClr val="accent1"/>
+          </a:effectRef>
+          <a:fontRef idx="minor">
+            <a:schemeClr val="lt1"/>
+          </a:fontRef>
+        </p:style>
+        <p:txBody>
+          <a:bodyPr rtlCol="0" anchor="ctr"/>
+          <a:lstStyle/>
+          <a:p>
+            <a:pPr algn="ctr"/>
+            <a:r>
+              <a:rPr lang="en-US" altLang="zh-CN" sz="3300" dirty="0"/>
+              <a:t>mGrb2</a:t>
+            </a:r>
+            <a:endParaRPr lang="zh-CN" altLang="en-US" sz="3300" dirty="0"/>
+          </a:p>
+        </p:txBody>
+      </p:sp>
+      <p:sp>
+        <p:nvSpPr>
+          <p:cNvPr id="144" name="矩形 143">
+            <a:extLst>
+              <a:ext uri="{FF2B5EF4-FFF2-40B4-BE49-F238E27FC236}">
+                <a16:creationId xmlns:a16="http://schemas.microsoft.com/office/drawing/2014/main" id="{4A1B1D0B-0760-4000-919C-DEA045401AEB}"/>
+              </a:ext>
+            </a:extLst>
+          </p:cNvPr>
+          <p:cNvSpPr/>
+          <p:nvPr/>
+        </p:nvSpPr>
+        <p:spPr>
+          <a:xfrm>
+            <a:off x="11009027" y="7444197"/>
+            <a:ext cx="1547704" cy="522282"/>
+          </a:xfrm>
+          <a:prstGeom prst="rect">
+            <a:avLst/>
+          </a:prstGeom>
+          <a:solidFill>
+            <a:schemeClr val="accent5">
+              <a:lumMod val="75000"/>
+            </a:schemeClr>
+          </a:solidFill>
+          <a:ln>
+            <a:noFill/>
+          </a:ln>
+        </p:spPr>
+        <p:style>
+          <a:lnRef idx="2">
+            <a:schemeClr val="accent1">
+              <a:shade val="50000"/>
+            </a:schemeClr>
+          </a:lnRef>
+          <a:fillRef idx="1">
+            <a:schemeClr val="accent1"/>
+          </a:fillRef>
+          <a:effectRef idx="0">
+            <a:schemeClr val="accent1"/>
+          </a:effectRef>
+          <a:fontRef idx="minor">
+            <a:schemeClr val="lt1"/>
+          </a:fontRef>
+        </p:style>
+        <p:txBody>
+          <a:bodyPr rtlCol="0" anchor="ctr"/>
+          <a:lstStyle/>
+          <a:p>
+            <a:pPr algn="ctr"/>
+            <a:r>
+              <a:rPr lang="en-US" altLang="zh-CN" sz="3300" b="1" dirty="0"/>
+              <a:t>Grb2</a:t>
+            </a:r>
+            <a:endParaRPr lang="zh-CN" altLang="en-US" sz="3300" b="1" dirty="0"/>
+          </a:p>
+        </p:txBody>
+      </p:sp>
+      <p:cxnSp>
+        <p:nvCxnSpPr>
+          <p:cNvPr id="145" name="连接符: 肘形 144">
+            <a:extLst>
+              <a:ext uri="{FF2B5EF4-FFF2-40B4-BE49-F238E27FC236}">
+                <a16:creationId xmlns:a16="http://schemas.microsoft.com/office/drawing/2014/main" id="{8B13648E-153E-4D38-8FFA-3E603CCD2644}"/>
+              </a:ext>
+            </a:extLst>
+          </p:cNvPr>
+          <p:cNvCxnSpPr>
+            <a:cxnSpLocks/>
+            <a:stCxn id="142" idx="3"/>
+            <a:endCxn id="143" idx="1"/>
+          </p:cNvCxnSpPr>
+          <p:nvPr/>
+        </p:nvCxnSpPr>
+        <p:spPr>
+          <a:xfrm flipV="1">
+            <a:off x="5181886" y="7688621"/>
+            <a:ext cx="2148203" cy="4205"/>
+          </a:xfrm>
+          <a:prstGeom prst="bentConnector3">
+            <a:avLst>
+              <a:gd name="adj1" fmla="val 50000"/>
+            </a:avLst>
+          </a:prstGeom>
+          <a:ln w="38100">
+            <a:prstDash val="lgDash"/>
+            <a:tailEnd type="triangle" w="lg" len="lg"/>
+          </a:ln>
+        </p:spPr>
+        <p:style>
+          <a:lnRef idx="3">
+            <a:schemeClr val="accent3"/>
+          </a:lnRef>
+          <a:fillRef idx="0">
+            <a:schemeClr val="accent3"/>
+          </a:fillRef>
+          <a:effectRef idx="2">
+            <a:schemeClr val="accent3"/>
+          </a:effectRef>
+          <a:fontRef idx="minor">
+            <a:schemeClr val="tx1"/>
+          </a:fontRef>
+        </p:style>
+      </p:cxnSp>
+      <p:cxnSp>
+        <p:nvCxnSpPr>
+          <p:cNvPr id="146" name="连接符: 肘形 145">
+            <a:extLst>
+              <a:ext uri="{FF2B5EF4-FFF2-40B4-BE49-F238E27FC236}">
+                <a16:creationId xmlns:a16="http://schemas.microsoft.com/office/drawing/2014/main" id="{3AD8656D-480E-4C6E-A9AD-05247E7ADCCA}"/>
+              </a:ext>
+            </a:extLst>
+          </p:cNvPr>
+          <p:cNvCxnSpPr>
+            <a:cxnSpLocks/>
+            <a:stCxn id="143" idx="3"/>
+            <a:endCxn id="144" idx="1"/>
+          </p:cNvCxnSpPr>
+          <p:nvPr/>
+        </p:nvCxnSpPr>
+        <p:spPr>
+          <a:xfrm>
+            <a:off x="8930921" y="7688621"/>
+            <a:ext cx="2078107" cy="16719"/>
+          </a:xfrm>
+          <a:prstGeom prst="bentConnector3">
+            <a:avLst>
+              <a:gd name="adj1" fmla="val 50000"/>
+            </a:avLst>
+          </a:prstGeom>
+          <a:ln w="38100">
+            <a:solidFill>
+              <a:schemeClr val="accent2">
+                <a:lumMod val="75000"/>
+              </a:schemeClr>
+            </a:solidFill>
+            <a:prstDash val="lgDash"/>
+            <a:tailEnd type="triangle" w="lg" len="lg"/>
+          </a:ln>
+        </p:spPr>
+        <p:style>
+          <a:lnRef idx="3">
+            <a:schemeClr val="accent3"/>
+          </a:lnRef>
+          <a:fillRef idx="0">
+            <a:schemeClr val="accent3"/>
+          </a:fillRef>
+          <a:effectRef idx="2">
+            <a:schemeClr val="accent3"/>
+          </a:effectRef>
+          <a:fontRef idx="minor">
+            <a:schemeClr val="tx1"/>
+          </a:fontRef>
+        </p:style>
+      </p:cxnSp>
+      <p:sp>
+        <p:nvSpPr>
+          <p:cNvPr id="149" name="矩形 148">
+            <a:extLst>
+              <a:ext uri="{FF2B5EF4-FFF2-40B4-BE49-F238E27FC236}">
+                <a16:creationId xmlns:a16="http://schemas.microsoft.com/office/drawing/2014/main" id="{5D767773-0E0D-43E5-9C06-3FCA4DB8FF95}"/>
+              </a:ext>
+            </a:extLst>
+          </p:cNvPr>
+          <p:cNvSpPr/>
+          <p:nvPr/>
+        </p:nvSpPr>
+        <p:spPr>
+          <a:xfrm>
+            <a:off x="3677351" y="8459339"/>
+            <a:ext cx="1493520" cy="513872"/>
+          </a:xfrm>
+          <a:prstGeom prst="rect">
+            <a:avLst/>
+          </a:prstGeom>
+          <a:solidFill>
+            <a:schemeClr val="bg1">
+              <a:lumMod val="95000"/>
+            </a:schemeClr>
+          </a:solidFill>
+          <a:ln w="9525" cap="flat" cmpd="sng" algn="ctr">
+            <a:noFill/>
+            <a:prstDash val="solid"/>
+            <a:round/>
+            <a:headEnd type="none" w="med" len="med"/>
+            <a:tailEnd type="none" w="med" len="med"/>
+          </a:ln>
+        </p:spPr>
+        <p:style>
+          <a:lnRef idx="0">
+            <a:scrgbClr r="0" g="0" b="0"/>
+          </a:lnRef>
+          <a:fillRef idx="0">
+            <a:scrgbClr r="0" g="0" b="0"/>
+          </a:fillRef>
+          <a:effectRef idx="0">
+            <a:scrgbClr r="0" g="0" b="0"/>
+          </a:effectRef>
+          <a:fontRef idx="minor">
+            <a:schemeClr val="accent3"/>
+          </a:fontRef>
+        </p:style>
+        <p:txBody>
+          <a:bodyPr rtlCol="0" anchor="ctr"/>
+          <a:lstStyle/>
+          <a:p>
+            <a:pPr algn="ctr"/>
+            <a:r>
+              <a:rPr lang="en-US" altLang="zh-CN" sz="3300" dirty="0" err="1">
+                <a:solidFill>
+                  <a:schemeClr val="tx1"/>
+                </a:solidFill>
+              </a:rPr>
+              <a:t>gShc</a:t>
+            </a:r>
+            <a:endParaRPr lang="zh-CN" altLang="en-US" sz="3300" dirty="0">
+              <a:solidFill>
+                <a:schemeClr val="tx1"/>
+              </a:solidFill>
+            </a:endParaRPr>
+          </a:p>
+        </p:txBody>
+      </p:sp>
+      <p:sp>
+        <p:nvSpPr>
+          <p:cNvPr id="150" name="矩形 149">
+            <a:extLst>
+              <a:ext uri="{FF2B5EF4-FFF2-40B4-BE49-F238E27FC236}">
+                <a16:creationId xmlns:a16="http://schemas.microsoft.com/office/drawing/2014/main" id="{E0BFF864-DBE0-4E0C-AAC8-F1E5A23559DA}"/>
+              </a:ext>
+            </a:extLst>
+          </p:cNvPr>
+          <p:cNvSpPr/>
+          <p:nvPr/>
+        </p:nvSpPr>
+        <p:spPr>
+          <a:xfrm>
+            <a:off x="7319080" y="8450931"/>
+            <a:ext cx="1600837" cy="522282"/>
+          </a:xfrm>
+          <a:prstGeom prst="rect">
+            <a:avLst/>
+          </a:prstGeom>
+          <a:solidFill>
+            <a:schemeClr val="accent5">
+              <a:lumMod val="60000"/>
+              <a:lumOff val="40000"/>
+            </a:schemeClr>
+          </a:solidFill>
+          <a:ln>
+            <a:noFill/>
+          </a:ln>
+        </p:spPr>
+        <p:style>
+          <a:lnRef idx="2">
+            <a:schemeClr val="accent1">
+              <a:shade val="50000"/>
+            </a:schemeClr>
+          </a:lnRef>
+          <a:fillRef idx="1">
+            <a:schemeClr val="accent1"/>
+          </a:fillRef>
+          <a:effectRef idx="0">
+            <a:schemeClr val="accent1"/>
+          </a:effectRef>
+          <a:fontRef idx="minor">
+            <a:schemeClr val="lt1"/>
+          </a:fontRef>
+        </p:style>
+        <p:txBody>
+          <a:bodyPr rtlCol="0" anchor="ctr"/>
+          <a:lstStyle/>
+          <a:p>
+            <a:pPr algn="ctr"/>
+            <a:r>
+              <a:rPr lang="en-US" altLang="zh-CN" sz="3300" dirty="0" err="1"/>
+              <a:t>mShc</a:t>
+            </a:r>
+            <a:endParaRPr lang="zh-CN" altLang="en-US" sz="3300" dirty="0"/>
+          </a:p>
+        </p:txBody>
+      </p:sp>
+      <p:sp>
+        <p:nvSpPr>
+          <p:cNvPr id="151" name="矩形 150">
+            <a:extLst>
+              <a:ext uri="{FF2B5EF4-FFF2-40B4-BE49-F238E27FC236}">
+                <a16:creationId xmlns:a16="http://schemas.microsoft.com/office/drawing/2014/main" id="{1FCF94FD-27C6-4099-A32B-8620DFF5C069}"/>
+              </a:ext>
+            </a:extLst>
+          </p:cNvPr>
+          <p:cNvSpPr/>
+          <p:nvPr/>
+        </p:nvSpPr>
+        <p:spPr>
+          <a:xfrm>
+            <a:off x="10998018" y="8467650"/>
+            <a:ext cx="1547704" cy="522282"/>
+          </a:xfrm>
+          <a:prstGeom prst="rect">
+            <a:avLst/>
+          </a:prstGeom>
+          <a:solidFill>
+            <a:schemeClr val="accent5">
+              <a:lumMod val="75000"/>
+            </a:schemeClr>
+          </a:solidFill>
+          <a:ln>
+            <a:noFill/>
+          </a:ln>
+        </p:spPr>
+        <p:style>
+          <a:lnRef idx="2">
+            <a:schemeClr val="accent1">
+              <a:shade val="50000"/>
+            </a:schemeClr>
+          </a:lnRef>
+          <a:fillRef idx="1">
+            <a:schemeClr val="accent1"/>
+          </a:fillRef>
+          <a:effectRef idx="0">
+            <a:schemeClr val="accent1"/>
+          </a:effectRef>
+          <a:fontRef idx="minor">
+            <a:schemeClr val="lt1"/>
+          </a:fontRef>
+        </p:style>
+        <p:txBody>
+          <a:bodyPr rtlCol="0" anchor="ctr"/>
+          <a:lstStyle/>
+          <a:p>
+            <a:pPr algn="ctr"/>
+            <a:r>
+              <a:rPr lang="en-US" altLang="zh-CN" sz="3300" b="1" dirty="0" err="1"/>
+              <a:t>Shc</a:t>
+            </a:r>
+            <a:endParaRPr lang="zh-CN" altLang="en-US" sz="3300" b="1" dirty="0"/>
+          </a:p>
+        </p:txBody>
+      </p:sp>
+      <p:cxnSp>
+        <p:nvCxnSpPr>
+          <p:cNvPr id="152" name="连接符: 肘形 151">
+            <a:extLst>
+              <a:ext uri="{FF2B5EF4-FFF2-40B4-BE49-F238E27FC236}">
+                <a16:creationId xmlns:a16="http://schemas.microsoft.com/office/drawing/2014/main" id="{1BB0260D-1F03-40C9-A702-A1F6BA56082D}"/>
+              </a:ext>
+            </a:extLst>
+          </p:cNvPr>
+          <p:cNvCxnSpPr>
+            <a:cxnSpLocks/>
+            <a:stCxn id="149" idx="3"/>
+            <a:endCxn id="150" idx="1"/>
+          </p:cNvCxnSpPr>
+          <p:nvPr/>
+        </p:nvCxnSpPr>
+        <p:spPr>
+          <a:xfrm flipV="1">
+            <a:off x="5170877" y="8712074"/>
+            <a:ext cx="2148203" cy="4205"/>
+          </a:xfrm>
+          <a:prstGeom prst="bentConnector3">
+            <a:avLst>
+              <a:gd name="adj1" fmla="val 50000"/>
+            </a:avLst>
+          </a:prstGeom>
+          <a:ln w="38100">
+            <a:prstDash val="lgDash"/>
+            <a:tailEnd type="triangle" w="lg" len="lg"/>
+          </a:ln>
+        </p:spPr>
+        <p:style>
+          <a:lnRef idx="3">
+            <a:schemeClr val="accent3"/>
+          </a:lnRef>
+          <a:fillRef idx="0">
+            <a:schemeClr val="accent3"/>
+          </a:fillRef>
+          <a:effectRef idx="2">
+            <a:schemeClr val="accent3"/>
+          </a:effectRef>
+          <a:fontRef idx="minor">
+            <a:schemeClr val="tx1"/>
+          </a:fontRef>
+        </p:style>
+      </p:cxnSp>
+      <p:cxnSp>
+        <p:nvCxnSpPr>
+          <p:cNvPr id="153" name="连接符: 肘形 152">
+            <a:extLst>
+              <a:ext uri="{FF2B5EF4-FFF2-40B4-BE49-F238E27FC236}">
+                <a16:creationId xmlns:a16="http://schemas.microsoft.com/office/drawing/2014/main" id="{9370B313-9056-4389-A9D2-855E970D0427}"/>
+              </a:ext>
+            </a:extLst>
+          </p:cNvPr>
+          <p:cNvCxnSpPr>
+            <a:cxnSpLocks/>
+            <a:stCxn id="150" idx="3"/>
+            <a:endCxn id="151" idx="1"/>
+          </p:cNvCxnSpPr>
+          <p:nvPr/>
+        </p:nvCxnSpPr>
+        <p:spPr>
+          <a:xfrm>
+            <a:off x="8919912" y="8712074"/>
+            <a:ext cx="2078107" cy="16719"/>
+          </a:xfrm>
+          <a:prstGeom prst="bentConnector3">
+            <a:avLst>
+              <a:gd name="adj1" fmla="val 50000"/>
+            </a:avLst>
+          </a:prstGeom>
+          <a:ln w="38100">
+            <a:solidFill>
+              <a:schemeClr val="accent2">
+                <a:lumMod val="75000"/>
+              </a:schemeClr>
+            </a:solidFill>
+            <a:prstDash val="lgDash"/>
+            <a:tailEnd type="triangle" w="lg" len="lg"/>
+          </a:ln>
+        </p:spPr>
+        <p:style>
+          <a:lnRef idx="3">
+            <a:schemeClr val="accent3"/>
+          </a:lnRef>
+          <a:fillRef idx="0">
+            <a:schemeClr val="accent3"/>
+          </a:fillRef>
+          <a:effectRef idx="2">
+            <a:schemeClr val="accent3"/>
+          </a:effectRef>
+          <a:fontRef idx="minor">
+            <a:schemeClr val="tx1"/>
+          </a:fontRef>
+        </p:style>
+      </p:cxnSp>
+      <p:sp>
+        <p:nvSpPr>
+          <p:cNvPr id="154" name="矩形 153">
+            <a:extLst>
+              <a:ext uri="{FF2B5EF4-FFF2-40B4-BE49-F238E27FC236}">
+                <a16:creationId xmlns:a16="http://schemas.microsoft.com/office/drawing/2014/main" id="{C198CB54-6773-43F8-A15F-A76EFA542A1A}"/>
+              </a:ext>
+            </a:extLst>
+          </p:cNvPr>
+          <p:cNvSpPr/>
+          <p:nvPr/>
+        </p:nvSpPr>
+        <p:spPr>
+          <a:xfrm>
+            <a:off x="3688360" y="9435593"/>
+            <a:ext cx="1493520" cy="513872"/>
+          </a:xfrm>
+          <a:prstGeom prst="rect">
+            <a:avLst/>
+          </a:prstGeom>
+          <a:solidFill>
+            <a:schemeClr val="bg1">
+              <a:lumMod val="95000"/>
+            </a:schemeClr>
+          </a:solidFill>
+          <a:ln w="9525" cap="flat" cmpd="sng" algn="ctr">
+            <a:noFill/>
+            <a:prstDash val="solid"/>
+            <a:round/>
+            <a:headEnd type="none" w="med" len="med"/>
+            <a:tailEnd type="none" w="med" len="med"/>
+          </a:ln>
+        </p:spPr>
+        <p:style>
+          <a:lnRef idx="0">
+            <a:scrgbClr r="0" g="0" b="0"/>
+          </a:lnRef>
+          <a:fillRef idx="0">
+            <a:scrgbClr r="0" g="0" b="0"/>
+          </a:fillRef>
+          <a:effectRef idx="0">
+            <a:scrgbClr r="0" g="0" b="0"/>
+          </a:effectRef>
+          <a:fontRef idx="minor">
+            <a:schemeClr val="accent3"/>
+          </a:fontRef>
+        </p:style>
+        <p:txBody>
+          <a:bodyPr rtlCol="0" anchor="ctr"/>
+          <a:lstStyle/>
+          <a:p>
+            <a:pPr algn="ctr"/>
+            <a:r>
+              <a:rPr lang="en-US" altLang="zh-CN" sz="3300" dirty="0" err="1">
+                <a:solidFill>
+                  <a:schemeClr val="tx1"/>
+                </a:solidFill>
+              </a:rPr>
+              <a:t>gSara</a:t>
+            </a:r>
+            <a:endParaRPr lang="zh-CN" altLang="en-US" sz="3300" dirty="0">
+              <a:solidFill>
+                <a:schemeClr val="tx1"/>
+              </a:solidFill>
+            </a:endParaRPr>
+          </a:p>
+        </p:txBody>
+      </p:sp>
+      <p:sp>
+        <p:nvSpPr>
+          <p:cNvPr id="155" name="矩形 154">
+            <a:extLst>
+              <a:ext uri="{FF2B5EF4-FFF2-40B4-BE49-F238E27FC236}">
+                <a16:creationId xmlns:a16="http://schemas.microsoft.com/office/drawing/2014/main" id="{B3ACA230-9AB0-4ED0-B9E9-BD81E60D750C}"/>
+              </a:ext>
+            </a:extLst>
+          </p:cNvPr>
+          <p:cNvSpPr/>
+          <p:nvPr/>
+        </p:nvSpPr>
+        <p:spPr>
+          <a:xfrm>
+            <a:off x="7330089" y="9427184"/>
+            <a:ext cx="1600837" cy="522282"/>
+          </a:xfrm>
+          <a:prstGeom prst="rect">
+            <a:avLst/>
+          </a:prstGeom>
+          <a:solidFill>
+            <a:schemeClr val="accent5">
+              <a:lumMod val="60000"/>
+              <a:lumOff val="40000"/>
+            </a:schemeClr>
+          </a:solidFill>
+          <a:ln>
+            <a:noFill/>
+          </a:ln>
+        </p:spPr>
+        <p:style>
+          <a:lnRef idx="2">
+            <a:schemeClr val="accent1">
+              <a:shade val="50000"/>
+            </a:schemeClr>
+          </a:lnRef>
+          <a:fillRef idx="1">
+            <a:schemeClr val="accent1"/>
+          </a:fillRef>
+          <a:effectRef idx="0">
+            <a:schemeClr val="accent1"/>
+          </a:effectRef>
+          <a:fontRef idx="minor">
+            <a:schemeClr val="lt1"/>
+          </a:fontRef>
+        </p:style>
+        <p:txBody>
+          <a:bodyPr rtlCol="0" anchor="ctr"/>
+          <a:lstStyle/>
+          <a:p>
+            <a:pPr algn="ctr"/>
+            <a:r>
+              <a:rPr lang="en-US" altLang="zh-CN" sz="3300" dirty="0" err="1"/>
+              <a:t>mSara</a:t>
+            </a:r>
+            <a:endParaRPr lang="zh-CN" altLang="en-US" sz="3300" dirty="0"/>
+          </a:p>
+        </p:txBody>
+      </p:sp>
+      <p:sp>
+        <p:nvSpPr>
+          <p:cNvPr id="156" name="矩形 155">
+            <a:extLst>
+              <a:ext uri="{FF2B5EF4-FFF2-40B4-BE49-F238E27FC236}">
+                <a16:creationId xmlns:a16="http://schemas.microsoft.com/office/drawing/2014/main" id="{524B6C89-F81F-47EB-8C39-F0A730657E52}"/>
+              </a:ext>
+            </a:extLst>
+          </p:cNvPr>
+          <p:cNvSpPr/>
+          <p:nvPr/>
+        </p:nvSpPr>
+        <p:spPr>
+          <a:xfrm>
+            <a:off x="11009027" y="9443901"/>
+            <a:ext cx="1547704" cy="522282"/>
+          </a:xfrm>
+          <a:prstGeom prst="rect">
+            <a:avLst/>
+          </a:prstGeom>
+          <a:solidFill>
+            <a:schemeClr val="accent5">
+              <a:lumMod val="75000"/>
+            </a:schemeClr>
+          </a:solidFill>
+          <a:ln>
+            <a:noFill/>
+          </a:ln>
+        </p:spPr>
+        <p:style>
+          <a:lnRef idx="2">
+            <a:schemeClr val="accent1">
+              <a:shade val="50000"/>
+            </a:schemeClr>
+          </a:lnRef>
+          <a:fillRef idx="1">
+            <a:schemeClr val="accent1"/>
+          </a:fillRef>
+          <a:effectRef idx="0">
+            <a:schemeClr val="accent1"/>
+          </a:effectRef>
+          <a:fontRef idx="minor">
+            <a:schemeClr val="lt1"/>
+          </a:fontRef>
+        </p:style>
+        <p:txBody>
+          <a:bodyPr rtlCol="0" anchor="ctr"/>
+          <a:lstStyle/>
+          <a:p>
+            <a:pPr algn="ctr"/>
+            <a:r>
+              <a:rPr lang="en-US" altLang="zh-CN" sz="3300" b="1" dirty="0"/>
+              <a:t>Sara</a:t>
+            </a:r>
+            <a:endParaRPr lang="zh-CN" altLang="en-US" sz="3300" b="1" dirty="0"/>
+          </a:p>
+        </p:txBody>
+      </p:sp>
+      <p:cxnSp>
+        <p:nvCxnSpPr>
+          <p:cNvPr id="157" name="连接符: 肘形 156">
+            <a:extLst>
+              <a:ext uri="{FF2B5EF4-FFF2-40B4-BE49-F238E27FC236}">
+                <a16:creationId xmlns:a16="http://schemas.microsoft.com/office/drawing/2014/main" id="{9C3C2E40-AE7C-4E8B-9FC6-B40B99392FDA}"/>
+              </a:ext>
+            </a:extLst>
+          </p:cNvPr>
+          <p:cNvCxnSpPr>
+            <a:cxnSpLocks/>
+            <a:stCxn id="154" idx="3"/>
+            <a:endCxn id="155" idx="1"/>
+          </p:cNvCxnSpPr>
+          <p:nvPr/>
+        </p:nvCxnSpPr>
+        <p:spPr>
+          <a:xfrm flipV="1">
+            <a:off x="5181886" y="9688328"/>
+            <a:ext cx="2148203" cy="4205"/>
+          </a:xfrm>
+          <a:prstGeom prst="bentConnector3">
+            <a:avLst>
+              <a:gd name="adj1" fmla="val 50000"/>
+            </a:avLst>
+          </a:prstGeom>
+          <a:ln w="38100">
+            <a:prstDash val="lgDash"/>
+            <a:tailEnd type="triangle" w="lg" len="lg"/>
+          </a:ln>
+        </p:spPr>
+        <p:style>
+          <a:lnRef idx="3">
+            <a:schemeClr val="accent3"/>
+          </a:lnRef>
+          <a:fillRef idx="0">
+            <a:schemeClr val="accent3"/>
+          </a:fillRef>
+          <a:effectRef idx="2">
+            <a:schemeClr val="accent3"/>
+          </a:effectRef>
+          <a:fontRef idx="minor">
+            <a:schemeClr val="tx1"/>
+          </a:fontRef>
+        </p:style>
+      </p:cxnSp>
+      <p:cxnSp>
+        <p:nvCxnSpPr>
+          <p:cNvPr id="158" name="连接符: 肘形 157">
+            <a:extLst>
+              <a:ext uri="{FF2B5EF4-FFF2-40B4-BE49-F238E27FC236}">
+                <a16:creationId xmlns:a16="http://schemas.microsoft.com/office/drawing/2014/main" id="{63CB8408-240A-40B6-957E-49885F3AC0AE}"/>
+              </a:ext>
+            </a:extLst>
+          </p:cNvPr>
+          <p:cNvCxnSpPr>
+            <a:cxnSpLocks/>
+            <a:stCxn id="155" idx="3"/>
+            <a:endCxn id="156" idx="1"/>
+          </p:cNvCxnSpPr>
+          <p:nvPr/>
+        </p:nvCxnSpPr>
+        <p:spPr>
+          <a:xfrm>
+            <a:off x="8930921" y="9688328"/>
+            <a:ext cx="2078107" cy="16719"/>
+          </a:xfrm>
+          <a:prstGeom prst="bentConnector3">
+            <a:avLst>
+              <a:gd name="adj1" fmla="val 50000"/>
+            </a:avLst>
+          </a:prstGeom>
+          <a:ln w="38100">
+            <a:solidFill>
+              <a:schemeClr val="accent2">
+                <a:lumMod val="75000"/>
+              </a:schemeClr>
+            </a:solidFill>
+            <a:prstDash val="lgDash"/>
+            <a:tailEnd type="triangle" w="lg" len="lg"/>
+          </a:ln>
+        </p:spPr>
+        <p:style>
+          <a:lnRef idx="3">
+            <a:schemeClr val="accent3"/>
+          </a:lnRef>
+          <a:fillRef idx="0">
+            <a:schemeClr val="accent3"/>
+          </a:fillRef>
+          <a:effectRef idx="2">
+            <a:schemeClr val="accent3"/>
+          </a:effectRef>
+          <a:fontRef idx="minor">
+            <a:schemeClr val="tx1"/>
+          </a:fontRef>
+        </p:style>
+      </p:cxnSp>
+      <p:cxnSp>
+        <p:nvCxnSpPr>
+          <p:cNvPr id="161" name="连接符: 肘形 160">
+            <a:extLst>
+              <a:ext uri="{FF2B5EF4-FFF2-40B4-BE49-F238E27FC236}">
+                <a16:creationId xmlns:a16="http://schemas.microsoft.com/office/drawing/2014/main" id="{6606C8CE-F2D1-408F-BA89-E38975350A57}"/>
+              </a:ext>
+            </a:extLst>
+          </p:cNvPr>
+          <p:cNvCxnSpPr>
+            <a:cxnSpLocks/>
+          </p:cNvCxnSpPr>
+          <p:nvPr/>
+        </p:nvCxnSpPr>
+        <p:spPr>
+          <a:xfrm rot="10800000" flipV="1">
+            <a:off x="5297663" y="4602687"/>
+            <a:ext cx="13926044" cy="715431"/>
+          </a:xfrm>
+          <a:prstGeom prst="bentConnector3">
+            <a:avLst>
+              <a:gd name="adj1" fmla="val 645"/>
+            </a:avLst>
+          </a:prstGeom>
+          <a:ln w="38100">
+            <a:headEnd type="none" w="med" len="med"/>
+            <a:tailEnd type="none" w="med" len="med"/>
+          </a:ln>
+        </p:spPr>
+        <p:style>
+          <a:lnRef idx="1">
+            <a:schemeClr val="accent1"/>
+          </a:lnRef>
+          <a:fillRef idx="0">
+            <a:schemeClr val="accent1"/>
+          </a:fillRef>
+          <a:effectRef idx="0">
+            <a:schemeClr val="accent1"/>
+          </a:effectRef>
+          <a:fontRef idx="minor">
+            <a:schemeClr val="tx1"/>
+          </a:fontRef>
+        </p:style>
+      </p:cxnSp>
+      <p:cxnSp>
+        <p:nvCxnSpPr>
+          <p:cNvPr id="162" name="直接箭头连接符 161">
+            <a:extLst>
+              <a:ext uri="{FF2B5EF4-FFF2-40B4-BE49-F238E27FC236}">
+                <a16:creationId xmlns:a16="http://schemas.microsoft.com/office/drawing/2014/main" id="{D7C02B21-A995-416A-AD9E-F7FFE979AB3C}"/>
+              </a:ext>
+            </a:extLst>
+          </p:cNvPr>
+          <p:cNvCxnSpPr>
+            <a:cxnSpLocks/>
+          </p:cNvCxnSpPr>
+          <p:nvPr/>
+        </p:nvCxnSpPr>
+        <p:spPr>
+          <a:xfrm>
+            <a:off x="6083547" y="5325781"/>
+            <a:ext cx="0" cy="3403008"/>
+          </a:xfrm>
+          <a:prstGeom prst="straightConnector1">
+            <a:avLst/>
+          </a:prstGeom>
+          <a:ln w="38100">
+            <a:tailEnd type="triangle"/>
+          </a:ln>
+        </p:spPr>
+        <p:style>
+          <a:lnRef idx="1">
+            <a:schemeClr val="accent1"/>
+          </a:lnRef>
+          <a:fillRef idx="0">
+            <a:schemeClr val="accent1"/>
+          </a:fillRef>
+          <a:effectRef idx="0">
+            <a:schemeClr val="accent1"/>
+          </a:effectRef>
+          <a:fontRef idx="minor">
+            <a:schemeClr val="tx1"/>
+          </a:fontRef>
+        </p:style>
+      </p:cxnSp>
+      <p:cxnSp>
+        <p:nvCxnSpPr>
+          <p:cNvPr id="167" name="直接箭头连接符 166">
+            <a:extLst>
+              <a:ext uri="{FF2B5EF4-FFF2-40B4-BE49-F238E27FC236}">
+                <a16:creationId xmlns:a16="http://schemas.microsoft.com/office/drawing/2014/main" id="{2AB8B649-175E-426F-9B06-EAF003EDC5CD}"/>
+              </a:ext>
+            </a:extLst>
+          </p:cNvPr>
+          <p:cNvCxnSpPr>
+            <a:cxnSpLocks/>
+          </p:cNvCxnSpPr>
+          <p:nvPr/>
+        </p:nvCxnSpPr>
+        <p:spPr>
+          <a:xfrm>
+            <a:off x="5312903" y="5324302"/>
+            <a:ext cx="0" cy="1365992"/>
+          </a:xfrm>
+          <a:prstGeom prst="straightConnector1">
+            <a:avLst/>
+          </a:prstGeom>
+          <a:ln w="38100">
+            <a:tailEnd type="triangle"/>
+          </a:ln>
+        </p:spPr>
+        <p:style>
+          <a:lnRef idx="1">
+            <a:schemeClr val="accent1"/>
+          </a:lnRef>
+          <a:fillRef idx="0">
+            <a:schemeClr val="accent1"/>
+          </a:fillRef>
+          <a:effectRef idx="0">
+            <a:schemeClr val="accent1"/>
+          </a:effectRef>
+          <a:fontRef idx="minor">
+            <a:schemeClr val="tx1"/>
+          </a:fontRef>
+        </p:style>
+      </p:cxnSp>
+      <p:cxnSp>
+        <p:nvCxnSpPr>
+          <p:cNvPr id="168" name="直接箭头连接符 167">
+            <a:extLst>
+              <a:ext uri="{FF2B5EF4-FFF2-40B4-BE49-F238E27FC236}">
+                <a16:creationId xmlns:a16="http://schemas.microsoft.com/office/drawing/2014/main" id="{0D37B2CA-AD23-4907-8D8A-6D3C265EB942}"/>
+              </a:ext>
+            </a:extLst>
+          </p:cNvPr>
+          <p:cNvCxnSpPr>
+            <a:cxnSpLocks/>
+          </p:cNvCxnSpPr>
+          <p:nvPr/>
+        </p:nvCxnSpPr>
+        <p:spPr>
+          <a:xfrm>
+            <a:off x="5715248" y="5324302"/>
+            <a:ext cx="0" cy="2381034"/>
+          </a:xfrm>
+          <a:prstGeom prst="straightConnector1">
+            <a:avLst/>
+          </a:prstGeom>
+          <a:ln w="38100">
+            <a:tailEnd type="triangle"/>
+          </a:ln>
+        </p:spPr>
+        <p:style>
+          <a:lnRef idx="1">
+            <a:schemeClr val="accent1"/>
+          </a:lnRef>
+          <a:fillRef idx="0">
+            <a:schemeClr val="accent1"/>
+          </a:fillRef>
+          <a:effectRef idx="0">
+            <a:schemeClr val="accent1"/>
+          </a:effectRef>
+          <a:fontRef idx="minor">
+            <a:schemeClr val="tx1"/>
+          </a:fontRef>
+        </p:style>
+      </p:cxnSp>
+      <p:cxnSp>
+        <p:nvCxnSpPr>
+          <p:cNvPr id="169" name="直接箭头连接符 168">
+            <a:extLst>
+              <a:ext uri="{FF2B5EF4-FFF2-40B4-BE49-F238E27FC236}">
+                <a16:creationId xmlns:a16="http://schemas.microsoft.com/office/drawing/2014/main" id="{E93854FA-B40D-4085-B25C-FCA42470F091}"/>
+              </a:ext>
+            </a:extLst>
+          </p:cNvPr>
+          <p:cNvCxnSpPr>
+            <a:cxnSpLocks/>
+          </p:cNvCxnSpPr>
+          <p:nvPr/>
+        </p:nvCxnSpPr>
+        <p:spPr>
+          <a:xfrm>
+            <a:off x="6477247" y="5318115"/>
+            <a:ext cx="0" cy="4386928"/>
+          </a:xfrm>
+          <a:prstGeom prst="straightConnector1">
+            <a:avLst/>
+          </a:prstGeom>
+          <a:ln w="38100">
+            <a:tailEnd type="triangle"/>
+          </a:ln>
+        </p:spPr>
+        <p:style>
+          <a:lnRef idx="1">
+            <a:schemeClr val="accent1"/>
+          </a:lnRef>
+          <a:fillRef idx="0">
+            <a:schemeClr val="accent1"/>
+          </a:fillRef>
+          <a:effectRef idx="0">
+            <a:schemeClr val="accent1"/>
+          </a:effectRef>
+          <a:fontRef idx="minor">
+            <a:schemeClr val="tx1"/>
+          </a:fontRef>
+        </p:style>
+      </p:cxnSp>
+      <p:sp>
+        <p:nvSpPr>
+          <p:cNvPr id="173" name="文本框 172">
+            <a:extLst>
+              <a:ext uri="{FF2B5EF4-FFF2-40B4-BE49-F238E27FC236}">
+                <a16:creationId xmlns:a16="http://schemas.microsoft.com/office/drawing/2014/main" id="{45C75369-4771-46E2-9B05-483BDB15EBC5}"/>
+              </a:ext>
+            </a:extLst>
+          </p:cNvPr>
+          <p:cNvSpPr txBox="1"/>
+          <p:nvPr/>
+        </p:nvSpPr>
+        <p:spPr>
+          <a:xfrm>
+            <a:off x="6627926" y="5393738"/>
+            <a:ext cx="4021712" cy="523220"/>
+          </a:xfrm>
+          <a:prstGeom prst="rect">
+            <a:avLst/>
+          </a:prstGeom>
+          <a:noFill/>
+        </p:spPr>
+        <p:txBody>
+          <a:bodyPr wrap="square" rtlCol="0">
+            <a:spAutoFit/>
+          </a:bodyPr>
+          <a:lstStyle/>
+          <a:p>
+            <a:r>
+              <a:rPr lang="en-US" altLang="zh-CN" sz="2800" dirty="0"/>
+              <a:t>Transcription Factors</a:t>
+            </a:r>
+            <a:endParaRPr lang="zh-CN" altLang="en-US" sz="2800" dirty="0"/>
+          </a:p>
+        </p:txBody>
+      </p:sp>
+      <p:sp>
+        <p:nvSpPr>
+          <p:cNvPr id="174" name="右大括号 173">
+            <a:extLst>
+              <a:ext uri="{FF2B5EF4-FFF2-40B4-BE49-F238E27FC236}">
+                <a16:creationId xmlns:a16="http://schemas.microsoft.com/office/drawing/2014/main" id="{EF6E0EA4-F3E1-49EA-808F-0DC3FE4A3867}"/>
+              </a:ext>
+            </a:extLst>
+          </p:cNvPr>
+          <p:cNvSpPr/>
+          <p:nvPr/>
+        </p:nvSpPr>
+        <p:spPr>
+          <a:xfrm>
+            <a:off x="12713980" y="6706951"/>
+            <a:ext cx="457251" cy="2998092"/>
+          </a:xfrm>
+          <a:prstGeom prst="rightBrace">
+            <a:avLst>
+              <a:gd name="adj1" fmla="val 58990"/>
+              <a:gd name="adj2" fmla="val 52938"/>
+            </a:avLst>
+          </a:prstGeom>
+          <a:ln w="38100"/>
+        </p:spPr>
+        <p:style>
+          <a:lnRef idx="3">
+            <a:schemeClr val="accent1"/>
+          </a:lnRef>
+          <a:fillRef idx="0">
+            <a:schemeClr val="accent1"/>
+          </a:fillRef>
+          <a:effectRef idx="2">
+            <a:schemeClr val="accent1"/>
+          </a:effectRef>
+          <a:fontRef idx="minor">
+            <a:schemeClr val="tx1"/>
+          </a:fontRef>
+        </p:style>
+        <p:txBody>
+          <a:bodyPr rot="0" spcFirstLastPara="0" vertOverflow="overflow" horzOverflow="overflow" vert="horz" wrap="square" lIns="91440" tIns="45719" rIns="91440" bIns="45719" numCol="1" spcCol="0" rtlCol="0" fromWordArt="0" anchor="ctr" anchorCtr="0" forceAA="0" compatLnSpc="1">
+            <a:prstTxWarp prst="textNoShape">
+              <a:avLst/>
+            </a:prstTxWarp>
+            <a:noAutofit/>
+          </a:bodyPr>
+          <a:lstStyle/>
+          <a:p>
+            <a:pPr algn="ctr"/>
+            <a:endParaRPr lang="zh-CN" altLang="en-US" b="1" dirty="0"/>
+          </a:p>
+        </p:txBody>
+      </p:sp>
+      <p:cxnSp>
+        <p:nvCxnSpPr>
+          <p:cNvPr id="175" name="直接箭头连接符 174">
+            <a:extLst>
+              <a:ext uri="{FF2B5EF4-FFF2-40B4-BE49-F238E27FC236}">
+                <a16:creationId xmlns:a16="http://schemas.microsoft.com/office/drawing/2014/main" id="{BC9C2031-202D-42E6-9CD2-692AA9E0DA3A}"/>
+              </a:ext>
+            </a:extLst>
+          </p:cNvPr>
+          <p:cNvCxnSpPr>
+            <a:cxnSpLocks/>
+            <a:stCxn id="174" idx="1"/>
+          </p:cNvCxnSpPr>
+          <p:nvPr/>
+        </p:nvCxnSpPr>
+        <p:spPr>
+          <a:xfrm>
+            <a:off x="13171229" y="8294080"/>
+            <a:ext cx="2369579" cy="0"/>
+          </a:xfrm>
+          <a:prstGeom prst="straightConnector1">
+            <a:avLst/>
+          </a:prstGeom>
+          <a:ln w="38100">
+            <a:headEnd type="triangle"/>
+            <a:tailEnd type="triangle"/>
+          </a:ln>
+        </p:spPr>
+        <p:style>
+          <a:lnRef idx="1">
+            <a:schemeClr val="accent1"/>
+          </a:lnRef>
+          <a:fillRef idx="0">
+            <a:schemeClr val="accent1"/>
+          </a:fillRef>
+          <a:effectRef idx="0">
+            <a:schemeClr val="accent1"/>
+          </a:effectRef>
+          <a:fontRef idx="minor">
+            <a:schemeClr val="tx1"/>
+          </a:fontRef>
+        </p:style>
+      </p:cxnSp>
+      <p:sp>
+        <p:nvSpPr>
+          <p:cNvPr id="176" name="文本框 175">
+            <a:extLst>
+              <a:ext uri="{FF2B5EF4-FFF2-40B4-BE49-F238E27FC236}">
+                <a16:creationId xmlns:a16="http://schemas.microsoft.com/office/drawing/2014/main" id="{2D24DC23-5C2A-40B9-98CB-8B26232215AA}"/>
+              </a:ext>
+            </a:extLst>
+          </p:cNvPr>
+          <p:cNvSpPr txBox="1"/>
+          <p:nvPr/>
+        </p:nvSpPr>
+        <p:spPr>
+          <a:xfrm>
+            <a:off x="13378916" y="7743435"/>
+            <a:ext cx="2343290" cy="523220"/>
+          </a:xfrm>
+          <a:prstGeom prst="rect">
+            <a:avLst/>
+          </a:prstGeom>
+          <a:noFill/>
+        </p:spPr>
+        <p:txBody>
+          <a:bodyPr wrap="square" rtlCol="0">
+            <a:spAutoFit/>
+          </a:bodyPr>
+          <a:lstStyle/>
+          <a:p>
+            <a:r>
+              <a:rPr lang="en-US" altLang="zh-CN" sz="2800" dirty="0"/>
+              <a:t>Association</a:t>
+            </a:r>
+            <a:endParaRPr lang="zh-CN" altLang="en-US" sz="2800" dirty="0"/>
+          </a:p>
+        </p:txBody>
+      </p:sp>
+      <p:sp>
+        <p:nvSpPr>
+          <p:cNvPr id="177" name="文本框 176">
+            <a:extLst>
+              <a:ext uri="{FF2B5EF4-FFF2-40B4-BE49-F238E27FC236}">
+                <a16:creationId xmlns:a16="http://schemas.microsoft.com/office/drawing/2014/main" id="{5355DDD0-0AC9-4607-98B2-E6DA9DEFB4C2}"/>
+              </a:ext>
+            </a:extLst>
+          </p:cNvPr>
+          <p:cNvSpPr txBox="1"/>
+          <p:nvPr/>
+        </p:nvSpPr>
+        <p:spPr>
+          <a:xfrm>
+            <a:off x="13226827" y="8309322"/>
+            <a:ext cx="2662525" cy="523220"/>
+          </a:xfrm>
+          <a:prstGeom prst="rect">
+            <a:avLst/>
+          </a:prstGeom>
+          <a:noFill/>
+        </p:spPr>
+        <p:txBody>
+          <a:bodyPr wrap="square" rtlCol="0">
+            <a:spAutoFit/>
+          </a:bodyPr>
+          <a:lstStyle/>
+          <a:p>
+            <a:r>
+              <a:rPr lang="en-US" altLang="zh-CN" sz="2800" dirty="0"/>
+              <a:t>Disassociation</a:t>
+            </a:r>
+            <a:endParaRPr lang="zh-CN" altLang="en-US" sz="2800" dirty="0"/>
+          </a:p>
+        </p:txBody>
+      </p:sp>
+      <p:cxnSp>
+        <p:nvCxnSpPr>
+          <p:cNvPr id="180" name="连接符: 肘形 179">
+            <a:extLst>
+              <a:ext uri="{FF2B5EF4-FFF2-40B4-BE49-F238E27FC236}">
+                <a16:creationId xmlns:a16="http://schemas.microsoft.com/office/drawing/2014/main" id="{176BD45E-CA89-4CE1-ABBE-CB52CF1872A7}"/>
+              </a:ext>
+            </a:extLst>
+          </p:cNvPr>
+          <p:cNvCxnSpPr>
+            <a:cxnSpLocks/>
+          </p:cNvCxnSpPr>
+          <p:nvPr/>
+        </p:nvCxnSpPr>
+        <p:spPr>
+          <a:xfrm>
+            <a:off x="1198104" y="1502711"/>
+            <a:ext cx="1995803" cy="12700"/>
+          </a:xfrm>
+          <a:prstGeom prst="bentConnector3">
+            <a:avLst>
+              <a:gd name="adj1" fmla="val 50000"/>
+            </a:avLst>
+          </a:prstGeom>
+          <a:ln w="38100">
+            <a:prstDash val="lgDash"/>
+            <a:tailEnd type="triangle" w="lg" len="lg"/>
+          </a:ln>
+        </p:spPr>
+        <p:style>
+          <a:lnRef idx="3">
+            <a:schemeClr val="accent3"/>
+          </a:lnRef>
+          <a:fillRef idx="0">
+            <a:schemeClr val="accent3"/>
+          </a:fillRef>
+          <a:effectRef idx="2">
+            <a:schemeClr val="accent3"/>
+          </a:effectRef>
+          <a:fontRef idx="minor">
+            <a:schemeClr val="tx1"/>
+          </a:fontRef>
+        </p:style>
+      </p:cxnSp>
+      <p:cxnSp>
+        <p:nvCxnSpPr>
+          <p:cNvPr id="181" name="连接符: 肘形 180">
+            <a:extLst>
+              <a:ext uri="{FF2B5EF4-FFF2-40B4-BE49-F238E27FC236}">
+                <a16:creationId xmlns:a16="http://schemas.microsoft.com/office/drawing/2014/main" id="{D71EB07A-87E5-4A3A-8E5A-0B4DF3C92184}"/>
+              </a:ext>
+            </a:extLst>
+          </p:cNvPr>
+          <p:cNvCxnSpPr>
+            <a:cxnSpLocks/>
+          </p:cNvCxnSpPr>
+          <p:nvPr/>
+        </p:nvCxnSpPr>
+        <p:spPr>
+          <a:xfrm>
+            <a:off x="1198104" y="1993199"/>
+            <a:ext cx="1995803" cy="12700"/>
+          </a:xfrm>
+          <a:prstGeom prst="bentConnector3">
+            <a:avLst>
+              <a:gd name="adj1" fmla="val 50000"/>
+            </a:avLst>
+          </a:prstGeom>
+          <a:ln w="38100">
+            <a:solidFill>
+              <a:schemeClr val="accent2">
+                <a:lumMod val="75000"/>
+              </a:schemeClr>
+            </a:solidFill>
+            <a:prstDash val="lgDash"/>
+            <a:tailEnd type="triangle" w="lg" len="lg"/>
+          </a:ln>
+        </p:spPr>
+        <p:style>
+          <a:lnRef idx="3">
+            <a:schemeClr val="accent3"/>
+          </a:lnRef>
+          <a:fillRef idx="0">
+            <a:schemeClr val="accent3"/>
+          </a:fillRef>
+          <a:effectRef idx="2">
+            <a:schemeClr val="accent3"/>
+          </a:effectRef>
+          <a:fontRef idx="minor">
+            <a:schemeClr val="tx1"/>
+          </a:fontRef>
+        </p:style>
+      </p:cxnSp>
+      <p:sp>
+        <p:nvSpPr>
+          <p:cNvPr id="183" name="文本框 182">
+            <a:extLst>
+              <a:ext uri="{FF2B5EF4-FFF2-40B4-BE49-F238E27FC236}">
+                <a16:creationId xmlns:a16="http://schemas.microsoft.com/office/drawing/2014/main" id="{EF94DDB5-6AC4-4B01-9A98-5607A721AB40}"/>
+              </a:ext>
+            </a:extLst>
+          </p:cNvPr>
+          <p:cNvSpPr txBox="1"/>
+          <p:nvPr/>
+        </p:nvSpPr>
+        <p:spPr>
+          <a:xfrm>
+            <a:off x="3341487" y="1251527"/>
+            <a:ext cx="2343290" cy="523220"/>
+          </a:xfrm>
+          <a:prstGeom prst="rect">
+            <a:avLst/>
+          </a:prstGeom>
+          <a:noFill/>
+        </p:spPr>
+        <p:txBody>
+          <a:bodyPr wrap="square" rtlCol="0">
+            <a:spAutoFit/>
+          </a:bodyPr>
+          <a:lstStyle/>
+          <a:p>
+            <a:r>
+              <a:rPr lang="en-US" altLang="zh-CN" sz="2800" dirty="0"/>
+              <a:t>Transcription</a:t>
+            </a:r>
+            <a:endParaRPr lang="zh-CN" altLang="en-US" sz="2800" dirty="0"/>
+          </a:p>
+        </p:txBody>
+      </p:sp>
+      <p:sp>
+        <p:nvSpPr>
+          <p:cNvPr id="184" name="文本框 183">
+            <a:extLst>
+              <a:ext uri="{FF2B5EF4-FFF2-40B4-BE49-F238E27FC236}">
+                <a16:creationId xmlns:a16="http://schemas.microsoft.com/office/drawing/2014/main" id="{1A0F018D-64C9-4811-AA77-77E2E8E76235}"/>
+              </a:ext>
+            </a:extLst>
+          </p:cNvPr>
+          <p:cNvSpPr txBox="1"/>
+          <p:nvPr/>
+        </p:nvSpPr>
+        <p:spPr>
+          <a:xfrm>
+            <a:off x="3341487" y="1768801"/>
+            <a:ext cx="2343290" cy="523220"/>
+          </a:xfrm>
+          <a:prstGeom prst="rect">
+            <a:avLst/>
+          </a:prstGeom>
+          <a:noFill/>
+        </p:spPr>
+        <p:txBody>
+          <a:bodyPr wrap="square" rtlCol="0">
+            <a:spAutoFit/>
+          </a:bodyPr>
+          <a:lstStyle/>
+          <a:p>
+            <a:r>
+              <a:rPr lang="en-US" altLang="zh-CN" sz="2800" dirty="0"/>
+              <a:t>Translation</a:t>
+            </a:r>
+            <a:endParaRPr lang="zh-CN" altLang="en-US" sz="2800" dirty="0"/>
+          </a:p>
+        </p:txBody>
+      </p:sp>
+      <p:sp>
+        <p:nvSpPr>
+          <p:cNvPr id="186" name="矩形: 圆角 185">
+            <a:extLst>
+              <a:ext uri="{FF2B5EF4-FFF2-40B4-BE49-F238E27FC236}">
+                <a16:creationId xmlns:a16="http://schemas.microsoft.com/office/drawing/2014/main" id="{B601466B-1950-4C08-A983-BFA8C1C3B387}"/>
+              </a:ext>
+            </a:extLst>
+          </p:cNvPr>
+          <p:cNvSpPr/>
+          <p:nvPr/>
+        </p:nvSpPr>
+        <p:spPr>
+          <a:xfrm>
+            <a:off x="15529798" y="7816369"/>
+            <a:ext cx="3374603" cy="955426"/>
+          </a:xfrm>
+          <a:prstGeom prst="roundRect">
+            <a:avLst/>
+          </a:prstGeom>
+          <a:solidFill>
+            <a:srgbClr val="800000"/>
+          </a:solidFill>
+          <a:ln>
+            <a:noFill/>
+          </a:ln>
+        </p:spPr>
+        <p:style>
+          <a:lnRef idx="2">
+            <a:schemeClr val="accent1">
+              <a:shade val="50000"/>
+            </a:schemeClr>
+          </a:lnRef>
+          <a:fillRef idx="1">
+            <a:schemeClr val="accent1"/>
+          </a:fillRef>
+          <a:effectRef idx="0">
+            <a:schemeClr val="accent1"/>
+          </a:effectRef>
+          <a:fontRef idx="minor">
+            <a:schemeClr val="lt1"/>
+          </a:fontRef>
+        </p:style>
+        <p:txBody>
+          <a:bodyPr rtlCol="0" anchor="ctr"/>
+          <a:lstStyle/>
+          <a:p>
+            <a:pPr algn="ctr"/>
+            <a:r>
+              <a:rPr lang="en-US" altLang="zh-CN" sz="3300" b="1" dirty="0"/>
+              <a:t>SGSS</a:t>
+            </a:r>
+          </a:p>
+          <a:p>
+            <a:pPr algn="ctr"/>
+            <a:r>
+              <a:rPr lang="en-US" altLang="zh-CN" sz="2400" b="1" dirty="0"/>
+              <a:t>(Short for tetramer)</a:t>
+            </a:r>
+            <a:endParaRPr lang="zh-CN" altLang="en-US" sz="2400" b="1" dirty="0"/>
+          </a:p>
+        </p:txBody>
+      </p:sp>
+      <p:sp>
+        <p:nvSpPr>
+          <p:cNvPr id="188" name="矩形 187">
+            <a:extLst>
+              <a:ext uri="{FF2B5EF4-FFF2-40B4-BE49-F238E27FC236}">
+                <a16:creationId xmlns:a16="http://schemas.microsoft.com/office/drawing/2014/main" id="{68D89137-770F-4B41-807E-08B054471954}"/>
+              </a:ext>
+            </a:extLst>
+          </p:cNvPr>
+          <p:cNvSpPr/>
+          <p:nvPr/>
+        </p:nvSpPr>
+        <p:spPr>
+          <a:xfrm>
+            <a:off x="3193904" y="11102287"/>
+            <a:ext cx="3369620" cy="522282"/>
+          </a:xfrm>
+          <a:prstGeom prst="rect">
+            <a:avLst/>
+          </a:prstGeom>
+          <a:solidFill>
+            <a:schemeClr val="bg1">
+              <a:lumMod val="95000"/>
+            </a:schemeClr>
+          </a:solidFill>
+          <a:ln w="9525" cap="flat" cmpd="sng" algn="ctr">
+            <a:noFill/>
+            <a:prstDash val="solid"/>
+            <a:round/>
+            <a:headEnd type="none" w="med" len="med"/>
+            <a:tailEnd type="none" w="med" len="med"/>
+          </a:ln>
+        </p:spPr>
+        <p:style>
+          <a:lnRef idx="0">
+            <a:scrgbClr r="0" g="0" b="0"/>
+          </a:lnRef>
+          <a:fillRef idx="0">
+            <a:scrgbClr r="0" g="0" b="0"/>
+          </a:fillRef>
+          <a:effectRef idx="0">
+            <a:scrgbClr r="0" g="0" b="0"/>
+          </a:effectRef>
+          <a:fontRef idx="minor">
+            <a:schemeClr val="accent3"/>
+          </a:fontRef>
+        </p:style>
+        <p:txBody>
+          <a:bodyPr rtlCol="0" anchor="ctr"/>
+          <a:lstStyle/>
+          <a:p>
+            <a:pPr algn="ctr"/>
+            <a:r>
+              <a:rPr lang="en-US" altLang="zh-CN" sz="3300" dirty="0">
+                <a:solidFill>
+                  <a:schemeClr val="tx1"/>
+                </a:solidFill>
+              </a:rPr>
+              <a:t>gSmad2</a:t>
+            </a:r>
+            <a:endParaRPr lang="zh-CN" altLang="en-US" sz="3300" dirty="0">
+              <a:solidFill>
+                <a:schemeClr val="tx1"/>
+              </a:solidFill>
+            </a:endParaRPr>
+          </a:p>
+        </p:txBody>
+      </p:sp>
+      <p:sp>
+        <p:nvSpPr>
+          <p:cNvPr id="189" name="矩形 188">
+            <a:extLst>
+              <a:ext uri="{FF2B5EF4-FFF2-40B4-BE49-F238E27FC236}">
+                <a16:creationId xmlns:a16="http://schemas.microsoft.com/office/drawing/2014/main" id="{01D19929-9460-4014-9147-60BE5C01C5B7}"/>
+              </a:ext>
+            </a:extLst>
+          </p:cNvPr>
+          <p:cNvSpPr/>
+          <p:nvPr/>
+        </p:nvSpPr>
+        <p:spPr>
+          <a:xfrm>
+            <a:off x="8711727" y="11093879"/>
+            <a:ext cx="2682877" cy="522282"/>
+          </a:xfrm>
+          <a:prstGeom prst="rect">
+            <a:avLst/>
+          </a:prstGeom>
+          <a:solidFill>
+            <a:schemeClr val="accent5">
+              <a:lumMod val="60000"/>
+              <a:lumOff val="40000"/>
+            </a:schemeClr>
+          </a:solidFill>
+          <a:ln>
+            <a:noFill/>
+          </a:ln>
+        </p:spPr>
+        <p:style>
+          <a:lnRef idx="2">
+            <a:schemeClr val="accent1">
+              <a:shade val="50000"/>
+            </a:schemeClr>
+          </a:lnRef>
+          <a:fillRef idx="1">
+            <a:schemeClr val="accent1"/>
+          </a:fillRef>
+          <a:effectRef idx="0">
+            <a:schemeClr val="accent1"/>
+          </a:effectRef>
+          <a:fontRef idx="minor">
+            <a:schemeClr val="lt1"/>
+          </a:fontRef>
+        </p:style>
+        <p:txBody>
+          <a:bodyPr rtlCol="0" anchor="ctr"/>
+          <a:lstStyle/>
+          <a:p>
+            <a:pPr algn="ctr"/>
+            <a:r>
+              <a:rPr lang="en-US" altLang="zh-CN" sz="3300" dirty="0"/>
+              <a:t>mSmad2</a:t>
+            </a:r>
+            <a:endParaRPr lang="zh-CN" altLang="en-US" sz="3300" dirty="0"/>
+          </a:p>
+        </p:txBody>
+      </p:sp>
+      <p:sp>
+        <p:nvSpPr>
+          <p:cNvPr id="190" name="矩形 189">
+            <a:extLst>
+              <a:ext uri="{FF2B5EF4-FFF2-40B4-BE49-F238E27FC236}">
+                <a16:creationId xmlns:a16="http://schemas.microsoft.com/office/drawing/2014/main" id="{551366BA-DA32-46B8-B493-197C3F89E841}"/>
+              </a:ext>
+            </a:extLst>
+          </p:cNvPr>
+          <p:cNvSpPr/>
+          <p:nvPr/>
+        </p:nvSpPr>
+        <p:spPr>
+          <a:xfrm>
+            <a:off x="13390405" y="11093879"/>
+            <a:ext cx="2718558" cy="522282"/>
+          </a:xfrm>
+          <a:prstGeom prst="rect">
+            <a:avLst/>
+          </a:prstGeom>
+          <a:solidFill>
+            <a:schemeClr val="accent5">
+              <a:lumMod val="75000"/>
+            </a:schemeClr>
+          </a:solidFill>
+          <a:ln>
+            <a:noFill/>
+          </a:ln>
+        </p:spPr>
+        <p:style>
+          <a:lnRef idx="2">
+            <a:schemeClr val="accent1">
+              <a:shade val="50000"/>
+            </a:schemeClr>
+          </a:lnRef>
+          <a:fillRef idx="1">
+            <a:schemeClr val="accent1"/>
+          </a:fillRef>
+          <a:effectRef idx="0">
+            <a:schemeClr val="accent1"/>
+          </a:effectRef>
+          <a:fontRef idx="minor">
+            <a:schemeClr val="lt1"/>
+          </a:fontRef>
+        </p:style>
+        <p:txBody>
+          <a:bodyPr rtlCol="0" anchor="ctr"/>
+          <a:lstStyle/>
+          <a:p>
+            <a:pPr algn="ctr"/>
+            <a:r>
+              <a:rPr lang="en-US" altLang="zh-CN" sz="3300" b="1" dirty="0"/>
+              <a:t>Smad2</a:t>
+            </a:r>
+            <a:endParaRPr lang="zh-CN" altLang="en-US" sz="3300" b="1" dirty="0"/>
+          </a:p>
+        </p:txBody>
+      </p:sp>
+      <p:cxnSp>
+        <p:nvCxnSpPr>
+          <p:cNvPr id="191" name="连接符: 肘形 190">
+            <a:extLst>
+              <a:ext uri="{FF2B5EF4-FFF2-40B4-BE49-F238E27FC236}">
+                <a16:creationId xmlns:a16="http://schemas.microsoft.com/office/drawing/2014/main" id="{194B787C-9918-463C-B91A-D8F6BB9F4A11}"/>
+              </a:ext>
+            </a:extLst>
+          </p:cNvPr>
+          <p:cNvCxnSpPr>
+            <a:cxnSpLocks/>
+            <a:stCxn id="188" idx="3"/>
+            <a:endCxn id="189" idx="1"/>
+          </p:cNvCxnSpPr>
+          <p:nvPr/>
+        </p:nvCxnSpPr>
+        <p:spPr>
+          <a:xfrm flipV="1">
+            <a:off x="6563526" y="11355018"/>
+            <a:ext cx="2148203" cy="8410"/>
+          </a:xfrm>
+          <a:prstGeom prst="bentConnector3">
+            <a:avLst>
+              <a:gd name="adj1" fmla="val 50000"/>
+            </a:avLst>
+          </a:prstGeom>
+          <a:ln w="38100">
+            <a:prstDash val="lgDash"/>
+            <a:tailEnd type="triangle" w="lg" len="lg"/>
+          </a:ln>
+        </p:spPr>
+        <p:style>
+          <a:lnRef idx="3">
+            <a:schemeClr val="accent3"/>
+          </a:lnRef>
+          <a:fillRef idx="0">
+            <a:schemeClr val="accent3"/>
+          </a:fillRef>
+          <a:effectRef idx="2">
+            <a:schemeClr val="accent3"/>
+          </a:effectRef>
+          <a:fontRef idx="minor">
+            <a:schemeClr val="tx1"/>
+          </a:fontRef>
+        </p:style>
+      </p:cxnSp>
+      <p:cxnSp>
+        <p:nvCxnSpPr>
+          <p:cNvPr id="192" name="连接符: 肘形 191">
+            <a:extLst>
+              <a:ext uri="{FF2B5EF4-FFF2-40B4-BE49-F238E27FC236}">
+                <a16:creationId xmlns:a16="http://schemas.microsoft.com/office/drawing/2014/main" id="{A20FD8AE-BB31-44ED-A971-2D54082B9EAF}"/>
+              </a:ext>
+            </a:extLst>
+          </p:cNvPr>
+          <p:cNvCxnSpPr>
+            <a:cxnSpLocks/>
+            <a:stCxn id="189" idx="3"/>
+            <a:endCxn id="190" idx="1"/>
+          </p:cNvCxnSpPr>
+          <p:nvPr/>
+        </p:nvCxnSpPr>
+        <p:spPr>
+          <a:xfrm>
+            <a:off x="11394606" y="11355019"/>
+            <a:ext cx="1995803" cy="12700"/>
+          </a:xfrm>
+          <a:prstGeom prst="bentConnector3">
+            <a:avLst>
+              <a:gd name="adj1" fmla="val 50000"/>
+            </a:avLst>
+          </a:prstGeom>
+          <a:ln w="38100">
+            <a:solidFill>
+              <a:schemeClr val="accent2">
+                <a:lumMod val="75000"/>
+              </a:schemeClr>
+            </a:solidFill>
+            <a:prstDash val="lgDash"/>
+            <a:tailEnd type="triangle" w="lg" len="lg"/>
+          </a:ln>
+        </p:spPr>
+        <p:style>
+          <a:lnRef idx="3">
+            <a:schemeClr val="accent3"/>
+          </a:lnRef>
+          <a:fillRef idx="0">
+            <a:schemeClr val="accent3"/>
+          </a:fillRef>
+          <a:effectRef idx="2">
+            <a:schemeClr val="accent3"/>
+          </a:effectRef>
+          <a:fontRef idx="minor">
+            <a:schemeClr val="tx1"/>
+          </a:fontRef>
+        </p:style>
+      </p:cxnSp>
+      <p:cxnSp>
+        <p:nvCxnSpPr>
+          <p:cNvPr id="194" name="连接符: 肘形 193">
+            <a:extLst>
+              <a:ext uri="{FF2B5EF4-FFF2-40B4-BE49-F238E27FC236}">
+                <a16:creationId xmlns:a16="http://schemas.microsoft.com/office/drawing/2014/main" id="{34E5F4D6-3260-4CFE-A2A9-9D4A82793805}"/>
+              </a:ext>
+            </a:extLst>
+          </p:cNvPr>
+          <p:cNvCxnSpPr>
+            <a:cxnSpLocks/>
+          </p:cNvCxnSpPr>
+          <p:nvPr/>
+        </p:nvCxnSpPr>
+        <p:spPr>
+          <a:xfrm rot="10800000" flipV="1">
+            <a:off x="7763072" y="8757144"/>
+            <a:ext cx="9506546" cy="1924159"/>
+          </a:xfrm>
+          <a:prstGeom prst="bentConnector3">
+            <a:avLst>
+              <a:gd name="adj1" fmla="val -17"/>
+            </a:avLst>
+          </a:prstGeom>
+          <a:ln w="38100">
+            <a:headEnd type="none" w="med" len="med"/>
+            <a:tailEnd type="none" w="med" len="med"/>
+          </a:ln>
+        </p:spPr>
+        <p:style>
+          <a:lnRef idx="1">
+            <a:schemeClr val="accent1"/>
+          </a:lnRef>
+          <a:fillRef idx="0">
+            <a:schemeClr val="accent1"/>
+          </a:fillRef>
+          <a:effectRef idx="0">
+            <a:schemeClr val="accent1"/>
+          </a:effectRef>
+          <a:fontRef idx="minor">
+            <a:schemeClr val="tx1"/>
+          </a:fontRef>
+        </p:style>
+      </p:cxnSp>
+      <p:cxnSp>
+        <p:nvCxnSpPr>
+          <p:cNvPr id="195" name="直接箭头连接符 194">
+            <a:extLst>
+              <a:ext uri="{FF2B5EF4-FFF2-40B4-BE49-F238E27FC236}">
+                <a16:creationId xmlns:a16="http://schemas.microsoft.com/office/drawing/2014/main" id="{ED99EFB2-7605-4190-8B61-EC70D67C0B2B}"/>
+              </a:ext>
+            </a:extLst>
+          </p:cNvPr>
+          <p:cNvCxnSpPr>
+            <a:cxnSpLocks/>
+          </p:cNvCxnSpPr>
+          <p:nvPr/>
+        </p:nvCxnSpPr>
+        <p:spPr>
+          <a:xfrm>
+            <a:off x="7763072" y="10681304"/>
+            <a:ext cx="0" cy="682114"/>
+          </a:xfrm>
+          <a:prstGeom prst="straightConnector1">
+            <a:avLst/>
+          </a:prstGeom>
+          <a:ln w="38100">
+            <a:tailEnd type="triangle"/>
+          </a:ln>
+        </p:spPr>
+        <p:style>
+          <a:lnRef idx="1">
+            <a:schemeClr val="accent1"/>
+          </a:lnRef>
+          <a:fillRef idx="0">
+            <a:schemeClr val="accent1"/>
+          </a:fillRef>
+          <a:effectRef idx="0">
+            <a:schemeClr val="accent1"/>
+          </a:effectRef>
+          <a:fontRef idx="minor">
+            <a:schemeClr val="tx1"/>
+          </a:fontRef>
+        </p:style>
+      </p:cxnSp>
+      <p:sp>
+        <p:nvSpPr>
+          <p:cNvPr id="203" name="文本框 202">
+            <a:extLst>
+              <a:ext uri="{FF2B5EF4-FFF2-40B4-BE49-F238E27FC236}">
+                <a16:creationId xmlns:a16="http://schemas.microsoft.com/office/drawing/2014/main" id="{6FD1C147-11C4-4448-82D8-97436466D85C}"/>
+              </a:ext>
+            </a:extLst>
+          </p:cNvPr>
+          <p:cNvSpPr txBox="1"/>
+          <p:nvPr/>
+        </p:nvSpPr>
+        <p:spPr>
+          <a:xfrm>
+            <a:off x="7775313" y="10100429"/>
+            <a:ext cx="4021712" cy="523220"/>
+          </a:xfrm>
+          <a:prstGeom prst="rect">
+            <a:avLst/>
+          </a:prstGeom>
+          <a:noFill/>
+        </p:spPr>
+        <p:txBody>
+          <a:bodyPr wrap="square" rtlCol="0">
+            <a:spAutoFit/>
+          </a:bodyPr>
+          <a:lstStyle/>
+          <a:p>
+            <a:r>
+              <a:rPr lang="en-US" altLang="zh-CN" sz="2800" dirty="0"/>
+              <a:t>Transcription Factors</a:t>
+            </a:r>
+            <a:endParaRPr lang="zh-CN" altLang="en-US" sz="2800" dirty="0"/>
+          </a:p>
+        </p:txBody>
+      </p:sp>
+      <p:sp>
+        <p:nvSpPr>
+          <p:cNvPr id="205" name="矩形 204">
+            <a:extLst>
+              <a:ext uri="{FF2B5EF4-FFF2-40B4-BE49-F238E27FC236}">
+                <a16:creationId xmlns:a16="http://schemas.microsoft.com/office/drawing/2014/main" id="{74CAA25C-2123-4D45-8324-E9FBFD35C198}"/>
+              </a:ext>
+            </a:extLst>
+          </p:cNvPr>
+          <p:cNvSpPr/>
+          <p:nvPr/>
+        </p:nvSpPr>
+        <p:spPr>
+          <a:xfrm>
+            <a:off x="18213301" y="11093879"/>
+            <a:ext cx="2718558" cy="522282"/>
+          </a:xfrm>
+          <a:prstGeom prst="rect">
+            <a:avLst/>
+          </a:prstGeom>
+          <a:solidFill>
+            <a:schemeClr val="accent5">
+              <a:lumMod val="75000"/>
+            </a:schemeClr>
+          </a:solidFill>
+          <a:ln>
+            <a:noFill/>
+          </a:ln>
+        </p:spPr>
+        <p:style>
+          <a:lnRef idx="2">
+            <a:schemeClr val="accent1">
+              <a:shade val="50000"/>
+            </a:schemeClr>
+          </a:lnRef>
+          <a:fillRef idx="1">
+            <a:schemeClr val="accent1"/>
+          </a:fillRef>
+          <a:effectRef idx="0">
+            <a:schemeClr val="accent1"/>
+          </a:effectRef>
+          <a:fontRef idx="minor">
+            <a:schemeClr val="lt1"/>
+          </a:fontRef>
+        </p:style>
+        <p:txBody>
+          <a:bodyPr rtlCol="0" anchor="ctr"/>
+          <a:lstStyle/>
+          <a:p>
+            <a:pPr algn="ctr"/>
+            <a:r>
+              <a:rPr lang="en-US" altLang="zh-CN" sz="3300" b="1" dirty="0"/>
+              <a:t>Smad2-P</a:t>
+            </a:r>
+            <a:endParaRPr lang="zh-CN" altLang="en-US" sz="3300" b="1" dirty="0"/>
+          </a:p>
+        </p:txBody>
+      </p:sp>
+      <p:cxnSp>
+        <p:nvCxnSpPr>
+          <p:cNvPr id="206" name="直接箭头连接符 205">
+            <a:extLst>
+              <a:ext uri="{FF2B5EF4-FFF2-40B4-BE49-F238E27FC236}">
+                <a16:creationId xmlns:a16="http://schemas.microsoft.com/office/drawing/2014/main" id="{5075A9FA-0B10-4602-B462-DE5C76EB9E3D}"/>
+              </a:ext>
+            </a:extLst>
+          </p:cNvPr>
+          <p:cNvCxnSpPr>
+            <a:cxnSpLocks/>
+            <a:stCxn id="190" idx="3"/>
+            <a:endCxn id="205" idx="1"/>
+          </p:cNvCxnSpPr>
+          <p:nvPr/>
+        </p:nvCxnSpPr>
+        <p:spPr>
+          <a:xfrm>
+            <a:off x="16108966" y="11355019"/>
+            <a:ext cx="2104339" cy="0"/>
+          </a:xfrm>
+          <a:prstGeom prst="straightConnector1">
+            <a:avLst/>
+          </a:prstGeom>
+          <a:ln w="38100">
+            <a:prstDash val="solid"/>
+            <a:tailEnd type="triangle"/>
+          </a:ln>
+        </p:spPr>
+        <p:style>
+          <a:lnRef idx="1">
+            <a:schemeClr val="accent1"/>
+          </a:lnRef>
+          <a:fillRef idx="0">
+            <a:schemeClr val="accent1"/>
+          </a:fillRef>
+          <a:effectRef idx="0">
+            <a:schemeClr val="accent1"/>
+          </a:effectRef>
+          <a:fontRef idx="minor">
+            <a:schemeClr val="tx1"/>
+          </a:fontRef>
+        </p:style>
+      </p:cxnSp>
+      <p:cxnSp>
+        <p:nvCxnSpPr>
+          <p:cNvPr id="210" name="连接符: 肘形 209">
+            <a:extLst>
+              <a:ext uri="{FF2B5EF4-FFF2-40B4-BE49-F238E27FC236}">
+                <a16:creationId xmlns:a16="http://schemas.microsoft.com/office/drawing/2014/main" id="{94778274-C8EA-4147-B4C0-9999ABB345CE}"/>
+              </a:ext>
+            </a:extLst>
+          </p:cNvPr>
+          <p:cNvCxnSpPr>
+            <a:cxnSpLocks/>
+            <a:stCxn id="105" idx="2"/>
+          </p:cNvCxnSpPr>
+          <p:nvPr/>
+        </p:nvCxnSpPr>
+        <p:spPr>
+          <a:xfrm rot="5400000">
+            <a:off x="15150148" y="7023203"/>
+            <a:ext cx="6387132" cy="1611190"/>
+          </a:xfrm>
+          <a:prstGeom prst="bentConnector3">
+            <a:avLst>
+              <a:gd name="adj1" fmla="val 93903"/>
+            </a:avLst>
+          </a:prstGeom>
+          <a:ln w="38100">
+            <a:headEnd type="none" w="med" len="med"/>
+            <a:tailEnd type="none" w="med" len="med"/>
+          </a:ln>
+        </p:spPr>
+        <p:style>
+          <a:lnRef idx="1">
+            <a:schemeClr val="accent1"/>
+          </a:lnRef>
+          <a:fillRef idx="0">
+            <a:schemeClr val="accent1"/>
+          </a:fillRef>
+          <a:effectRef idx="0">
+            <a:schemeClr val="accent1"/>
+          </a:effectRef>
+          <a:fontRef idx="minor">
+            <a:schemeClr val="tx1"/>
+          </a:fontRef>
+        </p:style>
+      </p:cxnSp>
+      <p:cxnSp>
+        <p:nvCxnSpPr>
+          <p:cNvPr id="218" name="直接箭头连接符 217">
+            <a:extLst>
+              <a:ext uri="{FF2B5EF4-FFF2-40B4-BE49-F238E27FC236}">
+                <a16:creationId xmlns:a16="http://schemas.microsoft.com/office/drawing/2014/main" id="{7278749B-AD07-4DB0-BC4D-E014FF47FF97}"/>
+              </a:ext>
+            </a:extLst>
+          </p:cNvPr>
+          <p:cNvCxnSpPr>
+            <a:cxnSpLocks/>
+          </p:cNvCxnSpPr>
+          <p:nvPr/>
+        </p:nvCxnSpPr>
+        <p:spPr>
+          <a:xfrm>
+            <a:off x="17535383" y="10933165"/>
+            <a:ext cx="0" cy="434555"/>
+          </a:xfrm>
+          <a:prstGeom prst="straightConnector1">
+            <a:avLst/>
+          </a:prstGeom>
+          <a:ln w="38100">
+            <a:tailEnd type="triangle"/>
+          </a:ln>
+        </p:spPr>
+        <p:style>
+          <a:lnRef idx="1">
+            <a:schemeClr val="accent1"/>
+          </a:lnRef>
+          <a:fillRef idx="0">
+            <a:schemeClr val="accent1"/>
+          </a:fillRef>
+          <a:effectRef idx="0">
+            <a:schemeClr val="accent1"/>
+          </a:effectRef>
+          <a:fontRef idx="minor">
+            <a:schemeClr val="tx1"/>
+          </a:fontRef>
+        </p:style>
+      </p:cxnSp>
+      <p:sp>
+        <p:nvSpPr>
+          <p:cNvPr id="224" name="文本框 223">
+            <a:extLst>
+              <a:ext uri="{FF2B5EF4-FFF2-40B4-BE49-F238E27FC236}">
+                <a16:creationId xmlns:a16="http://schemas.microsoft.com/office/drawing/2014/main" id="{5FA76C90-0912-4252-8906-E1696E13E1F5}"/>
+              </a:ext>
+            </a:extLst>
+          </p:cNvPr>
+          <p:cNvSpPr txBox="1"/>
+          <p:nvPr/>
+        </p:nvSpPr>
+        <p:spPr>
+          <a:xfrm>
+            <a:off x="17746740" y="10090111"/>
+            <a:ext cx="2343290" cy="523220"/>
+          </a:xfrm>
+          <a:prstGeom prst="rect">
+            <a:avLst/>
+          </a:prstGeom>
+          <a:noFill/>
+        </p:spPr>
+        <p:txBody>
+          <a:bodyPr wrap="square" rtlCol="0">
+            <a:spAutoFit/>
+          </a:bodyPr>
+          <a:lstStyle/>
+          <a:p>
+            <a:r>
+              <a:rPr lang="en-US" altLang="zh-CN" sz="2800" dirty="0"/>
+              <a:t>Enzyme</a:t>
+            </a:r>
+            <a:endParaRPr lang="zh-CN" altLang="en-US" sz="2800" dirty="0"/>
+          </a:p>
+        </p:txBody>
+      </p:sp>
+      <p:sp>
+        <p:nvSpPr>
+          <p:cNvPr id="226" name="矩形 225">
+            <a:extLst>
+              <a:ext uri="{FF2B5EF4-FFF2-40B4-BE49-F238E27FC236}">
+                <a16:creationId xmlns:a16="http://schemas.microsoft.com/office/drawing/2014/main" id="{30379506-5DE4-4059-AD86-60C068A9B523}"/>
+              </a:ext>
+            </a:extLst>
+          </p:cNvPr>
+          <p:cNvSpPr/>
+          <p:nvPr/>
+        </p:nvSpPr>
+        <p:spPr>
+          <a:xfrm>
+            <a:off x="3182415" y="12689417"/>
+            <a:ext cx="3369620" cy="522282"/>
+          </a:xfrm>
+          <a:prstGeom prst="rect">
+            <a:avLst/>
+          </a:prstGeom>
+          <a:solidFill>
+            <a:schemeClr val="bg1">
+              <a:lumMod val="95000"/>
+            </a:schemeClr>
+          </a:solidFill>
+          <a:ln w="9525" cap="flat" cmpd="sng" algn="ctr">
+            <a:noFill/>
+            <a:prstDash val="solid"/>
+            <a:round/>
+            <a:headEnd type="none" w="med" len="med"/>
+            <a:tailEnd type="none" w="med" len="med"/>
+          </a:ln>
+        </p:spPr>
+        <p:style>
+          <a:lnRef idx="0">
+            <a:scrgbClr r="0" g="0" b="0"/>
+          </a:lnRef>
+          <a:fillRef idx="0">
+            <a:scrgbClr r="0" g="0" b="0"/>
+          </a:fillRef>
+          <a:effectRef idx="0">
+            <a:scrgbClr r="0" g="0" b="0"/>
+          </a:effectRef>
+          <a:fontRef idx="minor">
+            <a:schemeClr val="accent3"/>
+          </a:fontRef>
+        </p:style>
+        <p:txBody>
+          <a:bodyPr rtlCol="0" anchor="ctr"/>
+          <a:lstStyle/>
+          <a:p>
+            <a:pPr algn="ctr"/>
+            <a:r>
+              <a:rPr lang="en-US" altLang="zh-CN" sz="3300" dirty="0">
+                <a:solidFill>
+                  <a:schemeClr val="tx1"/>
+                </a:solidFill>
+              </a:rPr>
+              <a:t>gAI-2</a:t>
+            </a:r>
+            <a:endParaRPr lang="zh-CN" altLang="en-US" sz="3300" dirty="0">
+              <a:solidFill>
+                <a:schemeClr val="tx1"/>
+              </a:solidFill>
+            </a:endParaRPr>
+          </a:p>
+        </p:txBody>
+      </p:sp>
+      <p:sp>
+        <p:nvSpPr>
+          <p:cNvPr id="227" name="矩形 226">
+            <a:extLst>
+              <a:ext uri="{FF2B5EF4-FFF2-40B4-BE49-F238E27FC236}">
+                <a16:creationId xmlns:a16="http://schemas.microsoft.com/office/drawing/2014/main" id="{834BDC48-5CF4-443A-9445-CD41F04CB785}"/>
+              </a:ext>
+            </a:extLst>
+          </p:cNvPr>
+          <p:cNvSpPr/>
+          <p:nvPr/>
+        </p:nvSpPr>
+        <p:spPr>
+          <a:xfrm>
+            <a:off x="8700238" y="12681009"/>
+            <a:ext cx="2682877" cy="522282"/>
+          </a:xfrm>
+          <a:prstGeom prst="rect">
+            <a:avLst/>
+          </a:prstGeom>
+          <a:solidFill>
+            <a:schemeClr val="accent5">
+              <a:lumMod val="60000"/>
+              <a:lumOff val="40000"/>
+            </a:schemeClr>
+          </a:solidFill>
+          <a:ln>
+            <a:noFill/>
+          </a:ln>
+        </p:spPr>
+        <p:style>
+          <a:lnRef idx="2">
+            <a:schemeClr val="accent1">
+              <a:shade val="50000"/>
+            </a:schemeClr>
+          </a:lnRef>
+          <a:fillRef idx="1">
+            <a:schemeClr val="accent1"/>
+          </a:fillRef>
+          <a:effectRef idx="0">
+            <a:schemeClr val="accent1"/>
+          </a:effectRef>
+          <a:fontRef idx="minor">
+            <a:schemeClr val="lt1"/>
+          </a:fontRef>
+        </p:style>
+        <p:txBody>
+          <a:bodyPr rtlCol="0" anchor="ctr"/>
+          <a:lstStyle/>
+          <a:p>
+            <a:pPr algn="ctr"/>
+            <a:r>
+              <a:rPr lang="en-US" altLang="zh-CN" sz="3300" dirty="0"/>
+              <a:t>mAI-2</a:t>
+            </a:r>
+            <a:endParaRPr lang="zh-CN" altLang="en-US" sz="3300" dirty="0"/>
+          </a:p>
+        </p:txBody>
+      </p:sp>
+      <p:sp>
+        <p:nvSpPr>
+          <p:cNvPr id="228" name="矩形 227">
+            <a:extLst>
+              <a:ext uri="{FF2B5EF4-FFF2-40B4-BE49-F238E27FC236}">
+                <a16:creationId xmlns:a16="http://schemas.microsoft.com/office/drawing/2014/main" id="{9F4EFFC3-6BFB-4AC7-BF3A-10C9CC10F2BF}"/>
+              </a:ext>
+            </a:extLst>
+          </p:cNvPr>
+          <p:cNvSpPr/>
+          <p:nvPr/>
+        </p:nvSpPr>
+        <p:spPr>
+          <a:xfrm>
+            <a:off x="13378916" y="12681009"/>
+            <a:ext cx="2718558" cy="522282"/>
+          </a:xfrm>
+          <a:prstGeom prst="rect">
+            <a:avLst/>
+          </a:prstGeom>
+          <a:solidFill>
+            <a:schemeClr val="accent5">
+              <a:lumMod val="75000"/>
+            </a:schemeClr>
+          </a:solidFill>
+          <a:ln>
+            <a:noFill/>
+          </a:ln>
+        </p:spPr>
+        <p:style>
+          <a:lnRef idx="2">
+            <a:schemeClr val="accent1">
+              <a:shade val="50000"/>
+            </a:schemeClr>
+          </a:lnRef>
+          <a:fillRef idx="1">
+            <a:schemeClr val="accent1"/>
+          </a:fillRef>
+          <a:effectRef idx="0">
+            <a:schemeClr val="accent1"/>
+          </a:effectRef>
+          <a:fontRef idx="minor">
+            <a:schemeClr val="lt1"/>
+          </a:fontRef>
+        </p:style>
+        <p:txBody>
+          <a:bodyPr rtlCol="0" anchor="ctr"/>
+          <a:lstStyle/>
+          <a:p>
+            <a:pPr algn="ctr"/>
+            <a:r>
+              <a:rPr lang="en-US" altLang="zh-CN" sz="3300" b="1" dirty="0"/>
+              <a:t>AI-2</a:t>
+            </a:r>
+            <a:endParaRPr lang="zh-CN" altLang="en-US" sz="3300" b="1" dirty="0"/>
+          </a:p>
+        </p:txBody>
+      </p:sp>
+      <p:cxnSp>
+        <p:nvCxnSpPr>
+          <p:cNvPr id="229" name="连接符: 肘形 228">
+            <a:extLst>
+              <a:ext uri="{FF2B5EF4-FFF2-40B4-BE49-F238E27FC236}">
+                <a16:creationId xmlns:a16="http://schemas.microsoft.com/office/drawing/2014/main" id="{4F2AD7B3-D0E3-42D5-94B8-D5792B1A0094}"/>
+              </a:ext>
+            </a:extLst>
+          </p:cNvPr>
+          <p:cNvCxnSpPr>
+            <a:cxnSpLocks/>
+            <a:stCxn id="226" idx="3"/>
+            <a:endCxn id="227" idx="1"/>
+          </p:cNvCxnSpPr>
+          <p:nvPr/>
+        </p:nvCxnSpPr>
+        <p:spPr>
+          <a:xfrm flipV="1">
+            <a:off x="6552037" y="12942149"/>
+            <a:ext cx="2148203" cy="8410"/>
+          </a:xfrm>
+          <a:prstGeom prst="bentConnector3">
+            <a:avLst>
+              <a:gd name="adj1" fmla="val 50000"/>
+            </a:avLst>
+          </a:prstGeom>
+          <a:ln w="38100">
+            <a:prstDash val="lgDash"/>
+            <a:tailEnd type="triangle" w="lg" len="lg"/>
+          </a:ln>
+        </p:spPr>
+        <p:style>
+          <a:lnRef idx="3">
+            <a:schemeClr val="accent3"/>
+          </a:lnRef>
+          <a:fillRef idx="0">
+            <a:schemeClr val="accent3"/>
+          </a:fillRef>
+          <a:effectRef idx="2">
+            <a:schemeClr val="accent3"/>
+          </a:effectRef>
+          <a:fontRef idx="minor">
+            <a:schemeClr val="tx1"/>
+          </a:fontRef>
+        </p:style>
+      </p:cxnSp>
+      <p:cxnSp>
+        <p:nvCxnSpPr>
+          <p:cNvPr id="230" name="连接符: 肘形 229">
+            <a:extLst>
+              <a:ext uri="{FF2B5EF4-FFF2-40B4-BE49-F238E27FC236}">
+                <a16:creationId xmlns:a16="http://schemas.microsoft.com/office/drawing/2014/main" id="{D0F04D37-A7F1-48A6-8538-2D3CFC9D4E42}"/>
+              </a:ext>
+            </a:extLst>
+          </p:cNvPr>
+          <p:cNvCxnSpPr>
+            <a:cxnSpLocks/>
+            <a:stCxn id="227" idx="3"/>
+            <a:endCxn id="228" idx="1"/>
+          </p:cNvCxnSpPr>
+          <p:nvPr/>
+        </p:nvCxnSpPr>
+        <p:spPr>
+          <a:xfrm>
+            <a:off x="11383117" y="12942149"/>
+            <a:ext cx="1995803" cy="12700"/>
+          </a:xfrm>
+          <a:prstGeom prst="bentConnector3">
+            <a:avLst>
+              <a:gd name="adj1" fmla="val 50000"/>
+            </a:avLst>
+          </a:prstGeom>
+          <a:ln w="38100">
+            <a:solidFill>
+              <a:schemeClr val="accent2">
+                <a:lumMod val="75000"/>
+              </a:schemeClr>
+            </a:solidFill>
+            <a:prstDash val="lgDash"/>
+            <a:tailEnd type="triangle" w="lg" len="lg"/>
+          </a:ln>
+        </p:spPr>
+        <p:style>
+          <a:lnRef idx="3">
+            <a:schemeClr val="accent3"/>
+          </a:lnRef>
+          <a:fillRef idx="0">
+            <a:schemeClr val="accent3"/>
+          </a:fillRef>
+          <a:effectRef idx="2">
+            <a:schemeClr val="accent3"/>
+          </a:effectRef>
+          <a:fontRef idx="minor">
+            <a:schemeClr val="tx1"/>
+          </a:fontRef>
+        </p:style>
+      </p:cxnSp>
+      <p:cxnSp>
+        <p:nvCxnSpPr>
+          <p:cNvPr id="232" name="连接符: 肘形 231">
+            <a:extLst>
+              <a:ext uri="{FF2B5EF4-FFF2-40B4-BE49-F238E27FC236}">
+                <a16:creationId xmlns:a16="http://schemas.microsoft.com/office/drawing/2014/main" id="{0B1359D3-087A-4933-9E38-8C139B0DB7F5}"/>
+              </a:ext>
+            </a:extLst>
+          </p:cNvPr>
+          <p:cNvCxnSpPr>
+            <a:cxnSpLocks/>
+            <a:stCxn id="205" idx="2"/>
+          </p:cNvCxnSpPr>
+          <p:nvPr/>
+        </p:nvCxnSpPr>
+        <p:spPr>
+          <a:xfrm rot="5400000">
+            <a:off x="13617879" y="6089596"/>
+            <a:ext cx="756386" cy="11809510"/>
+          </a:xfrm>
+          <a:prstGeom prst="bentConnector2">
+            <a:avLst/>
+          </a:prstGeom>
+          <a:ln w="38100">
+            <a:headEnd type="none" w="med" len="med"/>
+            <a:tailEnd type="none" w="med" len="med"/>
+          </a:ln>
+        </p:spPr>
+        <p:style>
+          <a:lnRef idx="1">
+            <a:schemeClr val="accent1"/>
+          </a:lnRef>
+          <a:fillRef idx="0">
+            <a:schemeClr val="accent1"/>
+          </a:fillRef>
+          <a:effectRef idx="0">
+            <a:schemeClr val="accent1"/>
+          </a:effectRef>
+          <a:fontRef idx="minor">
+            <a:schemeClr val="tx1"/>
+          </a:fontRef>
+        </p:style>
+      </p:cxnSp>
+      <p:cxnSp>
+        <p:nvCxnSpPr>
+          <p:cNvPr id="233" name="直接箭头连接符 232">
+            <a:extLst>
+              <a:ext uri="{FF2B5EF4-FFF2-40B4-BE49-F238E27FC236}">
+                <a16:creationId xmlns:a16="http://schemas.microsoft.com/office/drawing/2014/main" id="{077EAA3E-54F3-42E7-BFC4-43FE0B3E36CF}"/>
+              </a:ext>
+            </a:extLst>
+          </p:cNvPr>
+          <p:cNvCxnSpPr>
+            <a:cxnSpLocks/>
+          </p:cNvCxnSpPr>
+          <p:nvPr/>
+        </p:nvCxnSpPr>
+        <p:spPr>
+          <a:xfrm flipH="1">
+            <a:off x="8089093" y="12373511"/>
+            <a:ext cx="20356" cy="576024"/>
+          </a:xfrm>
+          <a:prstGeom prst="straightConnector1">
+            <a:avLst/>
+          </a:prstGeom>
+          <a:ln w="38100">
+            <a:tailEnd type="triangle"/>
+          </a:ln>
+        </p:spPr>
+        <p:style>
+          <a:lnRef idx="1">
+            <a:schemeClr val="accent1"/>
+          </a:lnRef>
+          <a:fillRef idx="0">
+            <a:schemeClr val="accent1"/>
+          </a:fillRef>
+          <a:effectRef idx="0">
+            <a:schemeClr val="accent1"/>
+          </a:effectRef>
+          <a:fontRef idx="minor">
+            <a:schemeClr val="tx1"/>
+          </a:fontRef>
+        </p:style>
+      </p:cxnSp>
+      <p:sp>
+        <p:nvSpPr>
+          <p:cNvPr id="237" name="文本框 236">
+            <a:extLst>
+              <a:ext uri="{FF2B5EF4-FFF2-40B4-BE49-F238E27FC236}">
+                <a16:creationId xmlns:a16="http://schemas.microsoft.com/office/drawing/2014/main" id="{CEDE1C2C-9A89-4334-8A5F-0E8D8A933853}"/>
+              </a:ext>
+            </a:extLst>
+          </p:cNvPr>
+          <p:cNvSpPr txBox="1"/>
+          <p:nvPr/>
+        </p:nvSpPr>
+        <p:spPr>
+          <a:xfrm>
+            <a:off x="7775313" y="11791801"/>
+            <a:ext cx="4021712" cy="523220"/>
+          </a:xfrm>
+          <a:prstGeom prst="rect">
+            <a:avLst/>
+          </a:prstGeom>
+          <a:noFill/>
+        </p:spPr>
+        <p:txBody>
+          <a:bodyPr wrap="square" rtlCol="0">
+            <a:spAutoFit/>
+          </a:bodyPr>
+          <a:lstStyle/>
+          <a:p>
+            <a:r>
+              <a:rPr lang="en-US" altLang="zh-CN" sz="2800" dirty="0"/>
+              <a:t>Transcription Factors</a:t>
+            </a:r>
+            <a:endParaRPr lang="zh-CN" altLang="en-US" sz="2800" dirty="0"/>
+          </a:p>
+        </p:txBody>
+      </p:sp>
+      <p:sp>
+        <p:nvSpPr>
+          <p:cNvPr id="239" name="矩形 238">
+            <a:extLst>
+              <a:ext uri="{FF2B5EF4-FFF2-40B4-BE49-F238E27FC236}">
+                <a16:creationId xmlns:a16="http://schemas.microsoft.com/office/drawing/2014/main" id="{7D4A964F-48BF-408E-9D56-8EE247D15A7D}"/>
+              </a:ext>
+            </a:extLst>
+          </p:cNvPr>
+          <p:cNvSpPr/>
+          <p:nvPr/>
+        </p:nvSpPr>
+        <p:spPr>
+          <a:xfrm>
+            <a:off x="3152851" y="14033010"/>
+            <a:ext cx="3369620" cy="522282"/>
+          </a:xfrm>
+          <a:prstGeom prst="rect">
+            <a:avLst/>
+          </a:prstGeom>
+          <a:solidFill>
+            <a:schemeClr val="bg1">
+              <a:lumMod val="95000"/>
+            </a:schemeClr>
+          </a:solidFill>
+          <a:ln w="9525" cap="flat" cmpd="sng" algn="ctr">
+            <a:noFill/>
+            <a:prstDash val="solid"/>
+            <a:round/>
+            <a:headEnd type="none" w="med" len="med"/>
+            <a:tailEnd type="none" w="med" len="med"/>
+          </a:ln>
+        </p:spPr>
+        <p:style>
+          <a:lnRef idx="0">
+            <a:scrgbClr r="0" g="0" b="0"/>
+          </a:lnRef>
+          <a:fillRef idx="0">
+            <a:scrgbClr r="0" g="0" b="0"/>
+          </a:fillRef>
+          <a:effectRef idx="0">
+            <a:scrgbClr r="0" g="0" b="0"/>
+          </a:effectRef>
+          <a:fontRef idx="minor">
+            <a:schemeClr val="accent3"/>
+          </a:fontRef>
+        </p:style>
+        <p:txBody>
+          <a:bodyPr rtlCol="0" anchor="ctr"/>
+          <a:lstStyle/>
+          <a:p>
+            <a:pPr algn="ctr"/>
+            <a:r>
+              <a:rPr lang="en-US" altLang="zh-CN" sz="3300" dirty="0" err="1">
+                <a:solidFill>
+                  <a:schemeClr val="tx1"/>
+                </a:solidFill>
+              </a:rPr>
+              <a:t>gCqs</a:t>
+            </a:r>
+            <a:r>
+              <a:rPr lang="en-US" altLang="zh-CN" sz="3300" dirty="0">
+                <a:solidFill>
+                  <a:schemeClr val="tx1"/>
+                </a:solidFill>
+              </a:rPr>
+              <a:t>-S</a:t>
+            </a:r>
+            <a:endParaRPr lang="zh-CN" altLang="en-US" sz="3300" dirty="0">
+              <a:solidFill>
+                <a:schemeClr val="tx1"/>
+              </a:solidFill>
+            </a:endParaRPr>
+          </a:p>
+        </p:txBody>
+      </p:sp>
+      <p:sp>
+        <p:nvSpPr>
+          <p:cNvPr id="240" name="矩形 239">
+            <a:extLst>
+              <a:ext uri="{FF2B5EF4-FFF2-40B4-BE49-F238E27FC236}">
+                <a16:creationId xmlns:a16="http://schemas.microsoft.com/office/drawing/2014/main" id="{F410F4D5-424A-49CA-9B33-5681A9017E50}"/>
+              </a:ext>
+            </a:extLst>
+          </p:cNvPr>
+          <p:cNvSpPr/>
+          <p:nvPr/>
+        </p:nvSpPr>
+        <p:spPr>
+          <a:xfrm>
+            <a:off x="8670677" y="14024599"/>
+            <a:ext cx="2682877" cy="522282"/>
+          </a:xfrm>
+          <a:prstGeom prst="rect">
+            <a:avLst/>
+          </a:prstGeom>
+          <a:solidFill>
+            <a:schemeClr val="accent5">
+              <a:lumMod val="60000"/>
+              <a:lumOff val="40000"/>
+            </a:schemeClr>
+          </a:solidFill>
+          <a:ln>
+            <a:noFill/>
+          </a:ln>
+        </p:spPr>
+        <p:style>
+          <a:lnRef idx="2">
+            <a:schemeClr val="accent1">
+              <a:shade val="50000"/>
+            </a:schemeClr>
+          </a:lnRef>
+          <a:fillRef idx="1">
+            <a:schemeClr val="accent1"/>
+          </a:fillRef>
+          <a:effectRef idx="0">
+            <a:schemeClr val="accent1"/>
+          </a:effectRef>
+          <a:fontRef idx="minor">
+            <a:schemeClr val="lt1"/>
+          </a:fontRef>
+        </p:style>
+        <p:txBody>
+          <a:bodyPr rtlCol="0" anchor="ctr"/>
+          <a:lstStyle/>
+          <a:p>
+            <a:pPr algn="ctr"/>
+            <a:r>
+              <a:rPr lang="en-US" altLang="zh-CN" sz="3300" dirty="0" err="1"/>
+              <a:t>mCqs</a:t>
+            </a:r>
+            <a:r>
+              <a:rPr lang="en-US" altLang="zh-CN" sz="3300" dirty="0"/>
+              <a:t>-S</a:t>
+            </a:r>
+            <a:endParaRPr lang="zh-CN" altLang="en-US" sz="3300" dirty="0"/>
+          </a:p>
+        </p:txBody>
+      </p:sp>
+      <p:sp>
+        <p:nvSpPr>
+          <p:cNvPr id="241" name="矩形 240">
+            <a:extLst>
+              <a:ext uri="{FF2B5EF4-FFF2-40B4-BE49-F238E27FC236}">
+                <a16:creationId xmlns:a16="http://schemas.microsoft.com/office/drawing/2014/main" id="{03AF3664-CC1A-4079-ABCB-4A3A7068B7B7}"/>
+              </a:ext>
+            </a:extLst>
+          </p:cNvPr>
+          <p:cNvSpPr/>
+          <p:nvPr/>
+        </p:nvSpPr>
+        <p:spPr>
+          <a:xfrm>
+            <a:off x="13349352" y="14024599"/>
+            <a:ext cx="2718558" cy="522282"/>
+          </a:xfrm>
+          <a:prstGeom prst="rect">
+            <a:avLst/>
+          </a:prstGeom>
+          <a:solidFill>
+            <a:schemeClr val="accent5">
+              <a:lumMod val="75000"/>
+            </a:schemeClr>
+          </a:solidFill>
+          <a:ln>
+            <a:noFill/>
+          </a:ln>
+        </p:spPr>
+        <p:style>
+          <a:lnRef idx="2">
+            <a:schemeClr val="accent1">
+              <a:shade val="50000"/>
+            </a:schemeClr>
+          </a:lnRef>
+          <a:fillRef idx="1">
+            <a:schemeClr val="accent1"/>
+          </a:fillRef>
+          <a:effectRef idx="0">
+            <a:schemeClr val="accent1"/>
+          </a:effectRef>
+          <a:fontRef idx="minor">
+            <a:schemeClr val="lt1"/>
+          </a:fontRef>
+        </p:style>
+        <p:txBody>
+          <a:bodyPr rtlCol="0" anchor="ctr"/>
+          <a:lstStyle/>
+          <a:p>
+            <a:pPr algn="ctr"/>
+            <a:r>
+              <a:rPr lang="en-US" altLang="zh-CN" sz="3300" b="1" dirty="0" err="1"/>
+              <a:t>Cqs</a:t>
+            </a:r>
+            <a:r>
+              <a:rPr lang="en-US" altLang="zh-CN" sz="3300" b="1" dirty="0"/>
+              <a:t>-S</a:t>
+            </a:r>
+            <a:endParaRPr lang="zh-CN" altLang="en-US" sz="3300" b="1" dirty="0"/>
+          </a:p>
+        </p:txBody>
+      </p:sp>
+      <p:cxnSp>
+        <p:nvCxnSpPr>
+          <p:cNvPr id="242" name="连接符: 肘形 241">
+            <a:extLst>
+              <a:ext uri="{FF2B5EF4-FFF2-40B4-BE49-F238E27FC236}">
+                <a16:creationId xmlns:a16="http://schemas.microsoft.com/office/drawing/2014/main" id="{5DE675E8-5D51-4953-9044-33EAC8622B6B}"/>
+              </a:ext>
+            </a:extLst>
+          </p:cNvPr>
+          <p:cNvCxnSpPr>
+            <a:cxnSpLocks/>
+            <a:stCxn id="239" idx="3"/>
+            <a:endCxn id="240" idx="1"/>
+          </p:cNvCxnSpPr>
+          <p:nvPr/>
+        </p:nvCxnSpPr>
+        <p:spPr>
+          <a:xfrm flipV="1">
+            <a:off x="6522475" y="14285739"/>
+            <a:ext cx="2148203" cy="8410"/>
+          </a:xfrm>
+          <a:prstGeom prst="bentConnector3">
+            <a:avLst>
+              <a:gd name="adj1" fmla="val 50000"/>
+            </a:avLst>
+          </a:prstGeom>
+          <a:ln w="38100">
+            <a:prstDash val="lgDash"/>
+            <a:tailEnd type="triangle" w="lg" len="lg"/>
+          </a:ln>
+        </p:spPr>
+        <p:style>
+          <a:lnRef idx="3">
+            <a:schemeClr val="accent3"/>
+          </a:lnRef>
+          <a:fillRef idx="0">
+            <a:schemeClr val="accent3"/>
+          </a:fillRef>
+          <a:effectRef idx="2">
+            <a:schemeClr val="accent3"/>
+          </a:effectRef>
+          <a:fontRef idx="minor">
+            <a:schemeClr val="tx1"/>
+          </a:fontRef>
+        </p:style>
+      </p:cxnSp>
+      <p:cxnSp>
+        <p:nvCxnSpPr>
+          <p:cNvPr id="243" name="连接符: 肘形 242">
+            <a:extLst>
+              <a:ext uri="{FF2B5EF4-FFF2-40B4-BE49-F238E27FC236}">
+                <a16:creationId xmlns:a16="http://schemas.microsoft.com/office/drawing/2014/main" id="{2D04C1FD-1AFE-41E4-9AB4-8CB45A2529D9}"/>
+              </a:ext>
+            </a:extLst>
+          </p:cNvPr>
+          <p:cNvCxnSpPr>
+            <a:cxnSpLocks/>
+            <a:stCxn id="240" idx="3"/>
+            <a:endCxn id="241" idx="1"/>
+          </p:cNvCxnSpPr>
+          <p:nvPr/>
+        </p:nvCxnSpPr>
+        <p:spPr>
+          <a:xfrm>
+            <a:off x="11353555" y="14285739"/>
+            <a:ext cx="1995803" cy="12700"/>
+          </a:xfrm>
+          <a:prstGeom prst="bentConnector3">
+            <a:avLst>
+              <a:gd name="adj1" fmla="val 50000"/>
+            </a:avLst>
+          </a:prstGeom>
+          <a:ln w="38100">
+            <a:solidFill>
+              <a:schemeClr val="accent2">
+                <a:lumMod val="75000"/>
+              </a:schemeClr>
+            </a:solidFill>
+            <a:prstDash val="lgDash"/>
+            <a:tailEnd type="triangle" w="lg" len="lg"/>
+          </a:ln>
+        </p:spPr>
+        <p:style>
+          <a:lnRef idx="3">
+            <a:schemeClr val="accent3"/>
+          </a:lnRef>
+          <a:fillRef idx="0">
+            <a:schemeClr val="accent3"/>
+          </a:fillRef>
+          <a:effectRef idx="2">
+            <a:schemeClr val="accent3"/>
+          </a:effectRef>
+          <a:fontRef idx="minor">
+            <a:schemeClr val="tx1"/>
+          </a:fontRef>
+        </p:style>
+      </p:cxnSp>
+      <p:sp>
+        <p:nvSpPr>
+          <p:cNvPr id="244" name="右大括号 243">
+            <a:extLst>
+              <a:ext uri="{FF2B5EF4-FFF2-40B4-BE49-F238E27FC236}">
+                <a16:creationId xmlns:a16="http://schemas.microsoft.com/office/drawing/2014/main" id="{0D531549-4768-48EA-A803-0A7265C82591}"/>
+              </a:ext>
+            </a:extLst>
+          </p:cNvPr>
+          <p:cNvSpPr/>
+          <p:nvPr/>
+        </p:nvSpPr>
+        <p:spPr>
+          <a:xfrm>
+            <a:off x="16153713" y="12800091"/>
+            <a:ext cx="396240" cy="1568109"/>
+          </a:xfrm>
+          <a:prstGeom prst="rightBrace">
+            <a:avLst>
+              <a:gd name="adj1" fmla="val 58990"/>
+              <a:gd name="adj2" fmla="val 52938"/>
+            </a:avLst>
+          </a:prstGeom>
+          <a:ln w="38100"/>
+        </p:spPr>
+        <p:style>
+          <a:lnRef idx="3">
+            <a:schemeClr val="accent1"/>
+          </a:lnRef>
+          <a:fillRef idx="0">
+            <a:schemeClr val="accent1"/>
+          </a:fillRef>
+          <a:effectRef idx="2">
+            <a:schemeClr val="accent1"/>
+          </a:effectRef>
+          <a:fontRef idx="minor">
+            <a:schemeClr val="tx1"/>
+          </a:fontRef>
+        </p:style>
+        <p:txBody>
+          <a:bodyPr rot="0" spcFirstLastPara="0" vertOverflow="overflow" horzOverflow="overflow" vert="horz" wrap="square" lIns="91440" tIns="45719" rIns="91440" bIns="45719" numCol="1" spcCol="0" rtlCol="0" fromWordArt="0" anchor="ctr" anchorCtr="0" forceAA="0" compatLnSpc="1">
+            <a:prstTxWarp prst="textNoShape">
+              <a:avLst/>
+            </a:prstTxWarp>
+            <a:noAutofit/>
+          </a:bodyPr>
+          <a:lstStyle/>
+          <a:p>
+            <a:pPr algn="ctr"/>
+            <a:endParaRPr lang="zh-CN" altLang="en-US" b="1" dirty="0"/>
+          </a:p>
+        </p:txBody>
+      </p:sp>
+      <p:cxnSp>
+        <p:nvCxnSpPr>
+          <p:cNvPr id="245" name="直接箭头连接符 244">
+            <a:extLst>
+              <a:ext uri="{FF2B5EF4-FFF2-40B4-BE49-F238E27FC236}">
+                <a16:creationId xmlns:a16="http://schemas.microsoft.com/office/drawing/2014/main" id="{7AA5B2BF-E294-4932-933B-A9CE9CA992F8}"/>
+              </a:ext>
+            </a:extLst>
+          </p:cNvPr>
+          <p:cNvCxnSpPr>
+            <a:stCxn id="244" idx="1"/>
+          </p:cNvCxnSpPr>
+          <p:nvPr/>
+        </p:nvCxnSpPr>
+        <p:spPr>
+          <a:xfrm flipV="1">
+            <a:off x="16549952" y="13629862"/>
+            <a:ext cx="2459568" cy="352"/>
+          </a:xfrm>
+          <a:prstGeom prst="straightConnector1">
+            <a:avLst/>
+          </a:prstGeom>
+          <a:ln w="38100">
+            <a:headEnd type="triangle"/>
+            <a:tailEnd type="triangle"/>
+          </a:ln>
+        </p:spPr>
+        <p:style>
+          <a:lnRef idx="1">
+            <a:schemeClr val="accent1"/>
+          </a:lnRef>
+          <a:fillRef idx="0">
+            <a:schemeClr val="accent1"/>
+          </a:fillRef>
+          <a:effectRef idx="0">
+            <a:schemeClr val="accent1"/>
+          </a:effectRef>
+          <a:fontRef idx="minor">
+            <a:schemeClr val="tx1"/>
+          </a:fontRef>
+        </p:style>
+      </p:cxnSp>
+      <p:sp>
+        <p:nvSpPr>
+          <p:cNvPr id="246" name="文本框 245">
+            <a:extLst>
+              <a:ext uri="{FF2B5EF4-FFF2-40B4-BE49-F238E27FC236}">
+                <a16:creationId xmlns:a16="http://schemas.microsoft.com/office/drawing/2014/main" id="{3E37A5F3-B931-42D1-9B97-47D483A56FD3}"/>
+              </a:ext>
+            </a:extLst>
+          </p:cNvPr>
+          <p:cNvSpPr txBox="1"/>
+          <p:nvPr/>
+        </p:nvSpPr>
+        <p:spPr>
+          <a:xfrm>
+            <a:off x="16880417" y="12997394"/>
+            <a:ext cx="2343290" cy="523220"/>
+          </a:xfrm>
+          <a:prstGeom prst="rect">
+            <a:avLst/>
+          </a:prstGeom>
+          <a:noFill/>
+        </p:spPr>
+        <p:txBody>
+          <a:bodyPr wrap="square" rtlCol="0">
+            <a:spAutoFit/>
+          </a:bodyPr>
+          <a:lstStyle/>
+          <a:p>
+            <a:r>
+              <a:rPr lang="en-US" altLang="zh-CN" sz="2800" dirty="0"/>
+              <a:t>Association</a:t>
+            </a:r>
+            <a:endParaRPr lang="zh-CN" altLang="en-US" sz="2800" dirty="0"/>
+          </a:p>
+        </p:txBody>
+      </p:sp>
+      <p:sp>
+        <p:nvSpPr>
+          <p:cNvPr id="247" name="文本框 246">
+            <a:extLst>
+              <a:ext uri="{FF2B5EF4-FFF2-40B4-BE49-F238E27FC236}">
+                <a16:creationId xmlns:a16="http://schemas.microsoft.com/office/drawing/2014/main" id="{1F01C71D-6706-4A37-90EB-E7DA582A12EE}"/>
+              </a:ext>
+            </a:extLst>
+          </p:cNvPr>
+          <p:cNvSpPr txBox="1"/>
+          <p:nvPr/>
+        </p:nvSpPr>
+        <p:spPr>
+          <a:xfrm>
+            <a:off x="16697537" y="13703869"/>
+            <a:ext cx="2343290" cy="523220"/>
+          </a:xfrm>
+          <a:prstGeom prst="rect">
+            <a:avLst/>
+          </a:prstGeom>
+          <a:noFill/>
+        </p:spPr>
+        <p:txBody>
+          <a:bodyPr wrap="square" rtlCol="0">
+            <a:spAutoFit/>
+          </a:bodyPr>
+          <a:lstStyle/>
+          <a:p>
+            <a:r>
+              <a:rPr lang="en-US" altLang="zh-CN" sz="2800" dirty="0"/>
+              <a:t>Disassociation</a:t>
+            </a:r>
+            <a:endParaRPr lang="zh-CN" altLang="en-US" sz="2800" dirty="0"/>
+          </a:p>
+        </p:txBody>
+      </p:sp>
+      <p:sp>
+        <p:nvSpPr>
+          <p:cNvPr id="248" name="矩形: 圆角 247">
+            <a:extLst>
+              <a:ext uri="{FF2B5EF4-FFF2-40B4-BE49-F238E27FC236}">
+                <a16:creationId xmlns:a16="http://schemas.microsoft.com/office/drawing/2014/main" id="{F0CB7CD6-37DF-4DF8-B6F6-175B7229055B}"/>
+              </a:ext>
+            </a:extLst>
+          </p:cNvPr>
+          <p:cNvSpPr/>
+          <p:nvPr/>
+        </p:nvSpPr>
+        <p:spPr>
+          <a:xfrm>
+            <a:off x="19009524" y="13234047"/>
+            <a:ext cx="2877137" cy="756388"/>
+          </a:xfrm>
+          <a:prstGeom prst="roundRect">
+            <a:avLst/>
+          </a:prstGeom>
+          <a:solidFill>
+            <a:srgbClr val="800000"/>
+          </a:solidFill>
+          <a:ln>
+            <a:noFill/>
+          </a:ln>
+        </p:spPr>
+        <p:style>
+          <a:lnRef idx="2">
+            <a:schemeClr val="accent1">
+              <a:shade val="50000"/>
+            </a:schemeClr>
+          </a:lnRef>
+          <a:fillRef idx="1">
+            <a:schemeClr val="accent1"/>
+          </a:fillRef>
+          <a:effectRef idx="0">
+            <a:schemeClr val="accent1"/>
+          </a:effectRef>
+          <a:fontRef idx="minor">
+            <a:schemeClr val="lt1"/>
+          </a:fontRef>
+        </p:style>
+        <p:txBody>
+          <a:bodyPr rtlCol="0" anchor="ctr"/>
+          <a:lstStyle/>
+          <a:p>
+            <a:pPr algn="ctr"/>
+            <a:r>
+              <a:rPr lang="en-US" altLang="zh-CN" sz="3300" b="1" dirty="0"/>
+              <a:t>AI-2/</a:t>
+            </a:r>
+            <a:r>
+              <a:rPr lang="en-US" altLang="zh-CN" sz="3300" b="1" dirty="0" err="1"/>
+              <a:t>Cqs</a:t>
+            </a:r>
+            <a:r>
+              <a:rPr lang="en-US" altLang="zh-CN" sz="3300" b="1" dirty="0"/>
+              <a:t>-S</a:t>
+            </a:r>
+            <a:endParaRPr lang="zh-CN" altLang="en-US" sz="2400" b="1" dirty="0"/>
+          </a:p>
+        </p:txBody>
+      </p:sp>
+      <p:sp>
+        <p:nvSpPr>
+          <p:cNvPr id="249" name="矩形 248">
+            <a:extLst>
+              <a:ext uri="{FF2B5EF4-FFF2-40B4-BE49-F238E27FC236}">
+                <a16:creationId xmlns:a16="http://schemas.microsoft.com/office/drawing/2014/main" id="{F764D050-5EB2-454E-8BFE-1F7F822AA8A5}"/>
+              </a:ext>
+            </a:extLst>
+          </p:cNvPr>
+          <p:cNvSpPr/>
+          <p:nvPr/>
+        </p:nvSpPr>
+        <p:spPr>
+          <a:xfrm>
+            <a:off x="3108103" y="16256891"/>
+            <a:ext cx="3369620" cy="522282"/>
+          </a:xfrm>
+          <a:prstGeom prst="rect">
+            <a:avLst/>
+          </a:prstGeom>
+          <a:solidFill>
+            <a:schemeClr val="bg1">
+              <a:lumMod val="95000"/>
+            </a:schemeClr>
+          </a:solidFill>
+          <a:ln w="9525" cap="flat" cmpd="sng" algn="ctr">
+            <a:noFill/>
+            <a:prstDash val="solid"/>
+            <a:round/>
+            <a:headEnd type="none" w="med" len="med"/>
+            <a:tailEnd type="none" w="med" len="med"/>
+          </a:ln>
+        </p:spPr>
+        <p:style>
+          <a:lnRef idx="0">
+            <a:scrgbClr r="0" g="0" b="0"/>
+          </a:lnRef>
+          <a:fillRef idx="0">
+            <a:scrgbClr r="0" g="0" b="0"/>
+          </a:fillRef>
+          <a:effectRef idx="0">
+            <a:scrgbClr r="0" g="0" b="0"/>
+          </a:effectRef>
+          <a:fontRef idx="minor">
+            <a:schemeClr val="accent3"/>
+          </a:fontRef>
+        </p:style>
+        <p:txBody>
+          <a:bodyPr rtlCol="0" anchor="ctr"/>
+          <a:lstStyle/>
+          <a:p>
+            <a:pPr algn="ctr"/>
+            <a:r>
+              <a:rPr lang="en-US" altLang="zh-CN" sz="3300" dirty="0" err="1">
+                <a:solidFill>
+                  <a:schemeClr val="tx1"/>
+                </a:solidFill>
+              </a:rPr>
+              <a:t>gRhoA</a:t>
+            </a:r>
+            <a:endParaRPr lang="zh-CN" altLang="en-US" sz="3300" dirty="0">
+              <a:solidFill>
+                <a:schemeClr val="tx1"/>
+              </a:solidFill>
+            </a:endParaRPr>
+          </a:p>
+        </p:txBody>
+      </p:sp>
+      <p:sp>
+        <p:nvSpPr>
+          <p:cNvPr id="250" name="矩形 249">
+            <a:extLst>
+              <a:ext uri="{FF2B5EF4-FFF2-40B4-BE49-F238E27FC236}">
+                <a16:creationId xmlns:a16="http://schemas.microsoft.com/office/drawing/2014/main" id="{EA40DF65-42C4-49D6-8E42-114F9DFBD29F}"/>
+              </a:ext>
+            </a:extLst>
+          </p:cNvPr>
+          <p:cNvSpPr/>
+          <p:nvPr/>
+        </p:nvSpPr>
+        <p:spPr>
+          <a:xfrm>
+            <a:off x="8625926" y="16248481"/>
+            <a:ext cx="2682877" cy="522282"/>
+          </a:xfrm>
+          <a:prstGeom prst="rect">
+            <a:avLst/>
+          </a:prstGeom>
+          <a:solidFill>
+            <a:schemeClr val="accent5">
+              <a:lumMod val="60000"/>
+              <a:lumOff val="40000"/>
+            </a:schemeClr>
+          </a:solidFill>
+          <a:ln>
+            <a:noFill/>
+          </a:ln>
+        </p:spPr>
+        <p:style>
+          <a:lnRef idx="2">
+            <a:schemeClr val="accent1">
+              <a:shade val="50000"/>
+            </a:schemeClr>
+          </a:lnRef>
+          <a:fillRef idx="1">
+            <a:schemeClr val="accent1"/>
+          </a:fillRef>
+          <a:effectRef idx="0">
+            <a:schemeClr val="accent1"/>
+          </a:effectRef>
+          <a:fontRef idx="minor">
+            <a:schemeClr val="lt1"/>
+          </a:fontRef>
+        </p:style>
+        <p:txBody>
+          <a:bodyPr rtlCol="0" anchor="ctr"/>
+          <a:lstStyle/>
+          <a:p>
+            <a:pPr algn="ctr"/>
+            <a:r>
+              <a:rPr lang="en-US" altLang="zh-CN" sz="3300" dirty="0" err="1"/>
+              <a:t>mRhoA</a:t>
+            </a:r>
+            <a:endParaRPr lang="zh-CN" altLang="en-US" sz="3300" dirty="0"/>
+          </a:p>
+        </p:txBody>
+      </p:sp>
+      <p:cxnSp>
+        <p:nvCxnSpPr>
+          <p:cNvPr id="252" name="连接符: 肘形 251">
+            <a:extLst>
+              <a:ext uri="{FF2B5EF4-FFF2-40B4-BE49-F238E27FC236}">
+                <a16:creationId xmlns:a16="http://schemas.microsoft.com/office/drawing/2014/main" id="{DCC29870-D207-4D9B-8234-782C34A42ADA}"/>
+              </a:ext>
+            </a:extLst>
+          </p:cNvPr>
+          <p:cNvCxnSpPr>
+            <a:cxnSpLocks/>
+            <a:stCxn id="249" idx="3"/>
+            <a:endCxn id="250" idx="1"/>
+          </p:cNvCxnSpPr>
+          <p:nvPr/>
+        </p:nvCxnSpPr>
+        <p:spPr>
+          <a:xfrm flipV="1">
+            <a:off x="6477725" y="16509622"/>
+            <a:ext cx="2148203" cy="8410"/>
+          </a:xfrm>
+          <a:prstGeom prst="bentConnector3">
+            <a:avLst>
+              <a:gd name="adj1" fmla="val 50000"/>
+            </a:avLst>
+          </a:prstGeom>
+          <a:ln w="38100">
+            <a:prstDash val="lgDash"/>
+            <a:tailEnd type="triangle" w="lg" len="lg"/>
+          </a:ln>
+        </p:spPr>
+        <p:style>
+          <a:lnRef idx="3">
+            <a:schemeClr val="accent3"/>
+          </a:lnRef>
+          <a:fillRef idx="0">
+            <a:schemeClr val="accent3"/>
+          </a:fillRef>
+          <a:effectRef idx="2">
+            <a:schemeClr val="accent3"/>
+          </a:effectRef>
+          <a:fontRef idx="minor">
+            <a:schemeClr val="tx1"/>
+          </a:fontRef>
+        </p:style>
+      </p:cxnSp>
+      <p:cxnSp>
+        <p:nvCxnSpPr>
+          <p:cNvPr id="253" name="连接符: 肘形 252">
+            <a:extLst>
+              <a:ext uri="{FF2B5EF4-FFF2-40B4-BE49-F238E27FC236}">
+                <a16:creationId xmlns:a16="http://schemas.microsoft.com/office/drawing/2014/main" id="{710AA723-C37D-4D93-ADDA-9AB4470AF81F}"/>
+              </a:ext>
+            </a:extLst>
+          </p:cNvPr>
+          <p:cNvCxnSpPr>
+            <a:cxnSpLocks/>
+            <a:stCxn id="250" idx="3"/>
+          </p:cNvCxnSpPr>
+          <p:nvPr/>
+        </p:nvCxnSpPr>
+        <p:spPr>
+          <a:xfrm>
+            <a:off x="11308804" y="16509624"/>
+            <a:ext cx="1995803" cy="12700"/>
+          </a:xfrm>
+          <a:prstGeom prst="bentConnector3">
+            <a:avLst>
+              <a:gd name="adj1" fmla="val 50000"/>
+            </a:avLst>
+          </a:prstGeom>
+          <a:ln w="38100">
+            <a:solidFill>
+              <a:schemeClr val="accent2">
+                <a:lumMod val="75000"/>
+              </a:schemeClr>
+            </a:solidFill>
+            <a:prstDash val="lgDash"/>
+            <a:tailEnd type="triangle" w="lg" len="lg"/>
+          </a:ln>
+        </p:spPr>
+        <p:style>
+          <a:lnRef idx="3">
+            <a:schemeClr val="accent3"/>
+          </a:lnRef>
+          <a:fillRef idx="0">
+            <a:schemeClr val="accent3"/>
+          </a:fillRef>
+          <a:effectRef idx="2">
+            <a:schemeClr val="accent3"/>
+          </a:effectRef>
+          <a:fontRef idx="minor">
+            <a:schemeClr val="tx1"/>
+          </a:fontRef>
+        </p:style>
+      </p:cxnSp>
+      <p:sp>
+        <p:nvSpPr>
+          <p:cNvPr id="254" name="矩形 253">
+            <a:extLst>
+              <a:ext uri="{FF2B5EF4-FFF2-40B4-BE49-F238E27FC236}">
+                <a16:creationId xmlns:a16="http://schemas.microsoft.com/office/drawing/2014/main" id="{2C126815-F8EA-4E6A-AAE9-8C998440D55E}"/>
+              </a:ext>
+            </a:extLst>
+          </p:cNvPr>
+          <p:cNvSpPr/>
+          <p:nvPr/>
+        </p:nvSpPr>
+        <p:spPr>
+          <a:xfrm>
+            <a:off x="13325942" y="15894259"/>
+            <a:ext cx="2783025" cy="1243429"/>
+          </a:xfrm>
+          <a:prstGeom prst="rect">
+            <a:avLst/>
+          </a:prstGeom>
+          <a:solidFill>
+            <a:schemeClr val="accent2"/>
+          </a:solidFill>
+          <a:ln>
+            <a:noFill/>
+          </a:ln>
+        </p:spPr>
+        <p:style>
+          <a:lnRef idx="2">
+            <a:schemeClr val="accent1">
+              <a:shade val="50000"/>
+            </a:schemeClr>
+          </a:lnRef>
+          <a:fillRef idx="1">
+            <a:schemeClr val="accent1"/>
+          </a:fillRef>
+          <a:effectRef idx="0">
+            <a:schemeClr val="accent1"/>
+          </a:effectRef>
+          <a:fontRef idx="minor">
+            <a:schemeClr val="lt1"/>
+          </a:fontRef>
+        </p:style>
+        <p:txBody>
+          <a:bodyPr rtlCol="0" anchor="ctr"/>
+          <a:lstStyle/>
+          <a:p>
+            <a:pPr algn="ctr"/>
+            <a:r>
+              <a:rPr lang="en-US" altLang="zh-CN" sz="3300" b="1" dirty="0"/>
+              <a:t>Our Output:</a:t>
+            </a:r>
+          </a:p>
+          <a:p>
+            <a:pPr algn="ctr"/>
+            <a:r>
+              <a:rPr lang="en-US" altLang="zh-CN" sz="3300" b="1" dirty="0" err="1"/>
+              <a:t>RhoA</a:t>
+            </a:r>
+            <a:endParaRPr lang="zh-CN" altLang="en-US" sz="3300" b="1" dirty="0"/>
+          </a:p>
+        </p:txBody>
+      </p:sp>
+      <p:cxnSp>
+        <p:nvCxnSpPr>
+          <p:cNvPr id="256" name="连接符: 肘形 255">
+            <a:extLst>
+              <a:ext uri="{FF2B5EF4-FFF2-40B4-BE49-F238E27FC236}">
+                <a16:creationId xmlns:a16="http://schemas.microsoft.com/office/drawing/2014/main" id="{C9C3B9FC-AF99-45EA-8A04-C5280881CA1C}"/>
+              </a:ext>
+            </a:extLst>
+          </p:cNvPr>
+          <p:cNvCxnSpPr>
+            <a:cxnSpLocks/>
+            <a:stCxn id="248" idx="2"/>
+          </p:cNvCxnSpPr>
+          <p:nvPr/>
+        </p:nvCxnSpPr>
+        <p:spPr>
+          <a:xfrm rot="5400000">
+            <a:off x="13303249" y="8239008"/>
+            <a:ext cx="1393415" cy="12896269"/>
+          </a:xfrm>
+          <a:prstGeom prst="bentConnector2">
+            <a:avLst/>
+          </a:prstGeom>
+          <a:ln w="38100">
+            <a:headEnd type="none" w="med" len="med"/>
+            <a:tailEnd type="none" w="med" len="med"/>
+          </a:ln>
+        </p:spPr>
+        <p:style>
+          <a:lnRef idx="1">
+            <a:schemeClr val="accent1"/>
+          </a:lnRef>
+          <a:fillRef idx="0">
+            <a:schemeClr val="accent1"/>
+          </a:fillRef>
+          <a:effectRef idx="0">
+            <a:schemeClr val="accent1"/>
+          </a:effectRef>
+          <a:fontRef idx="minor">
+            <a:schemeClr val="tx1"/>
+          </a:fontRef>
+        </p:style>
+      </p:cxnSp>
+      <p:cxnSp>
+        <p:nvCxnSpPr>
+          <p:cNvPr id="257" name="直接箭头连接符 256">
+            <a:extLst>
+              <a:ext uri="{FF2B5EF4-FFF2-40B4-BE49-F238E27FC236}">
+                <a16:creationId xmlns:a16="http://schemas.microsoft.com/office/drawing/2014/main" id="{36C67D21-E594-4463-9167-FC35CE3D209E}"/>
+              </a:ext>
+            </a:extLst>
+          </p:cNvPr>
+          <p:cNvCxnSpPr>
+            <a:cxnSpLocks/>
+          </p:cNvCxnSpPr>
+          <p:nvPr/>
+        </p:nvCxnSpPr>
+        <p:spPr>
+          <a:xfrm>
+            <a:off x="7566099" y="15373689"/>
+            <a:ext cx="3" cy="1173978"/>
+          </a:xfrm>
+          <a:prstGeom prst="straightConnector1">
+            <a:avLst/>
+          </a:prstGeom>
+          <a:ln w="38100">
+            <a:tailEnd type="triangle"/>
+          </a:ln>
+        </p:spPr>
+        <p:style>
+          <a:lnRef idx="1">
+            <a:schemeClr val="accent1"/>
+          </a:lnRef>
+          <a:fillRef idx="0">
+            <a:schemeClr val="accent1"/>
+          </a:fillRef>
+          <a:effectRef idx="0">
+            <a:schemeClr val="accent1"/>
+          </a:effectRef>
+          <a:fontRef idx="minor">
+            <a:schemeClr val="tx1"/>
+          </a:fontRef>
+        </p:style>
+      </p:cxnSp>
+      <p:sp>
+        <p:nvSpPr>
+          <p:cNvPr id="265" name="文本框 264">
+            <a:extLst>
+              <a:ext uri="{FF2B5EF4-FFF2-40B4-BE49-F238E27FC236}">
+                <a16:creationId xmlns:a16="http://schemas.microsoft.com/office/drawing/2014/main" id="{B68AA54A-9E45-4BED-AC81-89368E43046B}"/>
+              </a:ext>
+            </a:extLst>
+          </p:cNvPr>
+          <p:cNvSpPr txBox="1"/>
+          <p:nvPr/>
+        </p:nvSpPr>
+        <p:spPr>
+          <a:xfrm>
+            <a:off x="7670289" y="15368188"/>
+            <a:ext cx="4021712" cy="523220"/>
+          </a:xfrm>
+          <a:prstGeom prst="rect">
+            <a:avLst/>
+          </a:prstGeom>
+          <a:noFill/>
+        </p:spPr>
+        <p:txBody>
+          <a:bodyPr wrap="square" rtlCol="0">
+            <a:spAutoFit/>
+          </a:bodyPr>
+          <a:lstStyle/>
+          <a:p>
+            <a:r>
+              <a:rPr lang="en-US" altLang="zh-CN" sz="2800" dirty="0"/>
+              <a:t>Transcription Factors</a:t>
+            </a:r>
+            <a:endParaRPr lang="zh-CN" altLang="en-US" sz="2800" dirty="0"/>
           </a:p>
         </p:txBody>
       </p:sp>
     </p:spTree>
     <p:extLst>
       <p:ext uri="{BB962C8B-B14F-4D97-AF65-F5344CB8AC3E}">
-        <p14:creationId xmlns:p14="http://schemas.microsoft.com/office/powerpoint/2010/main" val="3253816273"/>
+        <p14:creationId xmlns:p14="http://schemas.microsoft.com/office/powerpoint/2010/main" val="2808580493"/>
       </p:ext>
     </p:extLst>
   </p:cSld>
@@ -3387,7 +7861,7 @@
 <file path=ppt/theme/theme1.xml><?xml version="1.0" encoding="utf-8"?>
 <a:theme xmlns:a="http://schemas.openxmlformats.org/drawingml/2006/main" name="Office 主题​​">
   <a:themeElements>
-    <a:clrScheme name="Office">
+    <a:clrScheme name="Office 主题​​">
       <a:dk1>
         <a:sysClr val="windowText" lastClr="000000"/>
       </a:dk1>
@@ -3425,9 +7899,9 @@
         <a:srgbClr val="954F72"/>
       </a:folHlink>
     </a:clrScheme>
-    <a:fontScheme name="Office">
+    <a:fontScheme name="Office 主题​​">
       <a:majorFont>
-        <a:latin typeface="等线 Light" panose="020F0302020204030204"/>
+        <a:latin typeface="Calibri Light" panose="020F0302020204030204"/>
         <a:ea typeface=""/>
         <a:cs typeface=""/>
         <a:font script="Jpan" typeface="游ゴシック Light"/>
@@ -3460,26 +7934,9 @@
         <a:font script="Viet" typeface="Times New Roman"/>
         <a:font script="Uigh" typeface="Microsoft Uighur"/>
         <a:font script="Geor" typeface="Sylfaen"/>
-        <a:font script="Armn" typeface="Arial"/>
-        <a:font script="Bugi" typeface="Leelawadee UI"/>
-        <a:font script="Bopo" typeface="Microsoft JhengHei"/>
-        <a:font script="Java" typeface="Javanese Text"/>
-        <a:font script="Lisu" typeface="Segoe UI"/>
-        <a:font script="Mymr" typeface="Myanmar Text"/>
-        <a:font script="Nkoo" typeface="Ebrima"/>
-        <a:font script="Olck" typeface="Nirmala UI"/>
-        <a:font script="Osma" typeface="Ebrima"/>
-        <a:font script="Phag" typeface="Phagspa"/>
-        <a:font script="Syrn" typeface="Estrangelo Edessa"/>
-        <a:font script="Syrj" typeface="Estrangelo Edessa"/>
-        <a:font script="Syre" typeface="Estrangelo Edessa"/>
-        <a:font script="Sora" typeface="Nirmala UI"/>
-        <a:font script="Tale" typeface="Microsoft Tai Le"/>
-        <a:font script="Talu" typeface="Microsoft New Tai Lue"/>
-        <a:font script="Tfng" typeface="Ebrima"/>
       </a:majorFont>
       <a:minorFont>
-        <a:latin typeface="等线" panose="020F0502020204030204"/>
+        <a:latin typeface="Calibri" panose="020F0502020204030204"/>
         <a:ea typeface=""/>
         <a:cs typeface=""/>
         <a:font script="Jpan" typeface="游ゴシック"/>
@@ -3512,26 +7969,9 @@
         <a:font script="Viet" typeface="Arial"/>
         <a:font script="Uigh" typeface="Microsoft Uighur"/>
         <a:font script="Geor" typeface="Sylfaen"/>
-        <a:font script="Armn" typeface="Arial"/>
-        <a:font script="Bugi" typeface="Leelawadee UI"/>
-        <a:font script="Bopo" typeface="Microsoft JhengHei"/>
-        <a:font script="Java" typeface="Javanese Text"/>
-        <a:font script="Lisu" typeface="Segoe UI"/>
-        <a:font script="Mymr" typeface="Myanmar Text"/>
-        <a:font script="Nkoo" typeface="Ebrima"/>
-        <a:font script="Olck" typeface="Nirmala UI"/>
-        <a:font script="Osma" typeface="Ebrima"/>
-        <a:font script="Phag" typeface="Phagspa"/>
-        <a:font script="Syrn" typeface="Estrangelo Edessa"/>
-        <a:font script="Syrj" typeface="Estrangelo Edessa"/>
-        <a:font script="Syre" typeface="Estrangelo Edessa"/>
-        <a:font script="Sora" typeface="Nirmala UI"/>
-        <a:font script="Tale" typeface="Microsoft Tai Le"/>
-        <a:font script="Talu" typeface="Microsoft New Tai Lue"/>
-        <a:font script="Tfng" typeface="Ebrima"/>
       </a:minorFont>
     </a:fontScheme>
-    <a:fmtScheme name="Office">
+    <a:fmtScheme name="Office 主题​​">
       <a:fillStyleLst>
         <a:solidFill>
           <a:schemeClr val="phClr"/>

--- a/model/PathwayFigure.pptx
+++ b/model/PathwayFigure.pptx
@@ -243,7 +243,7 @@
           <a:p>
             <a:fld id="{BFC18325-399A-42DC-A867-3A6E5DE63ACD}" type="datetimeFigureOut">
               <a:rPr lang="zh-CN" altLang="en-US" smtClean="0"/>
-              <a:t>2021/2/19</a:t>
+              <a:t>2021/2/20</a:t>
             </a:fld>
             <a:endParaRPr lang="zh-CN" altLang="en-US"/>
           </a:p>
@@ -413,7 +413,7 @@
           <a:p>
             <a:fld id="{BFC18325-399A-42DC-A867-3A6E5DE63ACD}" type="datetimeFigureOut">
               <a:rPr lang="zh-CN" altLang="en-US" smtClean="0"/>
-              <a:t>2021/2/19</a:t>
+              <a:t>2021/2/20</a:t>
             </a:fld>
             <a:endParaRPr lang="zh-CN" altLang="en-US"/>
           </a:p>
@@ -593,7 +593,7 @@
           <a:p>
             <a:fld id="{BFC18325-399A-42DC-A867-3A6E5DE63ACD}" type="datetimeFigureOut">
               <a:rPr lang="zh-CN" altLang="en-US" smtClean="0"/>
-              <a:t>2021/2/19</a:t>
+              <a:t>2021/2/20</a:t>
             </a:fld>
             <a:endParaRPr lang="zh-CN" altLang="en-US"/>
           </a:p>
@@ -763,7 +763,7 @@
           <a:p>
             <a:fld id="{BFC18325-399A-42DC-A867-3A6E5DE63ACD}" type="datetimeFigureOut">
               <a:rPr lang="zh-CN" altLang="en-US" smtClean="0"/>
-              <a:t>2021/2/19</a:t>
+              <a:t>2021/2/20</a:t>
             </a:fld>
             <a:endParaRPr lang="zh-CN" altLang="en-US"/>
           </a:p>
@@ -1007,7 +1007,7 @@
           <a:p>
             <a:fld id="{BFC18325-399A-42DC-A867-3A6E5DE63ACD}" type="datetimeFigureOut">
               <a:rPr lang="zh-CN" altLang="en-US" smtClean="0"/>
-              <a:t>2021/2/19</a:t>
+              <a:t>2021/2/20</a:t>
             </a:fld>
             <a:endParaRPr lang="zh-CN" altLang="en-US"/>
           </a:p>
@@ -1239,7 +1239,7 @@
           <a:p>
             <a:fld id="{BFC18325-399A-42DC-A867-3A6E5DE63ACD}" type="datetimeFigureOut">
               <a:rPr lang="zh-CN" altLang="en-US" smtClean="0"/>
-              <a:t>2021/2/19</a:t>
+              <a:t>2021/2/20</a:t>
             </a:fld>
             <a:endParaRPr lang="zh-CN" altLang="en-US"/>
           </a:p>
@@ -1606,7 +1606,7 @@
           <a:p>
             <a:fld id="{BFC18325-399A-42DC-A867-3A6E5DE63ACD}" type="datetimeFigureOut">
               <a:rPr lang="zh-CN" altLang="en-US" smtClean="0"/>
-              <a:t>2021/2/19</a:t>
+              <a:t>2021/2/20</a:t>
             </a:fld>
             <a:endParaRPr lang="zh-CN" altLang="en-US"/>
           </a:p>
@@ -1724,7 +1724,7 @@
           <a:p>
             <a:fld id="{BFC18325-399A-42DC-A867-3A6E5DE63ACD}" type="datetimeFigureOut">
               <a:rPr lang="zh-CN" altLang="en-US" smtClean="0"/>
-              <a:t>2021/2/19</a:t>
+              <a:t>2021/2/20</a:t>
             </a:fld>
             <a:endParaRPr lang="zh-CN" altLang="en-US"/>
           </a:p>
@@ -1819,7 +1819,7 @@
           <a:p>
             <a:fld id="{BFC18325-399A-42DC-A867-3A6E5DE63ACD}" type="datetimeFigureOut">
               <a:rPr lang="zh-CN" altLang="en-US" smtClean="0"/>
-              <a:t>2021/2/19</a:t>
+              <a:t>2021/2/20</a:t>
             </a:fld>
             <a:endParaRPr lang="zh-CN" altLang="en-US"/>
           </a:p>
@@ -2096,7 +2096,7 @@
           <a:p>
             <a:fld id="{BFC18325-399A-42DC-A867-3A6E5DE63ACD}" type="datetimeFigureOut">
               <a:rPr lang="zh-CN" altLang="en-US" smtClean="0"/>
-              <a:t>2021/2/19</a:t>
+              <a:t>2021/2/20</a:t>
             </a:fld>
             <a:endParaRPr lang="zh-CN" altLang="en-US"/>
           </a:p>
@@ -2353,7 +2353,7 @@
           <a:p>
             <a:fld id="{BFC18325-399A-42DC-A867-3A6E5DE63ACD}" type="datetimeFigureOut">
               <a:rPr lang="zh-CN" altLang="en-US" smtClean="0"/>
-              <a:t>2021/2/19</a:t>
+              <a:t>2021/2/20</a:t>
             </a:fld>
             <a:endParaRPr lang="zh-CN" altLang="en-US"/>
           </a:p>
@@ -2566,7 +2566,7 @@
           <a:p>
             <a:fld id="{BFC18325-399A-42DC-A867-3A6E5DE63ACD}" type="datetimeFigureOut">
               <a:rPr lang="zh-CN" altLang="en-US" smtClean="0"/>
-              <a:t>2021/2/19</a:t>
+              <a:t>2021/2/20</a:t>
             </a:fld>
             <a:endParaRPr lang="zh-CN" altLang="en-US"/>
           </a:p>
@@ -3029,7 +3029,7 @@
                   <a:schemeClr val="tx1"/>
                 </a:solidFill>
               </a:rPr>
-              <a:t>gTGFBR1 — T</a:t>
+              <a:t>gTGFBR1</a:t>
             </a:r>
             <a:endParaRPr lang="zh-CN" altLang="en-US" sz="3300" dirty="0">
               <a:solidFill>
@@ -3311,7 +3311,7 @@
                   <a:schemeClr val="tx1"/>
                 </a:solidFill>
               </a:rPr>
-              <a:t>gTGFBR2 — T</a:t>
+              <a:t>gTGFBR2 </a:t>
             </a:r>
             <a:endParaRPr lang="zh-CN" altLang="en-US" sz="3300" dirty="0">
               <a:solidFill>
@@ -5674,7 +5674,7 @@
           </a:xfrm>
           <a:prstGeom prst="bentConnector3">
             <a:avLst>
-              <a:gd name="adj1" fmla="val 50000"/>
+              <a:gd name="adj1" fmla="val 100456"/>
             </a:avLst>
           </a:prstGeom>
           <a:ln w="38100">
@@ -5718,7 +5718,7 @@
           </a:xfrm>
           <a:prstGeom prst="bentConnector3">
             <a:avLst>
-              <a:gd name="adj1" fmla="val 50000"/>
+              <a:gd name="adj1" fmla="val 105095"/>
             </a:avLst>
           </a:prstGeom>
           <a:ln w="38100">

--- a/model/PathwayFigure.pptx
+++ b/model/PathwayFigure.pptx
@@ -6,6 +6,7 @@
   </p:sldMasterIdLst>
   <p:sldIdLst>
     <p:sldId id="258" r:id="rId2"/>
+    <p:sldId id="259" r:id="rId3"/>
   </p:sldIdLst>
   <p:sldSz cx="22680613" cy="18000663"/>
   <p:notesSz cx="6858000" cy="9144000"/>
@@ -7858,6 +7859,1241 @@
 </p:sld>
 </file>
 
+<file path=ppt/slides/slide2.xml><?xml version="1.0" encoding="utf-8"?>
+<p:sld xmlns:a="http://schemas.openxmlformats.org/drawingml/2006/main" xmlns:r="http://schemas.openxmlformats.org/officeDocument/2006/relationships" xmlns:p="http://schemas.openxmlformats.org/presentationml/2006/main">
+  <p:cSld>
+    <p:spTree>
+      <p:nvGrpSpPr>
+        <p:cNvPr id="1" name=""/>
+        <p:cNvGrpSpPr/>
+        <p:nvPr/>
+      </p:nvGrpSpPr>
+      <p:grpSpPr>
+        <a:xfrm>
+          <a:off x="0" y="0"/>
+          <a:ext cx="0" cy="0"/>
+          <a:chOff x="0" y="0"/>
+          <a:chExt cx="0" cy="0"/>
+        </a:xfrm>
+      </p:grpSpPr>
+      <p:sp>
+        <p:nvSpPr>
+          <p:cNvPr id="10" name="矩形 9">
+            <a:extLst>
+              <a:ext uri="{FF2B5EF4-FFF2-40B4-BE49-F238E27FC236}">
+                <a16:creationId xmlns:a16="http://schemas.microsoft.com/office/drawing/2014/main" id="{B12CE4A8-F55C-4596-BE08-2AD7EC57854E}"/>
+              </a:ext>
+            </a:extLst>
+          </p:cNvPr>
+          <p:cNvSpPr/>
+          <p:nvPr/>
+        </p:nvSpPr>
+        <p:spPr>
+          <a:xfrm>
+            <a:off x="6765526" y="10708815"/>
+            <a:ext cx="2718558" cy="522282"/>
+          </a:xfrm>
+          <a:prstGeom prst="rect">
+            <a:avLst/>
+          </a:prstGeom>
+          <a:solidFill>
+            <a:schemeClr val="accent5">
+              <a:lumMod val="75000"/>
+            </a:schemeClr>
+          </a:solidFill>
+          <a:ln>
+            <a:noFill/>
+          </a:ln>
+        </p:spPr>
+        <p:style>
+          <a:lnRef idx="2">
+            <a:schemeClr val="accent1">
+              <a:shade val="50000"/>
+            </a:schemeClr>
+          </a:lnRef>
+          <a:fillRef idx="1">
+            <a:schemeClr val="accent1"/>
+          </a:fillRef>
+          <a:effectRef idx="0">
+            <a:schemeClr val="accent1"/>
+          </a:effectRef>
+          <a:fontRef idx="minor">
+            <a:schemeClr val="lt1"/>
+          </a:fontRef>
+        </p:style>
+        <p:txBody>
+          <a:bodyPr rtlCol="0" anchor="ctr"/>
+          <a:lstStyle/>
+          <a:p>
+            <a:pPr algn="ctr"/>
+            <a:r>
+              <a:rPr lang="en-US" altLang="zh-CN" sz="3300" b="1" dirty="0"/>
+              <a:t>Smad2-P</a:t>
+            </a:r>
+            <a:endParaRPr lang="zh-CN" altLang="en-US" sz="3300" b="1" dirty="0"/>
+          </a:p>
+        </p:txBody>
+      </p:sp>
+      <p:sp>
+        <p:nvSpPr>
+          <p:cNvPr id="13" name="矩形 12">
+            <a:extLst>
+              <a:ext uri="{FF2B5EF4-FFF2-40B4-BE49-F238E27FC236}">
+                <a16:creationId xmlns:a16="http://schemas.microsoft.com/office/drawing/2014/main" id="{EE79CDA9-3ABD-4EE0-8747-6C4E5CF0A7AE}"/>
+              </a:ext>
+            </a:extLst>
+          </p:cNvPr>
+          <p:cNvSpPr/>
+          <p:nvPr/>
+        </p:nvSpPr>
+        <p:spPr>
+          <a:xfrm>
+            <a:off x="3182415" y="12689417"/>
+            <a:ext cx="3369620" cy="522282"/>
+          </a:xfrm>
+          <a:prstGeom prst="rect">
+            <a:avLst/>
+          </a:prstGeom>
+          <a:solidFill>
+            <a:schemeClr val="bg1">
+              <a:lumMod val="95000"/>
+            </a:schemeClr>
+          </a:solidFill>
+          <a:ln w="9525" cap="flat" cmpd="sng" algn="ctr">
+            <a:noFill/>
+            <a:prstDash val="solid"/>
+            <a:round/>
+            <a:headEnd type="none" w="med" len="med"/>
+            <a:tailEnd type="none" w="med" len="med"/>
+          </a:ln>
+        </p:spPr>
+        <p:style>
+          <a:lnRef idx="0">
+            <a:scrgbClr r="0" g="0" b="0"/>
+          </a:lnRef>
+          <a:fillRef idx="0">
+            <a:scrgbClr r="0" g="0" b="0"/>
+          </a:fillRef>
+          <a:effectRef idx="0">
+            <a:scrgbClr r="0" g="0" b="0"/>
+          </a:effectRef>
+          <a:fontRef idx="minor">
+            <a:schemeClr val="accent3"/>
+          </a:fontRef>
+        </p:style>
+        <p:txBody>
+          <a:bodyPr rtlCol="0" anchor="ctr"/>
+          <a:lstStyle/>
+          <a:p>
+            <a:pPr algn="ctr"/>
+            <a:r>
+              <a:rPr lang="en-US" altLang="zh-CN" sz="3300" dirty="0">
+                <a:solidFill>
+                  <a:schemeClr val="tx1"/>
+                </a:solidFill>
+              </a:rPr>
+              <a:t>gAI-2</a:t>
+            </a:r>
+            <a:endParaRPr lang="zh-CN" altLang="en-US" sz="3300" dirty="0">
+              <a:solidFill>
+                <a:schemeClr val="tx1"/>
+              </a:solidFill>
+            </a:endParaRPr>
+          </a:p>
+        </p:txBody>
+      </p:sp>
+      <p:sp>
+        <p:nvSpPr>
+          <p:cNvPr id="14" name="矩形 13">
+            <a:extLst>
+              <a:ext uri="{FF2B5EF4-FFF2-40B4-BE49-F238E27FC236}">
+                <a16:creationId xmlns:a16="http://schemas.microsoft.com/office/drawing/2014/main" id="{810163AE-E573-4C28-876E-AB35EAA23D34}"/>
+              </a:ext>
+            </a:extLst>
+          </p:cNvPr>
+          <p:cNvSpPr/>
+          <p:nvPr/>
+        </p:nvSpPr>
+        <p:spPr>
+          <a:xfrm>
+            <a:off x="8700238" y="12681009"/>
+            <a:ext cx="2682877" cy="522282"/>
+          </a:xfrm>
+          <a:prstGeom prst="rect">
+            <a:avLst/>
+          </a:prstGeom>
+          <a:solidFill>
+            <a:schemeClr val="accent5">
+              <a:lumMod val="60000"/>
+              <a:lumOff val="40000"/>
+            </a:schemeClr>
+          </a:solidFill>
+          <a:ln>
+            <a:noFill/>
+          </a:ln>
+        </p:spPr>
+        <p:style>
+          <a:lnRef idx="2">
+            <a:schemeClr val="accent1">
+              <a:shade val="50000"/>
+            </a:schemeClr>
+          </a:lnRef>
+          <a:fillRef idx="1">
+            <a:schemeClr val="accent1"/>
+          </a:fillRef>
+          <a:effectRef idx="0">
+            <a:schemeClr val="accent1"/>
+          </a:effectRef>
+          <a:fontRef idx="minor">
+            <a:schemeClr val="lt1"/>
+          </a:fontRef>
+        </p:style>
+        <p:txBody>
+          <a:bodyPr rtlCol="0" anchor="ctr"/>
+          <a:lstStyle/>
+          <a:p>
+            <a:pPr algn="ctr"/>
+            <a:r>
+              <a:rPr lang="en-US" altLang="zh-CN" sz="3300" dirty="0"/>
+              <a:t>mAI-2</a:t>
+            </a:r>
+            <a:endParaRPr lang="zh-CN" altLang="en-US" sz="3300" dirty="0"/>
+          </a:p>
+        </p:txBody>
+      </p:sp>
+      <p:sp>
+        <p:nvSpPr>
+          <p:cNvPr id="15" name="矩形 14">
+            <a:extLst>
+              <a:ext uri="{FF2B5EF4-FFF2-40B4-BE49-F238E27FC236}">
+                <a16:creationId xmlns:a16="http://schemas.microsoft.com/office/drawing/2014/main" id="{8EBF7698-7AE3-451C-9C0A-F39034C2F53B}"/>
+              </a:ext>
+            </a:extLst>
+          </p:cNvPr>
+          <p:cNvSpPr/>
+          <p:nvPr/>
+        </p:nvSpPr>
+        <p:spPr>
+          <a:xfrm>
+            <a:off x="13378916" y="12681009"/>
+            <a:ext cx="2718558" cy="522282"/>
+          </a:xfrm>
+          <a:prstGeom prst="rect">
+            <a:avLst/>
+          </a:prstGeom>
+          <a:solidFill>
+            <a:schemeClr val="accent5">
+              <a:lumMod val="75000"/>
+            </a:schemeClr>
+          </a:solidFill>
+          <a:ln>
+            <a:noFill/>
+          </a:ln>
+        </p:spPr>
+        <p:style>
+          <a:lnRef idx="2">
+            <a:schemeClr val="accent1">
+              <a:shade val="50000"/>
+            </a:schemeClr>
+          </a:lnRef>
+          <a:fillRef idx="1">
+            <a:schemeClr val="accent1"/>
+          </a:fillRef>
+          <a:effectRef idx="0">
+            <a:schemeClr val="accent1"/>
+          </a:effectRef>
+          <a:fontRef idx="minor">
+            <a:schemeClr val="lt1"/>
+          </a:fontRef>
+        </p:style>
+        <p:txBody>
+          <a:bodyPr rtlCol="0" anchor="ctr"/>
+          <a:lstStyle/>
+          <a:p>
+            <a:pPr algn="ctr"/>
+            <a:r>
+              <a:rPr lang="en-US" altLang="zh-CN" sz="3300" b="1" dirty="0"/>
+              <a:t>AI-2</a:t>
+            </a:r>
+            <a:endParaRPr lang="zh-CN" altLang="en-US" sz="3300" b="1" dirty="0"/>
+          </a:p>
+        </p:txBody>
+      </p:sp>
+      <p:cxnSp>
+        <p:nvCxnSpPr>
+          <p:cNvPr id="16" name="连接符: 肘形 15">
+            <a:extLst>
+              <a:ext uri="{FF2B5EF4-FFF2-40B4-BE49-F238E27FC236}">
+                <a16:creationId xmlns:a16="http://schemas.microsoft.com/office/drawing/2014/main" id="{D4ADE9F5-03CD-4A8D-9D74-C16077263E08}"/>
+              </a:ext>
+            </a:extLst>
+          </p:cNvPr>
+          <p:cNvCxnSpPr>
+            <a:cxnSpLocks/>
+            <a:stCxn id="13" idx="3"/>
+            <a:endCxn id="14" idx="1"/>
+          </p:cNvCxnSpPr>
+          <p:nvPr/>
+        </p:nvCxnSpPr>
+        <p:spPr>
+          <a:xfrm flipV="1">
+            <a:off x="6552037" y="12942149"/>
+            <a:ext cx="2148203" cy="8410"/>
+          </a:xfrm>
+          <a:prstGeom prst="bentConnector3">
+            <a:avLst>
+              <a:gd name="adj1" fmla="val 50000"/>
+            </a:avLst>
+          </a:prstGeom>
+          <a:ln w="38100">
+            <a:prstDash val="lgDash"/>
+            <a:tailEnd type="triangle" w="lg" len="lg"/>
+          </a:ln>
+        </p:spPr>
+        <p:style>
+          <a:lnRef idx="3">
+            <a:schemeClr val="accent3"/>
+          </a:lnRef>
+          <a:fillRef idx="0">
+            <a:schemeClr val="accent3"/>
+          </a:fillRef>
+          <a:effectRef idx="2">
+            <a:schemeClr val="accent3"/>
+          </a:effectRef>
+          <a:fontRef idx="minor">
+            <a:schemeClr val="tx1"/>
+          </a:fontRef>
+        </p:style>
+      </p:cxnSp>
+      <p:cxnSp>
+        <p:nvCxnSpPr>
+          <p:cNvPr id="17" name="连接符: 肘形 16">
+            <a:extLst>
+              <a:ext uri="{FF2B5EF4-FFF2-40B4-BE49-F238E27FC236}">
+                <a16:creationId xmlns:a16="http://schemas.microsoft.com/office/drawing/2014/main" id="{9B1E831E-02E5-445C-B1C8-909FF2A294BB}"/>
+              </a:ext>
+            </a:extLst>
+          </p:cNvPr>
+          <p:cNvCxnSpPr>
+            <a:cxnSpLocks/>
+            <a:stCxn id="14" idx="3"/>
+            <a:endCxn id="15" idx="1"/>
+          </p:cNvCxnSpPr>
+          <p:nvPr/>
+        </p:nvCxnSpPr>
+        <p:spPr>
+          <a:xfrm>
+            <a:off x="11383117" y="12942149"/>
+            <a:ext cx="1995803" cy="12700"/>
+          </a:xfrm>
+          <a:prstGeom prst="bentConnector3">
+            <a:avLst>
+              <a:gd name="adj1" fmla="val 50000"/>
+            </a:avLst>
+          </a:prstGeom>
+          <a:ln w="38100">
+            <a:solidFill>
+              <a:schemeClr val="accent2">
+                <a:lumMod val="75000"/>
+              </a:schemeClr>
+            </a:solidFill>
+            <a:prstDash val="lgDash"/>
+            <a:tailEnd type="triangle" w="lg" len="lg"/>
+          </a:ln>
+        </p:spPr>
+        <p:style>
+          <a:lnRef idx="3">
+            <a:schemeClr val="accent3"/>
+          </a:lnRef>
+          <a:fillRef idx="0">
+            <a:schemeClr val="accent3"/>
+          </a:fillRef>
+          <a:effectRef idx="2">
+            <a:schemeClr val="accent3"/>
+          </a:effectRef>
+          <a:fontRef idx="minor">
+            <a:schemeClr val="tx1"/>
+          </a:fontRef>
+        </p:style>
+      </p:cxnSp>
+      <p:sp>
+        <p:nvSpPr>
+          <p:cNvPr id="20" name="文本框 19">
+            <a:extLst>
+              <a:ext uri="{FF2B5EF4-FFF2-40B4-BE49-F238E27FC236}">
+                <a16:creationId xmlns:a16="http://schemas.microsoft.com/office/drawing/2014/main" id="{D338A312-8CF4-4022-ACF3-84729C59B832}"/>
+              </a:ext>
+            </a:extLst>
+          </p:cNvPr>
+          <p:cNvSpPr txBox="1"/>
+          <p:nvPr/>
+        </p:nvSpPr>
+        <p:spPr>
+          <a:xfrm>
+            <a:off x="4722444" y="11761650"/>
+            <a:ext cx="4021712" cy="523220"/>
+          </a:xfrm>
+          <a:prstGeom prst="rect">
+            <a:avLst/>
+          </a:prstGeom>
+          <a:noFill/>
+        </p:spPr>
+        <p:txBody>
+          <a:bodyPr wrap="square" rtlCol="0">
+            <a:spAutoFit/>
+          </a:bodyPr>
+          <a:lstStyle/>
+          <a:p>
+            <a:r>
+              <a:rPr lang="en-US" altLang="zh-CN" sz="2800" dirty="0"/>
+              <a:t>Transcription Factors</a:t>
+            </a:r>
+            <a:endParaRPr lang="zh-CN" altLang="en-US" sz="2800" dirty="0"/>
+          </a:p>
+        </p:txBody>
+      </p:sp>
+      <p:cxnSp>
+        <p:nvCxnSpPr>
+          <p:cNvPr id="21" name="直接箭头连接符 20">
+            <a:extLst>
+              <a:ext uri="{FF2B5EF4-FFF2-40B4-BE49-F238E27FC236}">
+                <a16:creationId xmlns:a16="http://schemas.microsoft.com/office/drawing/2014/main" id="{A16CD6DA-C10C-4DE6-B15E-81B12C9FC748}"/>
+              </a:ext>
+            </a:extLst>
+          </p:cNvPr>
+          <p:cNvCxnSpPr/>
+          <p:nvPr/>
+        </p:nvCxnSpPr>
+        <p:spPr>
+          <a:xfrm flipV="1">
+            <a:off x="16549952" y="13629862"/>
+            <a:ext cx="2459568" cy="352"/>
+          </a:xfrm>
+          <a:prstGeom prst="straightConnector1">
+            <a:avLst/>
+          </a:prstGeom>
+          <a:ln w="38100">
+            <a:headEnd type="triangle"/>
+            <a:tailEnd type="triangle"/>
+          </a:ln>
+        </p:spPr>
+        <p:style>
+          <a:lnRef idx="1">
+            <a:schemeClr val="accent1"/>
+          </a:lnRef>
+          <a:fillRef idx="0">
+            <a:schemeClr val="accent1"/>
+          </a:fillRef>
+          <a:effectRef idx="0">
+            <a:schemeClr val="accent1"/>
+          </a:effectRef>
+          <a:fontRef idx="minor">
+            <a:schemeClr val="tx1"/>
+          </a:fontRef>
+        </p:style>
+      </p:cxnSp>
+      <p:sp>
+        <p:nvSpPr>
+          <p:cNvPr id="22" name="文本框 21">
+            <a:extLst>
+              <a:ext uri="{FF2B5EF4-FFF2-40B4-BE49-F238E27FC236}">
+                <a16:creationId xmlns:a16="http://schemas.microsoft.com/office/drawing/2014/main" id="{5A000ABF-1563-4155-A99D-8EAA8EEE17F0}"/>
+              </a:ext>
+            </a:extLst>
+          </p:cNvPr>
+          <p:cNvSpPr txBox="1"/>
+          <p:nvPr/>
+        </p:nvSpPr>
+        <p:spPr>
+          <a:xfrm>
+            <a:off x="16880417" y="12997394"/>
+            <a:ext cx="2343290" cy="523220"/>
+          </a:xfrm>
+          <a:prstGeom prst="rect">
+            <a:avLst/>
+          </a:prstGeom>
+          <a:noFill/>
+        </p:spPr>
+        <p:txBody>
+          <a:bodyPr wrap="square" rtlCol="0">
+            <a:spAutoFit/>
+          </a:bodyPr>
+          <a:lstStyle/>
+          <a:p>
+            <a:r>
+              <a:rPr lang="en-US" altLang="zh-CN" sz="2800" dirty="0"/>
+              <a:t>Association</a:t>
+            </a:r>
+            <a:endParaRPr lang="zh-CN" altLang="en-US" sz="2800" dirty="0"/>
+          </a:p>
+        </p:txBody>
+      </p:sp>
+      <p:sp>
+        <p:nvSpPr>
+          <p:cNvPr id="23" name="矩形: 圆角 22">
+            <a:extLst>
+              <a:ext uri="{FF2B5EF4-FFF2-40B4-BE49-F238E27FC236}">
+                <a16:creationId xmlns:a16="http://schemas.microsoft.com/office/drawing/2014/main" id="{DCE9A800-8EF0-4AC3-B766-8A2950CD8ED2}"/>
+              </a:ext>
+            </a:extLst>
+          </p:cNvPr>
+          <p:cNvSpPr/>
+          <p:nvPr/>
+        </p:nvSpPr>
+        <p:spPr>
+          <a:xfrm>
+            <a:off x="19009524" y="13234047"/>
+            <a:ext cx="2877137" cy="756388"/>
+          </a:xfrm>
+          <a:prstGeom prst="roundRect">
+            <a:avLst/>
+          </a:prstGeom>
+          <a:solidFill>
+            <a:srgbClr val="800000"/>
+          </a:solidFill>
+          <a:ln>
+            <a:noFill/>
+          </a:ln>
+        </p:spPr>
+        <p:style>
+          <a:lnRef idx="2">
+            <a:schemeClr val="accent1">
+              <a:shade val="50000"/>
+            </a:schemeClr>
+          </a:lnRef>
+          <a:fillRef idx="1">
+            <a:schemeClr val="accent1"/>
+          </a:fillRef>
+          <a:effectRef idx="0">
+            <a:schemeClr val="accent1"/>
+          </a:effectRef>
+          <a:fontRef idx="minor">
+            <a:schemeClr val="lt1"/>
+          </a:fontRef>
+        </p:style>
+        <p:txBody>
+          <a:bodyPr rtlCol="0" anchor="ctr"/>
+          <a:lstStyle/>
+          <a:p>
+            <a:pPr algn="ctr"/>
+            <a:r>
+              <a:rPr lang="en-US" altLang="zh-CN" sz="3300" b="1" dirty="0"/>
+              <a:t>AI-2/</a:t>
+            </a:r>
+            <a:r>
+              <a:rPr lang="en-US" altLang="zh-CN" sz="3300" b="1" dirty="0" err="1"/>
+              <a:t>Cqs</a:t>
+            </a:r>
+            <a:r>
+              <a:rPr lang="en-US" altLang="zh-CN" sz="3300" b="1" dirty="0"/>
+              <a:t>-S</a:t>
+            </a:r>
+            <a:endParaRPr lang="zh-CN" altLang="en-US" sz="2400" b="1" dirty="0"/>
+          </a:p>
+        </p:txBody>
+      </p:sp>
+      <p:cxnSp>
+        <p:nvCxnSpPr>
+          <p:cNvPr id="25" name="直接箭头连接符 24">
+            <a:extLst>
+              <a:ext uri="{FF2B5EF4-FFF2-40B4-BE49-F238E27FC236}">
+                <a16:creationId xmlns:a16="http://schemas.microsoft.com/office/drawing/2014/main" id="{01260FC1-BC66-4128-958C-59799ADA3E12}"/>
+              </a:ext>
+            </a:extLst>
+          </p:cNvPr>
+          <p:cNvCxnSpPr>
+            <a:cxnSpLocks/>
+            <a:stCxn id="10" idx="2"/>
+          </p:cNvCxnSpPr>
+          <p:nvPr/>
+        </p:nvCxnSpPr>
+        <p:spPr>
+          <a:xfrm flipH="1">
+            <a:off x="8122920" y="11231097"/>
+            <a:ext cx="1885" cy="1723752"/>
+          </a:xfrm>
+          <a:prstGeom prst="straightConnector1">
+            <a:avLst/>
+          </a:prstGeom>
+          <a:ln w="38100">
+            <a:tailEnd type="triangle"/>
+          </a:ln>
+        </p:spPr>
+        <p:style>
+          <a:lnRef idx="1">
+            <a:schemeClr val="accent1"/>
+          </a:lnRef>
+          <a:fillRef idx="0">
+            <a:schemeClr val="accent1"/>
+          </a:fillRef>
+          <a:effectRef idx="0">
+            <a:schemeClr val="accent1"/>
+          </a:effectRef>
+          <a:fontRef idx="minor">
+            <a:schemeClr val="tx1"/>
+          </a:fontRef>
+        </p:style>
+      </p:cxnSp>
+      <p:sp>
+        <p:nvSpPr>
+          <p:cNvPr id="34" name="矩形 33">
+            <a:extLst>
+              <a:ext uri="{FF2B5EF4-FFF2-40B4-BE49-F238E27FC236}">
+                <a16:creationId xmlns:a16="http://schemas.microsoft.com/office/drawing/2014/main" id="{209E4FF9-B2A0-4A58-960A-66028DDFBF15}"/>
+              </a:ext>
+            </a:extLst>
+          </p:cNvPr>
+          <p:cNvSpPr/>
+          <p:nvPr/>
+        </p:nvSpPr>
+        <p:spPr>
+          <a:xfrm>
+            <a:off x="12677876" y="6950769"/>
+            <a:ext cx="2718558" cy="522282"/>
+          </a:xfrm>
+          <a:prstGeom prst="rect">
+            <a:avLst/>
+          </a:prstGeom>
+          <a:solidFill>
+            <a:schemeClr val="accent5">
+              <a:lumMod val="75000"/>
+            </a:schemeClr>
+          </a:solidFill>
+          <a:ln>
+            <a:noFill/>
+          </a:ln>
+        </p:spPr>
+        <p:style>
+          <a:lnRef idx="2">
+            <a:schemeClr val="accent1">
+              <a:shade val="50000"/>
+            </a:schemeClr>
+          </a:lnRef>
+          <a:fillRef idx="1">
+            <a:schemeClr val="accent1"/>
+          </a:fillRef>
+          <a:effectRef idx="0">
+            <a:schemeClr val="accent1"/>
+          </a:effectRef>
+          <a:fontRef idx="minor">
+            <a:schemeClr val="lt1"/>
+          </a:fontRef>
+        </p:style>
+        <p:txBody>
+          <a:bodyPr rtlCol="0" anchor="ctr"/>
+          <a:lstStyle/>
+          <a:p>
+            <a:pPr algn="ctr"/>
+            <a:r>
+              <a:rPr lang="en-US" altLang="zh-CN" sz="3300" b="1" dirty="0"/>
+              <a:t>AI-2</a:t>
+            </a:r>
+            <a:endParaRPr lang="zh-CN" altLang="en-US" sz="3300" b="1" dirty="0"/>
+          </a:p>
+        </p:txBody>
+      </p:sp>
+      <p:sp>
+        <p:nvSpPr>
+          <p:cNvPr id="35" name="矩形 34">
+            <a:extLst>
+              <a:ext uri="{FF2B5EF4-FFF2-40B4-BE49-F238E27FC236}">
+                <a16:creationId xmlns:a16="http://schemas.microsoft.com/office/drawing/2014/main" id="{14534853-DC24-4755-B90F-3B770A220191}"/>
+              </a:ext>
+            </a:extLst>
+          </p:cNvPr>
+          <p:cNvSpPr/>
+          <p:nvPr/>
+        </p:nvSpPr>
+        <p:spPr>
+          <a:xfrm>
+            <a:off x="12648312" y="8294359"/>
+            <a:ext cx="2718558" cy="522282"/>
+          </a:xfrm>
+          <a:prstGeom prst="rect">
+            <a:avLst/>
+          </a:prstGeom>
+          <a:solidFill>
+            <a:schemeClr val="accent5">
+              <a:lumMod val="75000"/>
+            </a:schemeClr>
+          </a:solidFill>
+          <a:ln>
+            <a:noFill/>
+          </a:ln>
+        </p:spPr>
+        <p:style>
+          <a:lnRef idx="2">
+            <a:schemeClr val="accent1">
+              <a:shade val="50000"/>
+            </a:schemeClr>
+          </a:lnRef>
+          <a:fillRef idx="1">
+            <a:schemeClr val="accent1"/>
+          </a:fillRef>
+          <a:effectRef idx="0">
+            <a:schemeClr val="accent1"/>
+          </a:effectRef>
+          <a:fontRef idx="minor">
+            <a:schemeClr val="lt1"/>
+          </a:fontRef>
+        </p:style>
+        <p:txBody>
+          <a:bodyPr rtlCol="0" anchor="ctr"/>
+          <a:lstStyle/>
+          <a:p>
+            <a:pPr algn="ctr"/>
+            <a:r>
+              <a:rPr lang="en-US" altLang="zh-CN" sz="3300" b="1" dirty="0" err="1"/>
+              <a:t>Cqs</a:t>
+            </a:r>
+            <a:r>
+              <a:rPr lang="en-US" altLang="zh-CN" sz="3300" b="1" dirty="0"/>
+              <a:t>-S</a:t>
+            </a:r>
+            <a:endParaRPr lang="zh-CN" altLang="en-US" sz="3300" b="1" dirty="0"/>
+          </a:p>
+        </p:txBody>
+      </p:sp>
+      <p:sp>
+        <p:nvSpPr>
+          <p:cNvPr id="36" name="右大括号 35">
+            <a:extLst>
+              <a:ext uri="{FF2B5EF4-FFF2-40B4-BE49-F238E27FC236}">
+                <a16:creationId xmlns:a16="http://schemas.microsoft.com/office/drawing/2014/main" id="{AD740FB4-BFF0-42D1-9957-33793A491402}"/>
+              </a:ext>
+            </a:extLst>
+          </p:cNvPr>
+          <p:cNvSpPr/>
+          <p:nvPr/>
+        </p:nvSpPr>
+        <p:spPr>
+          <a:xfrm>
+            <a:off x="15452673" y="7069851"/>
+            <a:ext cx="396240" cy="1568109"/>
+          </a:xfrm>
+          <a:prstGeom prst="rightBrace">
+            <a:avLst>
+              <a:gd name="adj1" fmla="val 58990"/>
+              <a:gd name="adj2" fmla="val 52938"/>
+            </a:avLst>
+          </a:prstGeom>
+          <a:ln w="38100"/>
+        </p:spPr>
+        <p:style>
+          <a:lnRef idx="3">
+            <a:schemeClr val="accent1"/>
+          </a:lnRef>
+          <a:fillRef idx="0">
+            <a:schemeClr val="accent1"/>
+          </a:fillRef>
+          <a:effectRef idx="2">
+            <a:schemeClr val="accent1"/>
+          </a:effectRef>
+          <a:fontRef idx="minor">
+            <a:schemeClr val="tx1"/>
+          </a:fontRef>
+        </p:style>
+        <p:txBody>
+          <a:bodyPr rot="0" spcFirstLastPara="0" vertOverflow="overflow" horzOverflow="overflow" vert="horz" wrap="square" lIns="91440" tIns="45719" rIns="91440" bIns="45719" numCol="1" spcCol="0" rtlCol="0" fromWordArt="0" anchor="ctr" anchorCtr="0" forceAA="0" compatLnSpc="1">
+            <a:prstTxWarp prst="textNoShape">
+              <a:avLst/>
+            </a:prstTxWarp>
+            <a:noAutofit/>
+          </a:bodyPr>
+          <a:lstStyle/>
+          <a:p>
+            <a:pPr algn="ctr"/>
+            <a:endParaRPr lang="zh-CN" altLang="en-US" b="1" dirty="0"/>
+          </a:p>
+        </p:txBody>
+      </p:sp>
+      <p:cxnSp>
+        <p:nvCxnSpPr>
+          <p:cNvPr id="37" name="直接箭头连接符 36">
+            <a:extLst>
+              <a:ext uri="{FF2B5EF4-FFF2-40B4-BE49-F238E27FC236}">
+                <a16:creationId xmlns:a16="http://schemas.microsoft.com/office/drawing/2014/main" id="{E3DE383C-939E-42DE-B2D6-1C3272B12DCD}"/>
+              </a:ext>
+            </a:extLst>
+          </p:cNvPr>
+          <p:cNvCxnSpPr>
+            <a:stCxn id="36" idx="1"/>
+          </p:cNvCxnSpPr>
+          <p:nvPr/>
+        </p:nvCxnSpPr>
+        <p:spPr>
+          <a:xfrm flipV="1">
+            <a:off x="15848912" y="7899622"/>
+            <a:ext cx="2459568" cy="352"/>
+          </a:xfrm>
+          <a:prstGeom prst="straightConnector1">
+            <a:avLst/>
+          </a:prstGeom>
+          <a:ln w="38100">
+            <a:headEnd type="triangle"/>
+            <a:tailEnd type="triangle"/>
+          </a:ln>
+        </p:spPr>
+        <p:style>
+          <a:lnRef idx="1">
+            <a:schemeClr val="accent1"/>
+          </a:lnRef>
+          <a:fillRef idx="0">
+            <a:schemeClr val="accent1"/>
+          </a:fillRef>
+          <a:effectRef idx="0">
+            <a:schemeClr val="accent1"/>
+          </a:effectRef>
+          <a:fontRef idx="minor">
+            <a:schemeClr val="tx1"/>
+          </a:fontRef>
+        </p:style>
+      </p:cxnSp>
+      <p:sp>
+        <p:nvSpPr>
+          <p:cNvPr id="38" name="文本框 37">
+            <a:extLst>
+              <a:ext uri="{FF2B5EF4-FFF2-40B4-BE49-F238E27FC236}">
+                <a16:creationId xmlns:a16="http://schemas.microsoft.com/office/drawing/2014/main" id="{B0352EC2-C7C0-4D6E-8350-ED3098E3A36C}"/>
+              </a:ext>
+            </a:extLst>
+          </p:cNvPr>
+          <p:cNvSpPr txBox="1"/>
+          <p:nvPr/>
+        </p:nvSpPr>
+        <p:spPr>
+          <a:xfrm>
+            <a:off x="16179377" y="7267154"/>
+            <a:ext cx="2343290" cy="523220"/>
+          </a:xfrm>
+          <a:prstGeom prst="rect">
+            <a:avLst/>
+          </a:prstGeom>
+          <a:noFill/>
+        </p:spPr>
+        <p:txBody>
+          <a:bodyPr wrap="square" rtlCol="0">
+            <a:spAutoFit/>
+          </a:bodyPr>
+          <a:lstStyle/>
+          <a:p>
+            <a:r>
+              <a:rPr lang="en-US" altLang="zh-CN" sz="2800" dirty="0"/>
+              <a:t>Association</a:t>
+            </a:r>
+            <a:endParaRPr lang="zh-CN" altLang="en-US" sz="2800" dirty="0"/>
+          </a:p>
+        </p:txBody>
+      </p:sp>
+      <p:sp>
+        <p:nvSpPr>
+          <p:cNvPr id="39" name="文本框 38">
+            <a:extLst>
+              <a:ext uri="{FF2B5EF4-FFF2-40B4-BE49-F238E27FC236}">
+                <a16:creationId xmlns:a16="http://schemas.microsoft.com/office/drawing/2014/main" id="{B60144DD-7C0C-45B9-B72B-0A47E3754D9B}"/>
+              </a:ext>
+            </a:extLst>
+          </p:cNvPr>
+          <p:cNvSpPr txBox="1"/>
+          <p:nvPr/>
+        </p:nvSpPr>
+        <p:spPr>
+          <a:xfrm>
+            <a:off x="15996497" y="7973629"/>
+            <a:ext cx="2343290" cy="523220"/>
+          </a:xfrm>
+          <a:prstGeom prst="rect">
+            <a:avLst/>
+          </a:prstGeom>
+          <a:noFill/>
+        </p:spPr>
+        <p:txBody>
+          <a:bodyPr wrap="square" rtlCol="0">
+            <a:spAutoFit/>
+          </a:bodyPr>
+          <a:lstStyle/>
+          <a:p>
+            <a:r>
+              <a:rPr lang="en-US" altLang="zh-CN" sz="2800" dirty="0"/>
+              <a:t>Disassociation</a:t>
+            </a:r>
+            <a:endParaRPr lang="zh-CN" altLang="en-US" sz="2800" dirty="0"/>
+          </a:p>
+        </p:txBody>
+      </p:sp>
+      <p:sp>
+        <p:nvSpPr>
+          <p:cNvPr id="40" name="矩形: 圆角 39">
+            <a:extLst>
+              <a:ext uri="{FF2B5EF4-FFF2-40B4-BE49-F238E27FC236}">
+                <a16:creationId xmlns:a16="http://schemas.microsoft.com/office/drawing/2014/main" id="{363F4B3D-1CB0-40C2-83FA-7D97D1E630C4}"/>
+              </a:ext>
+            </a:extLst>
+          </p:cNvPr>
+          <p:cNvSpPr/>
+          <p:nvPr/>
+        </p:nvSpPr>
+        <p:spPr>
+          <a:xfrm>
+            <a:off x="18308484" y="7503807"/>
+            <a:ext cx="2877137" cy="756388"/>
+          </a:xfrm>
+          <a:prstGeom prst="roundRect">
+            <a:avLst/>
+          </a:prstGeom>
+          <a:solidFill>
+            <a:srgbClr val="800000"/>
+          </a:solidFill>
+          <a:ln>
+            <a:noFill/>
+          </a:ln>
+        </p:spPr>
+        <p:style>
+          <a:lnRef idx="2">
+            <a:schemeClr val="accent1">
+              <a:shade val="50000"/>
+            </a:schemeClr>
+          </a:lnRef>
+          <a:fillRef idx="1">
+            <a:schemeClr val="accent1"/>
+          </a:fillRef>
+          <a:effectRef idx="0">
+            <a:schemeClr val="accent1"/>
+          </a:effectRef>
+          <a:fontRef idx="minor">
+            <a:schemeClr val="lt1"/>
+          </a:fontRef>
+        </p:style>
+        <p:txBody>
+          <a:bodyPr rtlCol="0" anchor="ctr"/>
+          <a:lstStyle/>
+          <a:p>
+            <a:pPr algn="ctr"/>
+            <a:r>
+              <a:rPr lang="en-US" altLang="zh-CN" sz="3300" b="1" dirty="0"/>
+              <a:t>AI-2/</a:t>
+            </a:r>
+            <a:r>
+              <a:rPr lang="en-US" altLang="zh-CN" sz="3300" b="1" dirty="0" err="1"/>
+              <a:t>Cqs</a:t>
+            </a:r>
+            <a:r>
+              <a:rPr lang="en-US" altLang="zh-CN" sz="3300" b="1" dirty="0"/>
+              <a:t>-S</a:t>
+            </a:r>
+            <a:endParaRPr lang="zh-CN" altLang="en-US" sz="2400" b="1" dirty="0"/>
+          </a:p>
+        </p:txBody>
+      </p:sp>
+      <p:sp>
+        <p:nvSpPr>
+          <p:cNvPr id="41" name="矩形 40">
+            <a:extLst>
+              <a:ext uri="{FF2B5EF4-FFF2-40B4-BE49-F238E27FC236}">
+                <a16:creationId xmlns:a16="http://schemas.microsoft.com/office/drawing/2014/main" id="{8293DEB6-3BA4-410B-AE1E-CBED3EA11CE0}"/>
+              </a:ext>
+            </a:extLst>
+          </p:cNvPr>
+          <p:cNvSpPr/>
+          <p:nvPr/>
+        </p:nvSpPr>
+        <p:spPr>
+          <a:xfrm>
+            <a:off x="5528182" y="7906629"/>
+            <a:ext cx="2718558" cy="522282"/>
+          </a:xfrm>
+          <a:prstGeom prst="rect">
+            <a:avLst/>
+          </a:prstGeom>
+          <a:solidFill>
+            <a:schemeClr val="accent5">
+              <a:lumMod val="75000"/>
+            </a:schemeClr>
+          </a:solidFill>
+          <a:ln>
+            <a:noFill/>
+          </a:ln>
+        </p:spPr>
+        <p:style>
+          <a:lnRef idx="2">
+            <a:schemeClr val="accent1">
+              <a:shade val="50000"/>
+            </a:schemeClr>
+          </a:lnRef>
+          <a:fillRef idx="1">
+            <a:schemeClr val="accent1"/>
+          </a:fillRef>
+          <a:effectRef idx="0">
+            <a:schemeClr val="accent1"/>
+          </a:effectRef>
+          <a:fontRef idx="minor">
+            <a:schemeClr val="lt1"/>
+          </a:fontRef>
+        </p:style>
+        <p:txBody>
+          <a:bodyPr rtlCol="0" anchor="ctr"/>
+          <a:lstStyle/>
+          <a:p>
+            <a:pPr algn="ctr"/>
+            <a:r>
+              <a:rPr lang="en-US" altLang="zh-CN" sz="3300" b="1" dirty="0"/>
+              <a:t>TGFBR1-P</a:t>
+            </a:r>
+            <a:endParaRPr lang="zh-CN" altLang="en-US" sz="3300" b="1" dirty="0"/>
+          </a:p>
+        </p:txBody>
+      </p:sp>
+      <p:sp>
+        <p:nvSpPr>
+          <p:cNvPr id="44" name="矩形 43">
+            <a:extLst>
+              <a:ext uri="{FF2B5EF4-FFF2-40B4-BE49-F238E27FC236}">
+                <a16:creationId xmlns:a16="http://schemas.microsoft.com/office/drawing/2014/main" id="{D2730CC6-30EB-4E3B-B0C3-3BFE8CB7355A}"/>
+              </a:ext>
+            </a:extLst>
+          </p:cNvPr>
+          <p:cNvSpPr/>
+          <p:nvPr/>
+        </p:nvSpPr>
+        <p:spPr>
+          <a:xfrm>
+            <a:off x="2914118" y="9188879"/>
+            <a:ext cx="2718558" cy="522282"/>
+          </a:xfrm>
+          <a:prstGeom prst="rect">
+            <a:avLst/>
+          </a:prstGeom>
+          <a:solidFill>
+            <a:schemeClr val="accent5">
+              <a:lumMod val="75000"/>
+            </a:schemeClr>
+          </a:solidFill>
+          <a:ln>
+            <a:noFill/>
+          </a:ln>
+        </p:spPr>
+        <p:style>
+          <a:lnRef idx="2">
+            <a:schemeClr val="accent1">
+              <a:shade val="50000"/>
+            </a:schemeClr>
+          </a:lnRef>
+          <a:fillRef idx="1">
+            <a:schemeClr val="accent1"/>
+          </a:fillRef>
+          <a:effectRef idx="0">
+            <a:schemeClr val="accent1"/>
+          </a:effectRef>
+          <a:fontRef idx="minor">
+            <a:schemeClr val="lt1"/>
+          </a:fontRef>
+        </p:style>
+        <p:txBody>
+          <a:bodyPr rtlCol="0" anchor="ctr"/>
+          <a:lstStyle/>
+          <a:p>
+            <a:pPr algn="ctr"/>
+            <a:r>
+              <a:rPr lang="en-US" altLang="zh-CN" sz="3300" b="1" dirty="0"/>
+              <a:t>Smad2</a:t>
+            </a:r>
+            <a:endParaRPr lang="zh-CN" altLang="en-US" sz="3300" b="1" dirty="0"/>
+          </a:p>
+        </p:txBody>
+      </p:sp>
+      <p:sp>
+        <p:nvSpPr>
+          <p:cNvPr id="45" name="矩形 44">
+            <a:extLst>
+              <a:ext uri="{FF2B5EF4-FFF2-40B4-BE49-F238E27FC236}">
+                <a16:creationId xmlns:a16="http://schemas.microsoft.com/office/drawing/2014/main" id="{439E1BA7-1DC6-45D8-A05C-71190061220D}"/>
+              </a:ext>
+            </a:extLst>
+          </p:cNvPr>
+          <p:cNvSpPr/>
+          <p:nvPr/>
+        </p:nvSpPr>
+        <p:spPr>
+          <a:xfrm>
+            <a:off x="7737014" y="9188879"/>
+            <a:ext cx="2718558" cy="522282"/>
+          </a:xfrm>
+          <a:prstGeom prst="rect">
+            <a:avLst/>
+          </a:prstGeom>
+          <a:solidFill>
+            <a:schemeClr val="accent5">
+              <a:lumMod val="75000"/>
+            </a:schemeClr>
+          </a:solidFill>
+          <a:ln>
+            <a:noFill/>
+          </a:ln>
+        </p:spPr>
+        <p:style>
+          <a:lnRef idx="2">
+            <a:schemeClr val="accent1">
+              <a:shade val="50000"/>
+            </a:schemeClr>
+          </a:lnRef>
+          <a:fillRef idx="1">
+            <a:schemeClr val="accent1"/>
+          </a:fillRef>
+          <a:effectRef idx="0">
+            <a:schemeClr val="accent1"/>
+          </a:effectRef>
+          <a:fontRef idx="minor">
+            <a:schemeClr val="lt1"/>
+          </a:fontRef>
+        </p:style>
+        <p:txBody>
+          <a:bodyPr rtlCol="0" anchor="ctr"/>
+          <a:lstStyle/>
+          <a:p>
+            <a:pPr algn="ctr"/>
+            <a:r>
+              <a:rPr lang="en-US" altLang="zh-CN" sz="3300" b="1" dirty="0"/>
+              <a:t>Smad2-P</a:t>
+            </a:r>
+            <a:endParaRPr lang="zh-CN" altLang="en-US" sz="3300" b="1" dirty="0"/>
+          </a:p>
+        </p:txBody>
+      </p:sp>
+      <p:cxnSp>
+        <p:nvCxnSpPr>
+          <p:cNvPr id="46" name="直接箭头连接符 45">
+            <a:extLst>
+              <a:ext uri="{FF2B5EF4-FFF2-40B4-BE49-F238E27FC236}">
+                <a16:creationId xmlns:a16="http://schemas.microsoft.com/office/drawing/2014/main" id="{C768A326-61C5-478E-9665-5AF322809C94}"/>
+              </a:ext>
+            </a:extLst>
+          </p:cNvPr>
+          <p:cNvCxnSpPr>
+            <a:cxnSpLocks/>
+            <a:stCxn id="44" idx="3"/>
+            <a:endCxn id="45" idx="1"/>
+          </p:cNvCxnSpPr>
+          <p:nvPr/>
+        </p:nvCxnSpPr>
+        <p:spPr>
+          <a:xfrm>
+            <a:off x="5632679" y="9450019"/>
+            <a:ext cx="2104339" cy="0"/>
+          </a:xfrm>
+          <a:prstGeom prst="straightConnector1">
+            <a:avLst/>
+          </a:prstGeom>
+          <a:ln w="38100">
+            <a:prstDash val="solid"/>
+            <a:tailEnd type="triangle"/>
+          </a:ln>
+        </p:spPr>
+        <p:style>
+          <a:lnRef idx="1">
+            <a:schemeClr val="accent1"/>
+          </a:lnRef>
+          <a:fillRef idx="0">
+            <a:schemeClr val="accent1"/>
+          </a:fillRef>
+          <a:effectRef idx="0">
+            <a:schemeClr val="accent1"/>
+          </a:effectRef>
+          <a:fontRef idx="minor">
+            <a:schemeClr val="tx1"/>
+          </a:fontRef>
+        </p:style>
+      </p:cxnSp>
+      <p:cxnSp>
+        <p:nvCxnSpPr>
+          <p:cNvPr id="48" name="直接箭头连接符 47">
+            <a:extLst>
+              <a:ext uri="{FF2B5EF4-FFF2-40B4-BE49-F238E27FC236}">
+                <a16:creationId xmlns:a16="http://schemas.microsoft.com/office/drawing/2014/main" id="{A94C55A4-B7E8-4F5C-89F7-5947B376E95E}"/>
+              </a:ext>
+            </a:extLst>
+          </p:cNvPr>
+          <p:cNvCxnSpPr>
+            <a:cxnSpLocks/>
+            <a:stCxn id="41" idx="2"/>
+          </p:cNvCxnSpPr>
+          <p:nvPr/>
+        </p:nvCxnSpPr>
+        <p:spPr>
+          <a:xfrm>
+            <a:off x="6887461" y="8428911"/>
+            <a:ext cx="0" cy="997654"/>
+          </a:xfrm>
+          <a:prstGeom prst="straightConnector1">
+            <a:avLst/>
+          </a:prstGeom>
+          <a:ln w="38100">
+            <a:tailEnd type="triangle"/>
+          </a:ln>
+        </p:spPr>
+        <p:style>
+          <a:lnRef idx="1">
+            <a:schemeClr val="accent1"/>
+          </a:lnRef>
+          <a:fillRef idx="0">
+            <a:schemeClr val="accent1"/>
+          </a:fillRef>
+          <a:effectRef idx="0">
+            <a:schemeClr val="accent1"/>
+          </a:effectRef>
+          <a:fontRef idx="minor">
+            <a:schemeClr val="tx1"/>
+          </a:fontRef>
+        </p:style>
+      </p:cxnSp>
+      <p:sp>
+        <p:nvSpPr>
+          <p:cNvPr id="49" name="文本框 48">
+            <a:extLst>
+              <a:ext uri="{FF2B5EF4-FFF2-40B4-BE49-F238E27FC236}">
+                <a16:creationId xmlns:a16="http://schemas.microsoft.com/office/drawing/2014/main" id="{C5684F50-E06E-4BED-8F9A-462878E79F7E}"/>
+              </a:ext>
+            </a:extLst>
+          </p:cNvPr>
+          <p:cNvSpPr txBox="1"/>
+          <p:nvPr/>
+        </p:nvSpPr>
+        <p:spPr>
+          <a:xfrm>
+            <a:off x="6932591" y="8412927"/>
+            <a:ext cx="2343290" cy="523220"/>
+          </a:xfrm>
+          <a:prstGeom prst="rect">
+            <a:avLst/>
+          </a:prstGeom>
+          <a:noFill/>
+        </p:spPr>
+        <p:txBody>
+          <a:bodyPr wrap="square" rtlCol="0">
+            <a:spAutoFit/>
+          </a:bodyPr>
+          <a:lstStyle/>
+          <a:p>
+            <a:r>
+              <a:rPr lang="en-US" altLang="zh-CN" sz="2800" dirty="0"/>
+              <a:t>Enzyme</a:t>
+            </a:r>
+            <a:endParaRPr lang="zh-CN" altLang="en-US" sz="2800" dirty="0"/>
+          </a:p>
+        </p:txBody>
+      </p:sp>
+    </p:spTree>
+    <p:extLst>
+      <p:ext uri="{BB962C8B-B14F-4D97-AF65-F5344CB8AC3E}">
+        <p14:creationId xmlns:p14="http://schemas.microsoft.com/office/powerpoint/2010/main" val="4281413688"/>
+      </p:ext>
+    </p:extLst>
+  </p:cSld>
+  <p:clrMapOvr>
+    <a:masterClrMapping/>
+  </p:clrMapOvr>
+</p:sld>
+</file>
+
 <file path=ppt/theme/theme1.xml><?xml version="1.0" encoding="utf-8"?>
 <a:theme xmlns:a="http://schemas.openxmlformats.org/drawingml/2006/main" name="Office 主题​​">
   <a:themeElements>
